--- a/Servidor Proxy inverso.pptx
+++ b/Servidor Proxy inverso.pptx
@@ -1,44 +1,44 @@
 
 <file path=ppt/presentation.xml><?xml version="1.0" encoding="utf-8"?>
-<p:presentation xmlns:a="http://schemas.openxmlformats.org/drawingml/2006/main" xmlns:r="http://schemas.openxmlformats.org/officeDocument/2006/relationships" xmlns:p="http://schemas.openxmlformats.org/presentationml/2006/main" saveSubsetFonts="1" embedTrueTypeFonts="true">
+<p:presentation xmlns:a="http://schemas.openxmlformats.org/drawingml/2006/main" xmlns:r="http://schemas.openxmlformats.org/officeDocument/2006/relationships" xmlns:p="http://schemas.openxmlformats.org/presentationml/2006/main" embedTrueTypeFonts="1" saveSubsetFonts="1">
   <p:sldMasterIdLst>
     <p:sldMasterId id="2147483648" r:id="rId1"/>
   </p:sldMasterIdLst>
   <p:sldIdLst>
-    <p:sldId id="256" r:id="rId6"/>
-    <p:sldId id="257" r:id="rId7"/>
-    <p:sldId id="258" r:id="rId8"/>
-    <p:sldId id="259" r:id="rId9"/>
-    <p:sldId id="260" r:id="rId10"/>
-    <p:sldId id="261" r:id="rId11"/>
-    <p:sldId id="262" r:id="rId12"/>
-    <p:sldId id="263" r:id="rId13"/>
-    <p:sldId id="264" r:id="rId14"/>
-    <p:sldId id="265" r:id="rId15"/>
-    <p:sldId id="266" r:id="rId16"/>
-    <p:sldId id="267" r:id="rId17"/>
-    <p:sldId id="268" r:id="rId18"/>
-    <p:sldId id="269" r:id="rId19"/>
-    <p:sldId id="270" r:id="rId20"/>
+    <p:sldId id="256" r:id="rId2"/>
+    <p:sldId id="257" r:id="rId3"/>
+    <p:sldId id="258" r:id="rId4"/>
+    <p:sldId id="259" r:id="rId5"/>
+    <p:sldId id="260" r:id="rId6"/>
+    <p:sldId id="261" r:id="rId7"/>
+    <p:sldId id="262" r:id="rId8"/>
+    <p:sldId id="263" r:id="rId9"/>
+    <p:sldId id="264" r:id="rId10"/>
+    <p:sldId id="265" r:id="rId11"/>
+    <p:sldId id="266" r:id="rId12"/>
+    <p:sldId id="267" r:id="rId13"/>
+    <p:sldId id="268" r:id="rId14"/>
+    <p:sldId id="269" r:id="rId15"/>
+    <p:sldId id="270" r:id="rId16"/>
   </p:sldIdLst>
   <p:sldSz cx="18288000" cy="10287000"/>
   <p:notesSz cx="6858000" cy="9144000"/>
   <p:embeddedFontLst>
     <p:embeddedFont>
-      <p:font typeface="Poppins Bold" charset="1" panose="00000800000000000000"/>
-      <p:regular r:id="rId21"/>
+      <p:font typeface="Montserrat" panose="02000505000000020004" pitchFamily="2" charset="0"/>
+      <p:regular r:id="rId17"/>
     </p:embeddedFont>
     <p:embeddedFont>
-      <p:font typeface="Poppins Semi-Bold" charset="1" panose="00000700000000000000"/>
-      <p:regular r:id="rId22"/>
+      <p:font typeface="Poppins" panose="00000500000000000000" pitchFamily="2" charset="0"/>
+      <p:regular r:id="rId18"/>
     </p:embeddedFont>
     <p:embeddedFont>
-      <p:font typeface="Montserrat" charset="1" panose="00000500000000000000"/>
-      <p:regular r:id="rId23"/>
+      <p:font typeface="Poppins Bold" panose="00000800000000000000" charset="0"/>
+      <p:regular r:id="rId19"/>
     </p:embeddedFont>
     <p:embeddedFont>
-      <p:font typeface="Poppins" charset="1" panose="00000500000000000000"/>
-      <p:regular r:id="rId24"/>
+      <p:font typeface="Poppins Semi-Bold" panose="020B0604020202020204" charset="0"/>
+      <p:regular r:id="rId20"/>
     </p:embeddedFont>
   </p:embeddedFontLst>
   <p:defaultTextStyle>
@@ -136,7 +136,75 @@
       </a:defRPr>
     </a:lvl9pPr>
   </p:defaultTextStyle>
+  <p:extLst>
+    <p:ext uri="{EFAFB233-063F-42B5-8137-9DF3F51BA10A}">
+      <p15:sldGuideLst xmlns:p15="http://schemas.microsoft.com/office/powerpoint/2012/main">
+        <p15:guide id="1" orient="horz" pos="2160">
+          <p15:clr>
+            <a:srgbClr val="A4A3A4"/>
+          </p15:clr>
+        </p15:guide>
+        <p15:guide id="2" pos="2880">
+          <p15:clr>
+            <a:srgbClr val="A4A3A4"/>
+          </p15:clr>
+        </p15:guide>
+      </p15:sldGuideLst>
+    </p:ext>
+  </p:extLst>
 </p:presentation>
+</file>
+
+<file path=ppt/changesInfos/changesInfo1.xml><?xml version="1.0" encoding="utf-8"?>
+<pc:chgInfo xmlns:a="http://schemas.openxmlformats.org/drawingml/2006/main" xmlns:r="http://schemas.openxmlformats.org/officeDocument/2006/relationships" xmlns:ac="http://schemas.microsoft.com/office/drawing/2013/main/command" xmlns:pc="http://schemas.microsoft.com/office/powerpoint/2013/main/command">
+  <pc:docChgLst>
+    <pc:chgData name="ANGAMARCA MOYA MILTON LEIBNITZ" userId="2f8a2686-7bb5-45dc-b687-68bca5f94869" providerId="ADAL" clId="{B1EC999E-8DDC-409C-ADAA-45FFB9344871}"/>
+    <pc:docChg chg="undo custSel modSld">
+      <pc:chgData name="ANGAMARCA MOYA MILTON LEIBNITZ" userId="2f8a2686-7bb5-45dc-b687-68bca5f94869" providerId="ADAL" clId="{B1EC999E-8DDC-409C-ADAA-45FFB9344871}" dt="2024-06-13T17:04:37.388" v="4" actId="1036"/>
+      <pc:docMkLst>
+        <pc:docMk/>
+      </pc:docMkLst>
+      <pc:sldChg chg="addSp delSp modSp mod">
+        <pc:chgData name="ANGAMARCA MOYA MILTON LEIBNITZ" userId="2f8a2686-7bb5-45dc-b687-68bca5f94869" providerId="ADAL" clId="{B1EC999E-8DDC-409C-ADAA-45FFB9344871}" dt="2024-06-12T04:51:20.506" v="3" actId="478"/>
+        <pc:sldMkLst>
+          <pc:docMk/>
+          <pc:sldMk cId="0" sldId="256"/>
+        </pc:sldMkLst>
+        <pc:spChg chg="mod">
+          <ac:chgData name="ANGAMARCA MOYA MILTON LEIBNITZ" userId="2f8a2686-7bb5-45dc-b687-68bca5f94869" providerId="ADAL" clId="{B1EC999E-8DDC-409C-ADAA-45FFB9344871}" dt="2024-06-12T04:51:19.849" v="2" actId="20577"/>
+          <ac:spMkLst>
+            <pc:docMk/>
+            <pc:sldMk cId="0" sldId="256"/>
+            <ac:spMk id="14" creationId="{00000000-0000-0000-0000-000000000000}"/>
+          </ac:spMkLst>
+        </pc:spChg>
+        <pc:grpChg chg="add del">
+          <ac:chgData name="ANGAMARCA MOYA MILTON LEIBNITZ" userId="2f8a2686-7bb5-45dc-b687-68bca5f94869" providerId="ADAL" clId="{B1EC999E-8DDC-409C-ADAA-45FFB9344871}" dt="2024-06-12T04:51:20.506" v="3" actId="478"/>
+          <ac:grpSpMkLst>
+            <pc:docMk/>
+            <pc:sldMk cId="0" sldId="256"/>
+            <ac:grpSpMk id="2" creationId="{00000000-0000-0000-0000-000000000000}"/>
+          </ac:grpSpMkLst>
+        </pc:grpChg>
+      </pc:sldChg>
+      <pc:sldChg chg="modSp mod">
+        <pc:chgData name="ANGAMARCA MOYA MILTON LEIBNITZ" userId="2f8a2686-7bb5-45dc-b687-68bca5f94869" providerId="ADAL" clId="{B1EC999E-8DDC-409C-ADAA-45FFB9344871}" dt="2024-06-13T17:04:37.388" v="4" actId="1036"/>
+        <pc:sldMkLst>
+          <pc:docMk/>
+          <pc:sldMk cId="0" sldId="263"/>
+        </pc:sldMkLst>
+        <pc:spChg chg="mod">
+          <ac:chgData name="ANGAMARCA MOYA MILTON LEIBNITZ" userId="2f8a2686-7bb5-45dc-b687-68bca5f94869" providerId="ADAL" clId="{B1EC999E-8DDC-409C-ADAA-45FFB9344871}" dt="2024-06-13T17:04:37.388" v="4" actId="1036"/>
+          <ac:spMkLst>
+            <pc:docMk/>
+            <pc:sldMk cId="0" sldId="263"/>
+            <ac:spMk id="20" creationId="{00000000-0000-0000-0000-000000000000}"/>
+          </ac:spMkLst>
+        </pc:spChg>
+      </pc:sldChg>
+    </pc:docChg>
+  </pc:docChgLst>
+</pc:chgInfo>
 </file>
 
 <file path=ppt/slideLayouts/slideLayout1.xml><?xml version="1.0" encoding="utf-8"?>
@@ -177,10 +245,9 @@
           <a:lstStyle/>
           <a:p>
             <a:r>
-              <a:rPr lang="en-US" smtClean="0"/>
+              <a:rPr lang="en-US"/>
               <a:t>Click to edit Master title style</a:t>
             </a:r>
-            <a:endParaRPr lang="en-US"/>
           </a:p>
         </p:txBody>
       </p:sp>
@@ -296,10 +363,9 @@
           </a:lstStyle>
           <a:p>
             <a:r>
-              <a:rPr lang="en-US" smtClean="0"/>
+              <a:rPr lang="en-US"/>
               <a:t>Click to edit Master subtitle style</a:t>
             </a:r>
-            <a:endParaRPr lang="en-US"/>
           </a:p>
         </p:txBody>
       </p:sp>
@@ -321,7 +387,7 @@
             <a:fld id="{1D8BD707-D9CF-40AE-B4C6-C98DA3205C09}" type="datetimeFigureOut">
               <a:rPr lang="en-US" smtClean="0"/>
               <a:pPr/>
-              <a:t>8/1/2011</a:t>
+              <a:t>6/13/2024</a:t>
             </a:fld>
             <a:endParaRPr lang="en-US"/>
           </a:p>
@@ -364,7 +430,7 @@
             <a:fld id="{B6F15528-21DE-4FAA-801E-634DDDAF4B2B}" type="slidenum">
               <a:rPr lang="en-US" smtClean="0"/>
               <a:pPr/>
-              <a:t>‹#›</a:t>
+              <a:t>‹Nº›</a:t>
             </a:fld>
             <a:endParaRPr lang="en-US"/>
           </a:p>
@@ -411,10 +477,9 @@
           <a:lstStyle/>
           <a:p>
             <a:r>
-              <a:rPr lang="en-US" smtClean="0"/>
+              <a:rPr lang="en-US"/>
               <a:t>Click to edit Master title style</a:t>
             </a:r>
-            <a:endParaRPr lang="en-US"/>
           </a:p>
         </p:txBody>
       </p:sp>
@@ -435,38 +500,37 @@
           <a:p>
             <a:pPr lvl="0"/>
             <a:r>
-              <a:rPr lang="en-US" smtClean="0"/>
+              <a:rPr lang="en-US"/>
               <a:t>Click to edit Master text styles</a:t>
             </a:r>
           </a:p>
           <a:p>
             <a:pPr lvl="1"/>
             <a:r>
-              <a:rPr lang="en-US" smtClean="0"/>
+              <a:rPr lang="en-US"/>
               <a:t>Second level</a:t>
             </a:r>
           </a:p>
           <a:p>
             <a:pPr lvl="2"/>
             <a:r>
-              <a:rPr lang="en-US" smtClean="0"/>
+              <a:rPr lang="en-US"/>
               <a:t>Third level</a:t>
             </a:r>
           </a:p>
           <a:p>
             <a:pPr lvl="3"/>
             <a:r>
-              <a:rPr lang="en-US" smtClean="0"/>
+              <a:rPr lang="en-US"/>
               <a:t>Fourth level</a:t>
             </a:r>
           </a:p>
           <a:p>
             <a:pPr lvl="4"/>
             <a:r>
-              <a:rPr lang="en-US" smtClean="0"/>
+              <a:rPr lang="en-US"/>
               <a:t>Fifth level</a:t>
             </a:r>
-            <a:endParaRPr lang="en-US"/>
           </a:p>
         </p:txBody>
       </p:sp>
@@ -488,7 +552,7 @@
             <a:fld id="{1D8BD707-D9CF-40AE-B4C6-C98DA3205C09}" type="datetimeFigureOut">
               <a:rPr lang="en-US" smtClean="0"/>
               <a:pPr/>
-              <a:t>8/1/2011</a:t>
+              <a:t>6/13/2024</a:t>
             </a:fld>
             <a:endParaRPr lang="en-US"/>
           </a:p>
@@ -531,7 +595,7 @@
             <a:fld id="{B6F15528-21DE-4FAA-801E-634DDDAF4B2B}" type="slidenum">
               <a:rPr lang="en-US" smtClean="0"/>
               <a:pPr/>
-              <a:t>‹#›</a:t>
+              <a:t>‹Nº›</a:t>
             </a:fld>
             <a:endParaRPr lang="en-US"/>
           </a:p>
@@ -583,10 +647,9 @@
           <a:lstStyle/>
           <a:p>
             <a:r>
-              <a:rPr lang="en-US" smtClean="0"/>
+              <a:rPr lang="en-US"/>
               <a:t>Click to edit Master title style</a:t>
             </a:r>
-            <a:endParaRPr lang="en-US"/>
           </a:p>
         </p:txBody>
       </p:sp>
@@ -612,38 +675,37 @@
           <a:p>
             <a:pPr lvl="0"/>
             <a:r>
-              <a:rPr lang="en-US" smtClean="0"/>
+              <a:rPr lang="en-US"/>
               <a:t>Click to edit Master text styles</a:t>
             </a:r>
           </a:p>
           <a:p>
             <a:pPr lvl="1"/>
             <a:r>
-              <a:rPr lang="en-US" smtClean="0"/>
+              <a:rPr lang="en-US"/>
               <a:t>Second level</a:t>
             </a:r>
           </a:p>
           <a:p>
             <a:pPr lvl="2"/>
             <a:r>
-              <a:rPr lang="en-US" smtClean="0"/>
+              <a:rPr lang="en-US"/>
               <a:t>Third level</a:t>
             </a:r>
           </a:p>
           <a:p>
             <a:pPr lvl="3"/>
             <a:r>
-              <a:rPr lang="en-US" smtClean="0"/>
+              <a:rPr lang="en-US"/>
               <a:t>Fourth level</a:t>
             </a:r>
           </a:p>
           <a:p>
             <a:pPr lvl="4"/>
             <a:r>
-              <a:rPr lang="en-US" smtClean="0"/>
+              <a:rPr lang="en-US"/>
               <a:t>Fifth level</a:t>
             </a:r>
-            <a:endParaRPr lang="en-US"/>
           </a:p>
         </p:txBody>
       </p:sp>
@@ -665,7 +727,7 @@
             <a:fld id="{1D8BD707-D9CF-40AE-B4C6-C98DA3205C09}" type="datetimeFigureOut">
               <a:rPr lang="en-US" smtClean="0"/>
               <a:pPr/>
-              <a:t>8/1/2011</a:t>
+              <a:t>6/13/2024</a:t>
             </a:fld>
             <a:endParaRPr lang="en-US"/>
           </a:p>
@@ -708,7 +770,7 @@
             <a:fld id="{B6F15528-21DE-4FAA-801E-634DDDAF4B2B}" type="slidenum">
               <a:rPr lang="en-US" smtClean="0"/>
               <a:pPr/>
-              <a:t>‹#›</a:t>
+              <a:t>‹Nº›</a:t>
             </a:fld>
             <a:endParaRPr lang="en-US"/>
           </a:p>
@@ -755,10 +817,9 @@
           <a:lstStyle/>
           <a:p>
             <a:r>
-              <a:rPr lang="en-US" smtClean="0"/>
+              <a:rPr lang="en-US"/>
               <a:t>Click to edit Master title style</a:t>
             </a:r>
-            <a:endParaRPr lang="en-US"/>
           </a:p>
         </p:txBody>
       </p:sp>
@@ -779,38 +840,37 @@
           <a:p>
             <a:pPr lvl="0"/>
             <a:r>
-              <a:rPr lang="en-US" smtClean="0"/>
+              <a:rPr lang="en-US"/>
               <a:t>Click to edit Master text styles</a:t>
             </a:r>
           </a:p>
           <a:p>
             <a:pPr lvl="1"/>
             <a:r>
-              <a:rPr lang="en-US" smtClean="0"/>
+              <a:rPr lang="en-US"/>
               <a:t>Second level</a:t>
             </a:r>
           </a:p>
           <a:p>
             <a:pPr lvl="2"/>
             <a:r>
-              <a:rPr lang="en-US" smtClean="0"/>
+              <a:rPr lang="en-US"/>
               <a:t>Third level</a:t>
             </a:r>
           </a:p>
           <a:p>
             <a:pPr lvl="3"/>
             <a:r>
-              <a:rPr lang="en-US" smtClean="0"/>
+              <a:rPr lang="en-US"/>
               <a:t>Fourth level</a:t>
             </a:r>
           </a:p>
           <a:p>
             <a:pPr lvl="4"/>
             <a:r>
-              <a:rPr lang="en-US" smtClean="0"/>
+              <a:rPr lang="en-US"/>
               <a:t>Fifth level</a:t>
             </a:r>
-            <a:endParaRPr lang="en-US"/>
           </a:p>
         </p:txBody>
       </p:sp>
@@ -832,7 +892,7 @@
             <a:fld id="{1D8BD707-D9CF-40AE-B4C6-C98DA3205C09}" type="datetimeFigureOut">
               <a:rPr lang="en-US" smtClean="0"/>
               <a:pPr/>
-              <a:t>8/1/2011</a:t>
+              <a:t>6/13/2024</a:t>
             </a:fld>
             <a:endParaRPr lang="en-US"/>
           </a:p>
@@ -875,7 +935,7 @@
             <a:fld id="{B6F15528-21DE-4FAA-801E-634DDDAF4B2B}" type="slidenum">
               <a:rPr lang="en-US" smtClean="0"/>
               <a:pPr/>
-              <a:t>‹#›</a:t>
+              <a:t>‹Nº›</a:t>
             </a:fld>
             <a:endParaRPr lang="en-US"/>
           </a:p>
@@ -931,10 +991,9 @@
           </a:lstStyle>
           <a:p>
             <a:r>
-              <a:rPr lang="en-US" smtClean="0"/>
+              <a:rPr lang="en-US"/>
               <a:t>Click to edit Master title style</a:t>
             </a:r>
-            <a:endParaRPr lang="en-US"/>
           </a:p>
         </p:txBody>
       </p:sp>
@@ -1051,7 +1110,7 @@
           <a:p>
             <a:pPr lvl="0"/>
             <a:r>
-              <a:rPr lang="en-US" smtClean="0"/>
+              <a:rPr lang="en-US"/>
               <a:t>Click to edit Master text styles</a:t>
             </a:r>
           </a:p>
@@ -1075,7 +1134,7 @@
             <a:fld id="{1D8BD707-D9CF-40AE-B4C6-C98DA3205C09}" type="datetimeFigureOut">
               <a:rPr lang="en-US" smtClean="0"/>
               <a:pPr/>
-              <a:t>8/1/2011</a:t>
+              <a:t>6/13/2024</a:t>
             </a:fld>
             <a:endParaRPr lang="en-US"/>
           </a:p>
@@ -1118,7 +1177,7 @@
             <a:fld id="{B6F15528-21DE-4FAA-801E-634DDDAF4B2B}" type="slidenum">
               <a:rPr lang="en-US" smtClean="0"/>
               <a:pPr/>
-              <a:t>‹#›</a:t>
+              <a:t>‹Nº›</a:t>
             </a:fld>
             <a:endParaRPr lang="en-US"/>
           </a:p>
@@ -1165,10 +1224,9 @@
           <a:lstStyle/>
           <a:p>
             <a:r>
-              <a:rPr lang="en-US" smtClean="0"/>
+              <a:rPr lang="en-US"/>
               <a:t>Click to edit Master title style</a:t>
             </a:r>
-            <a:endParaRPr lang="en-US"/>
           </a:p>
         </p:txBody>
       </p:sp>
@@ -1222,38 +1280,37 @@
           <a:p>
             <a:pPr lvl="0"/>
             <a:r>
-              <a:rPr lang="en-US" smtClean="0"/>
+              <a:rPr lang="en-US"/>
               <a:t>Click to edit Master text styles</a:t>
             </a:r>
           </a:p>
           <a:p>
             <a:pPr lvl="1"/>
             <a:r>
-              <a:rPr lang="en-US" smtClean="0"/>
+              <a:rPr lang="en-US"/>
               <a:t>Second level</a:t>
             </a:r>
           </a:p>
           <a:p>
             <a:pPr lvl="2"/>
             <a:r>
-              <a:rPr lang="en-US" smtClean="0"/>
+              <a:rPr lang="en-US"/>
               <a:t>Third level</a:t>
             </a:r>
           </a:p>
           <a:p>
             <a:pPr lvl="3"/>
             <a:r>
-              <a:rPr lang="en-US" smtClean="0"/>
+              <a:rPr lang="en-US"/>
               <a:t>Fourth level</a:t>
             </a:r>
           </a:p>
           <a:p>
             <a:pPr lvl="4"/>
             <a:r>
-              <a:rPr lang="en-US" smtClean="0"/>
+              <a:rPr lang="en-US"/>
               <a:t>Fifth level</a:t>
             </a:r>
-            <a:endParaRPr lang="en-US"/>
           </a:p>
         </p:txBody>
       </p:sp>
@@ -1307,38 +1364,37 @@
           <a:p>
             <a:pPr lvl="0"/>
             <a:r>
-              <a:rPr lang="en-US" smtClean="0"/>
+              <a:rPr lang="en-US"/>
               <a:t>Click to edit Master text styles</a:t>
             </a:r>
           </a:p>
           <a:p>
             <a:pPr lvl="1"/>
             <a:r>
-              <a:rPr lang="en-US" smtClean="0"/>
+              <a:rPr lang="en-US"/>
               <a:t>Second level</a:t>
             </a:r>
           </a:p>
           <a:p>
             <a:pPr lvl="2"/>
             <a:r>
-              <a:rPr lang="en-US" smtClean="0"/>
+              <a:rPr lang="en-US"/>
               <a:t>Third level</a:t>
             </a:r>
           </a:p>
           <a:p>
             <a:pPr lvl="3"/>
             <a:r>
-              <a:rPr lang="en-US" smtClean="0"/>
+              <a:rPr lang="en-US"/>
               <a:t>Fourth level</a:t>
             </a:r>
           </a:p>
           <a:p>
             <a:pPr lvl="4"/>
             <a:r>
-              <a:rPr lang="en-US" smtClean="0"/>
+              <a:rPr lang="en-US"/>
               <a:t>Fifth level</a:t>
             </a:r>
-            <a:endParaRPr lang="en-US"/>
           </a:p>
         </p:txBody>
       </p:sp>
@@ -1360,7 +1416,7 @@
             <a:fld id="{1D8BD707-D9CF-40AE-B4C6-C98DA3205C09}" type="datetimeFigureOut">
               <a:rPr lang="en-US" smtClean="0"/>
               <a:pPr/>
-              <a:t>8/1/2011</a:t>
+              <a:t>6/13/2024</a:t>
             </a:fld>
             <a:endParaRPr lang="en-US"/>
           </a:p>
@@ -1403,7 +1459,7 @@
             <a:fld id="{B6F15528-21DE-4FAA-801E-634DDDAF4B2B}" type="slidenum">
               <a:rPr lang="en-US" smtClean="0"/>
               <a:pPr/>
-              <a:t>‹#›</a:t>
+              <a:t>‹Nº›</a:t>
             </a:fld>
             <a:endParaRPr lang="en-US"/>
           </a:p>
@@ -1454,10 +1510,9 @@
           </a:lstStyle>
           <a:p>
             <a:r>
-              <a:rPr lang="en-US" smtClean="0"/>
+              <a:rPr lang="en-US"/>
               <a:t>Click to edit Master title style</a:t>
             </a:r>
-            <a:endParaRPr lang="en-US"/>
           </a:p>
         </p:txBody>
       </p:sp>
@@ -1520,7 +1575,7 @@
           <a:p>
             <a:pPr lvl="0"/>
             <a:r>
-              <a:rPr lang="en-US" smtClean="0"/>
+              <a:rPr lang="en-US"/>
               <a:t>Click to edit Master text styles</a:t>
             </a:r>
           </a:p>
@@ -1576,38 +1631,37 @@
           <a:p>
             <a:pPr lvl="0"/>
             <a:r>
-              <a:rPr lang="en-US" smtClean="0"/>
+              <a:rPr lang="en-US"/>
               <a:t>Click to edit Master text styles</a:t>
             </a:r>
           </a:p>
           <a:p>
             <a:pPr lvl="1"/>
             <a:r>
-              <a:rPr lang="en-US" smtClean="0"/>
+              <a:rPr lang="en-US"/>
               <a:t>Second level</a:t>
             </a:r>
           </a:p>
           <a:p>
             <a:pPr lvl="2"/>
             <a:r>
-              <a:rPr lang="en-US" smtClean="0"/>
+              <a:rPr lang="en-US"/>
               <a:t>Third level</a:t>
             </a:r>
           </a:p>
           <a:p>
             <a:pPr lvl="3"/>
             <a:r>
-              <a:rPr lang="en-US" smtClean="0"/>
+              <a:rPr lang="en-US"/>
               <a:t>Fourth level</a:t>
             </a:r>
           </a:p>
           <a:p>
             <a:pPr lvl="4"/>
             <a:r>
-              <a:rPr lang="en-US" smtClean="0"/>
+              <a:rPr lang="en-US"/>
               <a:t>Fifth level</a:t>
             </a:r>
-            <a:endParaRPr lang="en-US"/>
           </a:p>
         </p:txBody>
       </p:sp>
@@ -1670,7 +1724,7 @@
           <a:p>
             <a:pPr lvl="0"/>
             <a:r>
-              <a:rPr lang="en-US" smtClean="0"/>
+              <a:rPr lang="en-US"/>
               <a:t>Click to edit Master text styles</a:t>
             </a:r>
           </a:p>
@@ -1726,38 +1780,37 @@
           <a:p>
             <a:pPr lvl="0"/>
             <a:r>
-              <a:rPr lang="en-US" smtClean="0"/>
+              <a:rPr lang="en-US"/>
               <a:t>Click to edit Master text styles</a:t>
             </a:r>
           </a:p>
           <a:p>
             <a:pPr lvl="1"/>
             <a:r>
-              <a:rPr lang="en-US" smtClean="0"/>
+              <a:rPr lang="en-US"/>
               <a:t>Second level</a:t>
             </a:r>
           </a:p>
           <a:p>
             <a:pPr lvl="2"/>
             <a:r>
-              <a:rPr lang="en-US" smtClean="0"/>
+              <a:rPr lang="en-US"/>
               <a:t>Third level</a:t>
             </a:r>
           </a:p>
           <a:p>
             <a:pPr lvl="3"/>
             <a:r>
-              <a:rPr lang="en-US" smtClean="0"/>
+              <a:rPr lang="en-US"/>
               <a:t>Fourth level</a:t>
             </a:r>
           </a:p>
           <a:p>
             <a:pPr lvl="4"/>
             <a:r>
-              <a:rPr lang="en-US" smtClean="0"/>
+              <a:rPr lang="en-US"/>
               <a:t>Fifth level</a:t>
             </a:r>
-            <a:endParaRPr lang="en-US"/>
           </a:p>
         </p:txBody>
       </p:sp>
@@ -1779,7 +1832,7 @@
             <a:fld id="{1D8BD707-D9CF-40AE-B4C6-C98DA3205C09}" type="datetimeFigureOut">
               <a:rPr lang="en-US" smtClean="0"/>
               <a:pPr/>
-              <a:t>8/1/2011</a:t>
+              <a:t>6/13/2024</a:t>
             </a:fld>
             <a:endParaRPr lang="en-US"/>
           </a:p>
@@ -1822,7 +1875,7 @@
             <a:fld id="{B6F15528-21DE-4FAA-801E-634DDDAF4B2B}" type="slidenum">
               <a:rPr lang="en-US" smtClean="0"/>
               <a:pPr/>
-              <a:t>‹#›</a:t>
+              <a:t>‹Nº›</a:t>
             </a:fld>
             <a:endParaRPr lang="en-US"/>
           </a:p>
@@ -1869,10 +1922,9 @@
           <a:lstStyle/>
           <a:p>
             <a:r>
-              <a:rPr lang="en-US" smtClean="0"/>
+              <a:rPr lang="en-US"/>
               <a:t>Click to edit Master title style</a:t>
             </a:r>
-            <a:endParaRPr lang="en-US"/>
           </a:p>
         </p:txBody>
       </p:sp>
@@ -1894,7 +1946,7 @@
             <a:fld id="{1D8BD707-D9CF-40AE-B4C6-C98DA3205C09}" type="datetimeFigureOut">
               <a:rPr lang="en-US" smtClean="0"/>
               <a:pPr/>
-              <a:t>8/1/2011</a:t>
+              <a:t>6/13/2024</a:t>
             </a:fld>
             <a:endParaRPr lang="en-US"/>
           </a:p>
@@ -1937,7 +1989,7 @@
             <a:fld id="{B6F15528-21DE-4FAA-801E-634DDDAF4B2B}" type="slidenum">
               <a:rPr lang="en-US" smtClean="0"/>
               <a:pPr/>
-              <a:t>‹#›</a:t>
+              <a:t>‹Nº›</a:t>
             </a:fld>
             <a:endParaRPr lang="en-US"/>
           </a:p>
@@ -1986,7 +2038,7 @@
             <a:fld id="{1D8BD707-D9CF-40AE-B4C6-C98DA3205C09}" type="datetimeFigureOut">
               <a:rPr lang="en-US" smtClean="0"/>
               <a:pPr/>
-              <a:t>8/1/2011</a:t>
+              <a:t>6/13/2024</a:t>
             </a:fld>
             <a:endParaRPr lang="en-US"/>
           </a:p>
@@ -2029,7 +2081,7 @@
             <a:fld id="{B6F15528-21DE-4FAA-801E-634DDDAF4B2B}" type="slidenum">
               <a:rPr lang="en-US" smtClean="0"/>
               <a:pPr/>
-              <a:t>‹#›</a:t>
+              <a:t>‹Nº›</a:t>
             </a:fld>
             <a:endParaRPr lang="en-US"/>
           </a:p>
@@ -2085,10 +2137,9 @@
           </a:lstStyle>
           <a:p>
             <a:r>
-              <a:rPr lang="en-US" smtClean="0"/>
+              <a:rPr lang="en-US"/>
               <a:t>Click to edit Master title style</a:t>
             </a:r>
-            <a:endParaRPr lang="en-US"/>
           </a:p>
         </p:txBody>
       </p:sp>
@@ -2142,38 +2193,37 @@
           <a:p>
             <a:pPr lvl="0"/>
             <a:r>
-              <a:rPr lang="en-US" smtClean="0"/>
+              <a:rPr lang="en-US"/>
               <a:t>Click to edit Master text styles</a:t>
             </a:r>
           </a:p>
           <a:p>
             <a:pPr lvl="1"/>
             <a:r>
-              <a:rPr lang="en-US" smtClean="0"/>
+              <a:rPr lang="en-US"/>
               <a:t>Second level</a:t>
             </a:r>
           </a:p>
           <a:p>
             <a:pPr lvl="2"/>
             <a:r>
-              <a:rPr lang="en-US" smtClean="0"/>
+              <a:rPr lang="en-US"/>
               <a:t>Third level</a:t>
             </a:r>
           </a:p>
           <a:p>
             <a:pPr lvl="3"/>
             <a:r>
-              <a:rPr lang="en-US" smtClean="0"/>
+              <a:rPr lang="en-US"/>
               <a:t>Fourth level</a:t>
             </a:r>
           </a:p>
           <a:p>
             <a:pPr lvl="4"/>
             <a:r>
-              <a:rPr lang="en-US" smtClean="0"/>
+              <a:rPr lang="en-US"/>
               <a:t>Fifth level</a:t>
             </a:r>
-            <a:endParaRPr lang="en-US"/>
           </a:p>
         </p:txBody>
       </p:sp>
@@ -2236,7 +2286,7 @@
           <a:p>
             <a:pPr lvl="0"/>
             <a:r>
-              <a:rPr lang="en-US" smtClean="0"/>
+              <a:rPr lang="en-US"/>
               <a:t>Click to edit Master text styles</a:t>
             </a:r>
           </a:p>
@@ -2260,7 +2310,7 @@
             <a:fld id="{1D8BD707-D9CF-40AE-B4C6-C98DA3205C09}" type="datetimeFigureOut">
               <a:rPr lang="en-US" smtClean="0"/>
               <a:pPr/>
-              <a:t>8/1/2011</a:t>
+              <a:t>6/13/2024</a:t>
             </a:fld>
             <a:endParaRPr lang="en-US"/>
           </a:p>
@@ -2303,7 +2353,7 @@
             <a:fld id="{B6F15528-21DE-4FAA-801E-634DDDAF4B2B}" type="slidenum">
               <a:rPr lang="en-US" smtClean="0"/>
               <a:pPr/>
-              <a:t>‹#›</a:t>
+              <a:t>‹Nº›</a:t>
             </a:fld>
             <a:endParaRPr lang="en-US"/>
           </a:p>
@@ -2359,10 +2409,9 @@
           </a:lstStyle>
           <a:p>
             <a:r>
-              <a:rPr lang="en-US" smtClean="0"/>
+              <a:rPr lang="en-US"/>
               <a:t>Click to edit Master title style</a:t>
             </a:r>
-            <a:endParaRPr lang="en-US"/>
           </a:p>
         </p:txBody>
       </p:sp>
@@ -2486,7 +2535,7 @@
           <a:p>
             <a:pPr lvl="0"/>
             <a:r>
-              <a:rPr lang="en-US" smtClean="0"/>
+              <a:rPr lang="en-US"/>
               <a:t>Click to edit Master text styles</a:t>
             </a:r>
           </a:p>
@@ -2510,7 +2559,7 @@
             <a:fld id="{1D8BD707-D9CF-40AE-B4C6-C98DA3205C09}" type="datetimeFigureOut">
               <a:rPr lang="en-US" smtClean="0"/>
               <a:pPr/>
-              <a:t>8/1/2011</a:t>
+              <a:t>6/13/2024</a:t>
             </a:fld>
             <a:endParaRPr lang="en-US"/>
           </a:p>
@@ -2553,7 +2602,7 @@
             <a:fld id="{B6F15528-21DE-4FAA-801E-634DDDAF4B2B}" type="slidenum">
               <a:rPr lang="en-US" smtClean="0"/>
               <a:pPr/>
-              <a:t>‹#›</a:t>
+              <a:t>‹Nº›</a:t>
             </a:fld>
             <a:endParaRPr lang="en-US"/>
           </a:p>
@@ -2615,10 +2664,9 @@
           <a:lstStyle/>
           <a:p>
             <a:r>
-              <a:rPr lang="en-US" smtClean="0"/>
+              <a:rPr lang="en-US"/>
               <a:t>Click to edit Master title style</a:t>
             </a:r>
-            <a:endParaRPr lang="en-US"/>
           </a:p>
         </p:txBody>
       </p:sp>
@@ -2649,38 +2697,37 @@
           <a:p>
             <a:pPr lvl="0"/>
             <a:r>
-              <a:rPr lang="en-US" smtClean="0"/>
+              <a:rPr lang="en-US"/>
               <a:t>Click to edit Master text styles</a:t>
             </a:r>
           </a:p>
           <a:p>
             <a:pPr lvl="1"/>
             <a:r>
-              <a:rPr lang="en-US" smtClean="0"/>
+              <a:rPr lang="en-US"/>
               <a:t>Second level</a:t>
             </a:r>
           </a:p>
           <a:p>
             <a:pPr lvl="2"/>
             <a:r>
-              <a:rPr lang="en-US" smtClean="0"/>
+              <a:rPr lang="en-US"/>
               <a:t>Third level</a:t>
             </a:r>
           </a:p>
           <a:p>
             <a:pPr lvl="3"/>
             <a:r>
-              <a:rPr lang="en-US" smtClean="0"/>
+              <a:rPr lang="en-US"/>
               <a:t>Fourth level</a:t>
             </a:r>
           </a:p>
           <a:p>
             <a:pPr lvl="4"/>
             <a:r>
-              <a:rPr lang="en-US" smtClean="0"/>
+              <a:rPr lang="en-US"/>
               <a:t>Fifth level</a:t>
             </a:r>
-            <a:endParaRPr lang="en-US"/>
           </a:p>
         </p:txBody>
       </p:sp>
@@ -2720,7 +2767,7 @@
             <a:fld id="{1D8BD707-D9CF-40AE-B4C6-C98DA3205C09}" type="datetimeFigureOut">
               <a:rPr lang="en-US" smtClean="0"/>
               <a:pPr/>
-              <a:t>8/1/2011</a:t>
+              <a:t>6/13/2024</a:t>
             </a:fld>
             <a:endParaRPr lang="en-US"/>
           </a:p>
@@ -2799,7 +2846,7 @@
             <a:fld id="{B6F15528-21DE-4FAA-801E-634DDDAF4B2B}" type="slidenum">
               <a:rPr lang="en-US" smtClean="0"/>
               <a:pPr/>
-              <a:t>‹#›</a:t>
+              <a:t>‹Nº›</a:t>
             </a:fld>
             <a:endParaRPr lang="en-US"/>
           </a:p>
@@ -3075,13 +3122,14 @@
 </file>
 
 <file path=ppt/slides/slide1.xml><?xml version="1.0" encoding="utf-8"?>
-<p:sld xmlns:p="http://schemas.openxmlformats.org/presentationml/2006/main" xmlns:a="http://schemas.openxmlformats.org/drawingml/2006/main" xmlns:r="http://schemas.openxmlformats.org/officeDocument/2006/relationships">
+<p:sld xmlns:a="http://schemas.openxmlformats.org/drawingml/2006/main" xmlns:r="http://schemas.openxmlformats.org/officeDocument/2006/relationships" xmlns:p="http://schemas.openxmlformats.org/presentationml/2006/main">
   <p:cSld>
     <p:bg>
       <p:bgPr>
         <a:solidFill>
           <a:srgbClr val="000000"/>
         </a:solidFill>
+        <a:effectLst/>
       </p:bgPr>
     </p:bg>
     <p:spTree>
@@ -3100,12 +3148,12 @@
       </p:grpSpPr>
       <p:grpSp>
         <p:nvGrpSpPr>
-          <p:cNvPr name="Group 2" id="2"/>
+          <p:cNvPr id="2" name="Group 2"/>
           <p:cNvGrpSpPr/>
           <p:nvPr/>
         </p:nvGrpSpPr>
         <p:grpSpPr>
-          <a:xfrm rot="0">
+          <a:xfrm>
             <a:off x="1684872" y="7707805"/>
             <a:ext cx="2474806" cy="832648"/>
             <a:chOff x="0" y="0"/>
@@ -3114,12 +3162,12 @@
         </p:grpSpPr>
         <p:sp>
           <p:nvSpPr>
-            <p:cNvPr name="Freeform 3" id="3"/>
+            <p:cNvPr id="3" name="Freeform 3"/>
             <p:cNvSpPr/>
             <p:nvPr/>
           </p:nvSpPr>
           <p:spPr>
-            <a:xfrm flipH="false" flipV="false" rot="0">
+            <a:xfrm>
               <a:off x="0" y="0"/>
               <a:ext cx="936333" cy="315029"/>
             </a:xfrm>
@@ -3128,9 +3176,9 @@
               <a:gdLst/>
               <a:ahLst/>
               <a:cxnLst/>
-              <a:rect r="r" b="b" t="t" l="l"/>
+              <a:rect l="l" t="t" r="r" b="b"/>
               <a:pathLst>
-                <a:path h="315029" w="936333">
+                <a:path w="936333" h="315029">
                   <a:moveTo>
                     <a:pt x="157515" y="0"/>
                   </a:moveTo>
@@ -3185,7 +3233,7 @@
                 </a:path>
               </a:pathLst>
             </a:custGeom>
-            <a:gradFill rotWithShape="true">
+            <a:gradFill rotWithShape="1">
               <a:gsLst>
                 <a:gs pos="0">
                   <a:srgbClr val="0EE65E">
@@ -3201,11 +3249,18 @@
               <a:lin ang="0"/>
             </a:gradFill>
           </p:spPr>
+          <p:txBody>
+            <a:bodyPr/>
+            <a:lstStyle/>
+            <a:p>
+              <a:endParaRPr lang="es-EC"/>
+            </a:p>
+          </p:txBody>
         </p:sp>
         <p:sp>
           <p:nvSpPr>
-            <p:cNvPr name="TextBox 4" id="4"/>
-            <p:cNvSpPr txBox="true"/>
+            <p:cNvPr id="4" name="TextBox 4"/>
+            <p:cNvSpPr txBox="1"/>
             <p:nvPr/>
           </p:nvSpPr>
           <p:spPr>
@@ -3218,7 +3273,7 @@
             </a:prstGeom>
           </p:spPr>
           <p:txBody>
-            <a:bodyPr anchor="ctr" rtlCol="false" tIns="50800" lIns="50800" bIns="50800" rIns="50800"/>
+            <a:bodyPr lIns="50800" tIns="50800" rIns="50800" bIns="50800" rtlCol="0" anchor="ctr"/>
             <a:lstStyle/>
             <a:p>
               <a:pPr algn="ctr">
@@ -3229,18 +3284,19 @@
                   <a:spcPct val="0"/>
                 </a:spcBef>
               </a:pPr>
+              <a:endParaRPr/>
             </a:p>
           </p:txBody>
         </p:sp>
       </p:grpSp>
       <p:sp>
         <p:nvSpPr>
-          <p:cNvPr name="Freeform 5" id="5"/>
+          <p:cNvPr id="5" name="Freeform 5"/>
           <p:cNvSpPr/>
           <p:nvPr/>
         </p:nvSpPr>
         <p:spPr>
-          <a:xfrm flipH="false" flipV="false" rot="0">
+          <a:xfrm>
             <a:off x="9144000" y="-1590975"/>
             <a:ext cx="13468951" cy="13468951"/>
           </a:xfrm>
@@ -3249,9 +3305,9 @@
             <a:gdLst/>
             <a:ahLst/>
             <a:cxnLst/>
-            <a:rect r="r" b="b" t="t" l="l"/>
+            <a:rect l="l" t="t" r="r" b="b"/>
             <a:pathLst>
-              <a:path h="13468951" w="13468951">
+              <a:path w="13468951" h="13468951">
                 <a:moveTo>
                   <a:pt x="0" y="0"/>
                 </a:moveTo>
@@ -3280,19 +3336,26 @@
               </a:extLst>
             </a:blip>
             <a:stretch>
-              <a:fillRect l="0" t="0" r="0" b="0"/>
+              <a:fillRect/>
             </a:stretch>
           </a:blipFill>
         </p:spPr>
-      </p:sp>
-      <p:sp>
-        <p:nvSpPr>
-          <p:cNvPr name="TextBox 6" id="6"/>
-          <p:cNvSpPr txBox="true"/>
+        <p:txBody>
+          <a:bodyPr/>
+          <a:lstStyle/>
+          <a:p>
+            <a:endParaRPr lang="es-EC"/>
+          </a:p>
+        </p:txBody>
+      </p:sp>
+      <p:sp>
+        <p:nvSpPr>
+          <p:cNvPr id="6" name="TextBox 6"/>
+          <p:cNvSpPr txBox="1"/>
           <p:nvPr/>
         </p:nvSpPr>
         <p:spPr>
-          <a:xfrm rot="0">
+          <a:xfrm>
             <a:off x="1684872" y="2445857"/>
             <a:ext cx="9074722" cy="4508345"/>
           </a:xfrm>
@@ -3301,7 +3364,7 @@
           </a:prstGeom>
         </p:spPr>
         <p:txBody>
-          <a:bodyPr anchor="t" rtlCol="false" tIns="0" lIns="0" bIns="0" rIns="0">
+          <a:bodyPr lIns="0" tIns="0" rIns="0" bIns="0" rtlCol="0" anchor="t">
             <a:spAutoFit/>
           </a:bodyPr>
           <a:lstStyle/>
@@ -3325,12 +3388,12 @@
       </p:sp>
       <p:grpSp>
         <p:nvGrpSpPr>
-          <p:cNvPr name="Group 7" id="7"/>
+          <p:cNvPr id="7" name="Group 7"/>
           <p:cNvGrpSpPr/>
           <p:nvPr/>
         </p:nvGrpSpPr>
         <p:grpSpPr>
-          <a:xfrm rot="0">
+          <a:xfrm>
             <a:off x="-466250" y="1642504"/>
             <a:ext cx="932500" cy="3086100"/>
             <a:chOff x="0" y="0"/>
@@ -3339,12 +3402,12 @@
         </p:grpSpPr>
         <p:sp>
           <p:nvSpPr>
-            <p:cNvPr name="Freeform 8" id="8"/>
+            <p:cNvPr id="8" name="Freeform 8"/>
             <p:cNvSpPr/>
             <p:nvPr/>
           </p:nvSpPr>
           <p:spPr>
-            <a:xfrm flipH="false" flipV="false" rot="0">
+            <a:xfrm>
               <a:off x="0" y="0"/>
               <a:ext cx="245597" cy="812800"/>
             </a:xfrm>
@@ -3353,9 +3416,9 @@
               <a:gdLst/>
               <a:ahLst/>
               <a:cxnLst/>
-              <a:rect r="r" b="b" t="t" l="l"/>
+              <a:rect l="l" t="t" r="r" b="b"/>
               <a:pathLst>
-                <a:path h="812800" w="245597">
+                <a:path w="245597" h="812800">
                   <a:moveTo>
                     <a:pt x="0" y="0"/>
                   </a:moveTo>
@@ -3376,11 +3439,18 @@
               <a:srgbClr val="0EE65E"/>
             </a:solidFill>
           </p:spPr>
+          <p:txBody>
+            <a:bodyPr/>
+            <a:lstStyle/>
+            <a:p>
+              <a:endParaRPr lang="es-EC"/>
+            </a:p>
+          </p:txBody>
         </p:sp>
         <p:sp>
           <p:nvSpPr>
-            <p:cNvPr name="TextBox 9" id="9"/>
-            <p:cNvSpPr txBox="true"/>
+            <p:cNvPr id="9" name="TextBox 9"/>
+            <p:cNvSpPr txBox="1"/>
             <p:nvPr/>
           </p:nvSpPr>
           <p:spPr>
@@ -3393,7 +3463,7 @@
             </a:prstGeom>
           </p:spPr>
           <p:txBody>
-            <a:bodyPr anchor="ctr" rtlCol="false" tIns="50800" lIns="50800" bIns="50800" rIns="50800"/>
+            <a:bodyPr lIns="50800" tIns="50800" rIns="50800" bIns="50800" rtlCol="0" anchor="ctr"/>
             <a:lstStyle/>
             <a:p>
               <a:pPr algn="ctr">
@@ -3401,18 +3471,19 @@
                   <a:spcPts val="2964"/>
                 </a:lnSpc>
               </a:pPr>
+              <a:endParaRPr/>
             </a:p>
           </p:txBody>
         </p:sp>
       </p:grpSp>
       <p:grpSp>
         <p:nvGrpSpPr>
-          <p:cNvPr name="Group 10" id="10"/>
+          <p:cNvPr id="10" name="Group 10"/>
           <p:cNvGrpSpPr/>
           <p:nvPr/>
         </p:nvGrpSpPr>
         <p:grpSpPr>
-          <a:xfrm rot="0">
+          <a:xfrm>
             <a:off x="1684872" y="1310477"/>
             <a:ext cx="306590" cy="279599"/>
             <a:chOff x="0" y="0"/>
@@ -3421,12 +3492,12 @@
         </p:grpSpPr>
         <p:sp>
           <p:nvSpPr>
-            <p:cNvPr name="Freeform 11" id="11"/>
+            <p:cNvPr id="11" name="Freeform 11"/>
             <p:cNvSpPr/>
             <p:nvPr/>
           </p:nvSpPr>
           <p:spPr>
-            <a:xfrm flipH="false" flipV="false" rot="0">
+            <a:xfrm>
               <a:off x="0" y="0"/>
               <a:ext cx="80748" cy="73639"/>
             </a:xfrm>
@@ -3435,9 +3506,9 @@
               <a:gdLst/>
               <a:ahLst/>
               <a:cxnLst/>
-              <a:rect r="r" b="b" t="t" l="l"/>
+              <a:rect l="l" t="t" r="r" b="b"/>
               <a:pathLst>
-                <a:path h="73639" w="80748">
+                <a:path w="80748" h="73639">
                   <a:moveTo>
                     <a:pt x="0" y="0"/>
                   </a:moveTo>
@@ -3458,11 +3529,18 @@
               <a:srgbClr val="0EE65E"/>
             </a:solidFill>
           </p:spPr>
+          <p:txBody>
+            <a:bodyPr/>
+            <a:lstStyle/>
+            <a:p>
+              <a:endParaRPr lang="es-EC"/>
+            </a:p>
+          </p:txBody>
         </p:sp>
         <p:sp>
           <p:nvSpPr>
-            <p:cNvPr name="TextBox 12" id="12"/>
-            <p:cNvSpPr txBox="true"/>
+            <p:cNvPr id="12" name="TextBox 12"/>
+            <p:cNvSpPr txBox="1"/>
             <p:nvPr/>
           </p:nvSpPr>
           <p:spPr>
@@ -3475,7 +3553,7 @@
             </a:prstGeom>
           </p:spPr>
           <p:txBody>
-            <a:bodyPr anchor="ctr" rtlCol="false" tIns="50800" lIns="50800" bIns="50800" rIns="50800"/>
+            <a:bodyPr lIns="50800" tIns="50800" rIns="50800" bIns="50800" rtlCol="0" anchor="ctr"/>
             <a:lstStyle/>
             <a:p>
               <a:pPr algn="ctr">
@@ -3483,18 +3561,19 @@
                   <a:spcPts val="2964"/>
                 </a:lnSpc>
               </a:pPr>
+              <a:endParaRPr/>
             </a:p>
           </p:txBody>
         </p:sp>
       </p:grpSp>
       <p:sp>
         <p:nvSpPr>
-          <p:cNvPr name="Freeform 13" id="13"/>
+          <p:cNvPr id="13" name="Freeform 13"/>
           <p:cNvSpPr/>
           <p:nvPr/>
         </p:nvSpPr>
         <p:spPr>
-          <a:xfrm flipH="false" flipV="false" rot="0">
+          <a:xfrm>
             <a:off x="11560324" y="4728604"/>
             <a:ext cx="6217125" cy="1458342"/>
           </a:xfrm>
@@ -3503,9 +3582,9 @@
             <a:gdLst/>
             <a:ahLst/>
             <a:cxnLst/>
-            <a:rect r="r" b="b" t="t" l="l"/>
+            <a:rect l="l" t="t" r="r" b="b"/>
             <a:pathLst>
-              <a:path h="1458342" w="6217125">
+              <a:path w="6217125" h="1458342">
                 <a:moveTo>
                   <a:pt x="0" y="0"/>
                 </a:moveTo>
@@ -3534,19 +3613,26 @@
               </a:extLst>
             </a:blip>
             <a:stretch>
-              <a:fillRect l="-26927" t="0" r="0" b="-105"/>
+              <a:fillRect l="-26927" b="-105"/>
             </a:stretch>
           </a:blipFill>
         </p:spPr>
-      </p:sp>
-      <p:sp>
-        <p:nvSpPr>
-          <p:cNvPr name="TextBox 14" id="14"/>
-          <p:cNvSpPr txBox="true"/>
+        <p:txBody>
+          <a:bodyPr/>
+          <a:lstStyle/>
+          <a:p>
+            <a:endParaRPr lang="es-EC"/>
+          </a:p>
+        </p:txBody>
+      </p:sp>
+      <p:sp>
+        <p:nvSpPr>
+          <p:cNvPr id="14" name="TextBox 14"/>
+          <p:cNvSpPr txBox="1"/>
           <p:nvPr/>
         </p:nvSpPr>
         <p:spPr>
-          <a:xfrm rot="0">
+          <a:xfrm>
             <a:off x="1931950" y="7910712"/>
             <a:ext cx="1980649" cy="407783"/>
           </a:xfrm>
@@ -3555,7 +3641,7 @@
           </a:prstGeom>
         </p:spPr>
         <p:txBody>
-          <a:bodyPr anchor="t" rtlCol="false" tIns="0" lIns="0" bIns="0" rIns="0">
+          <a:bodyPr lIns="0" tIns="0" rIns="0" bIns="0" rtlCol="0" anchor="t">
             <a:spAutoFit/>
           </a:bodyPr>
           <a:lstStyle/>
@@ -3566,25 +3652,40 @@
               </a:lnSpc>
             </a:pPr>
             <a:r>
-              <a:rPr lang="en-US" sz="2555" spc="-43">
+              <a:rPr lang="en-US" sz="2555" spc="-43" dirty="0">
                 <a:solidFill>
                   <a:srgbClr val="FFFFFF"/>
                 </a:solidFill>
                 <a:latin typeface="Poppins Bold"/>
               </a:rPr>
-              <a:t>Saber más</a:t>
-            </a:r>
-          </a:p>
-        </p:txBody>
-      </p:sp>
-      <p:sp>
-        <p:nvSpPr>
-          <p:cNvPr name="TextBox 15" id="15"/>
-          <p:cNvSpPr txBox="true"/>
+              <a:t>Saber </a:t>
+            </a:r>
+            <a:r>
+              <a:rPr lang="en-US" sz="2555" spc="-43" dirty="0" err="1">
+                <a:solidFill>
+                  <a:srgbClr val="FFFFFF"/>
+                </a:solidFill>
+                <a:latin typeface="Poppins Bold"/>
+              </a:rPr>
+              <a:t>más</a:t>
+            </a:r>
+            <a:endParaRPr lang="en-US" sz="2555" spc="-43" dirty="0">
+              <a:solidFill>
+                <a:srgbClr val="FFFFFF"/>
+              </a:solidFill>
+              <a:latin typeface="Poppins Bold"/>
+            </a:endParaRPr>
+          </a:p>
+        </p:txBody>
+      </p:sp>
+      <p:sp>
+        <p:nvSpPr>
+          <p:cNvPr id="15" name="TextBox 15"/>
+          <p:cNvSpPr txBox="1"/>
           <p:nvPr/>
         </p:nvSpPr>
         <p:spPr>
-          <a:xfrm rot="0">
+          <a:xfrm>
             <a:off x="2141683" y="1238999"/>
             <a:ext cx="3541832" cy="403506"/>
           </a:xfrm>
@@ -3593,7 +3694,7 @@
           </a:prstGeom>
         </p:spPr>
         <p:txBody>
-          <a:bodyPr anchor="t" rtlCol="false" tIns="0" lIns="0" bIns="0" rIns="0">
+          <a:bodyPr lIns="0" tIns="0" rIns="0" bIns="0" rtlCol="0" anchor="t">
             <a:spAutoFit/>
           </a:bodyPr>
           <a:lstStyle/>
@@ -3624,13 +3725,14 @@
 </file>
 
 <file path=ppt/slides/slide10.xml><?xml version="1.0" encoding="utf-8"?>
-<p:sld xmlns:p="http://schemas.openxmlformats.org/presentationml/2006/main" xmlns:a="http://schemas.openxmlformats.org/drawingml/2006/main" xmlns:r="http://schemas.openxmlformats.org/officeDocument/2006/relationships">
+<p:sld xmlns:a="http://schemas.openxmlformats.org/drawingml/2006/main" xmlns:r="http://schemas.openxmlformats.org/officeDocument/2006/relationships" xmlns:p="http://schemas.openxmlformats.org/presentationml/2006/main">
   <p:cSld>
     <p:bg>
       <p:bgPr>
         <a:solidFill>
           <a:srgbClr val="000000"/>
         </a:solidFill>
+        <a:effectLst/>
       </p:bgPr>
     </p:bg>
     <p:spTree>
@@ -3649,12 +3751,12 @@
       </p:grpSpPr>
       <p:grpSp>
         <p:nvGrpSpPr>
-          <p:cNvPr name="Group 2" id="2"/>
+          <p:cNvPr id="2" name="Group 2"/>
           <p:cNvGrpSpPr/>
           <p:nvPr/>
         </p:nvGrpSpPr>
         <p:grpSpPr>
-          <a:xfrm rot="0">
+          <a:xfrm>
             <a:off x="1399656" y="1314915"/>
             <a:ext cx="306590" cy="279599"/>
             <a:chOff x="0" y="0"/>
@@ -3663,12 +3765,12 @@
         </p:grpSpPr>
         <p:sp>
           <p:nvSpPr>
-            <p:cNvPr name="Freeform 3" id="3"/>
+            <p:cNvPr id="3" name="Freeform 3"/>
             <p:cNvSpPr/>
             <p:nvPr/>
           </p:nvSpPr>
           <p:spPr>
-            <a:xfrm flipH="false" flipV="false" rot="0">
+            <a:xfrm>
               <a:off x="0" y="0"/>
               <a:ext cx="80748" cy="73639"/>
             </a:xfrm>
@@ -3677,9 +3779,9 @@
               <a:gdLst/>
               <a:ahLst/>
               <a:cxnLst/>
-              <a:rect r="r" b="b" t="t" l="l"/>
+              <a:rect l="l" t="t" r="r" b="b"/>
               <a:pathLst>
-                <a:path h="73639" w="80748">
+                <a:path w="80748" h="73639">
                   <a:moveTo>
                     <a:pt x="0" y="0"/>
                   </a:moveTo>
@@ -3700,11 +3802,18 @@
               <a:srgbClr val="0EE65E"/>
             </a:solidFill>
           </p:spPr>
+          <p:txBody>
+            <a:bodyPr/>
+            <a:lstStyle/>
+            <a:p>
+              <a:endParaRPr lang="es-EC"/>
+            </a:p>
+          </p:txBody>
         </p:sp>
         <p:sp>
           <p:nvSpPr>
-            <p:cNvPr name="TextBox 4" id="4"/>
-            <p:cNvSpPr txBox="true"/>
+            <p:cNvPr id="4" name="TextBox 4"/>
+            <p:cNvSpPr txBox="1"/>
             <p:nvPr/>
           </p:nvSpPr>
           <p:spPr>
@@ -3717,7 +3826,7 @@
             </a:prstGeom>
           </p:spPr>
           <p:txBody>
-            <a:bodyPr anchor="ctr" rtlCol="false" tIns="50800" lIns="50800" bIns="50800" rIns="50800"/>
+            <a:bodyPr lIns="50800" tIns="50800" rIns="50800" bIns="50800" rtlCol="0" anchor="ctr"/>
             <a:lstStyle/>
             <a:p>
               <a:pPr algn="ctr">
@@ -3725,18 +3834,19 @@
                   <a:spcPts val="2964"/>
                 </a:lnSpc>
               </a:pPr>
+              <a:endParaRPr/>
             </a:p>
           </p:txBody>
         </p:sp>
       </p:grpSp>
       <p:sp>
         <p:nvSpPr>
-          <p:cNvPr name="Freeform 5" id="5"/>
+          <p:cNvPr id="5" name="Freeform 5"/>
           <p:cNvSpPr/>
           <p:nvPr/>
         </p:nvSpPr>
         <p:spPr>
-          <a:xfrm flipH="false" flipV="false" rot="0">
+          <a:xfrm>
             <a:off x="-5840083" y="5051520"/>
             <a:ext cx="12167667" cy="12167667"/>
           </a:xfrm>
@@ -3745,9 +3855,9 @@
             <a:gdLst/>
             <a:ahLst/>
             <a:cxnLst/>
-            <a:rect r="r" b="b" t="t" l="l"/>
+            <a:rect l="l" t="t" r="r" b="b"/>
             <a:pathLst>
-              <a:path h="12167667" w="12167667">
+              <a:path w="12167667" h="12167667">
                 <a:moveTo>
                   <a:pt x="0" y="0"/>
                 </a:moveTo>
@@ -3776,19 +3886,26 @@
               </a:extLst>
             </a:blip>
             <a:stretch>
-              <a:fillRect l="0" t="0" r="0" b="0"/>
+              <a:fillRect/>
             </a:stretch>
           </a:blipFill>
         </p:spPr>
+        <p:txBody>
+          <a:bodyPr/>
+          <a:lstStyle/>
+          <a:p>
+            <a:endParaRPr lang="es-EC"/>
+          </a:p>
+        </p:txBody>
       </p:sp>
       <p:grpSp>
         <p:nvGrpSpPr>
-          <p:cNvPr name="Group 6" id="6"/>
+          <p:cNvPr id="6" name="Group 6"/>
           <p:cNvGrpSpPr/>
           <p:nvPr/>
         </p:nvGrpSpPr>
         <p:grpSpPr>
-          <a:xfrm rot="0">
+          <a:xfrm>
             <a:off x="624341" y="8288756"/>
             <a:ext cx="8266165" cy="2780557"/>
             <a:chOff x="0" y="0"/>
@@ -3797,12 +3914,12 @@
         </p:grpSpPr>
         <p:sp>
           <p:nvSpPr>
-            <p:cNvPr name="Freeform 7" id="7"/>
+            <p:cNvPr id="7" name="Freeform 7"/>
             <p:cNvSpPr/>
             <p:nvPr/>
           </p:nvSpPr>
           <p:spPr>
-            <a:xfrm flipH="false" flipV="false" rot="0">
+            <a:xfrm>
               <a:off x="0" y="0"/>
               <a:ext cx="2177097" cy="732328"/>
             </a:xfrm>
@@ -3811,9 +3928,9 @@
               <a:gdLst/>
               <a:ahLst/>
               <a:cxnLst/>
-              <a:rect r="r" b="b" t="t" l="l"/>
+              <a:rect l="l" t="t" r="r" b="b"/>
               <a:pathLst>
-                <a:path h="732328" w="2177097">
+                <a:path w="2177097" h="732328">
                   <a:moveTo>
                     <a:pt x="0" y="0"/>
                   </a:moveTo>
@@ -3834,11 +3951,18 @@
               <a:srgbClr val="0EE65E"/>
             </a:solidFill>
           </p:spPr>
+          <p:txBody>
+            <a:bodyPr/>
+            <a:lstStyle/>
+            <a:p>
+              <a:endParaRPr lang="es-EC"/>
+            </a:p>
+          </p:txBody>
         </p:sp>
         <p:sp>
           <p:nvSpPr>
-            <p:cNvPr name="TextBox 8" id="8"/>
-            <p:cNvSpPr txBox="true"/>
+            <p:cNvPr id="8" name="TextBox 8"/>
+            <p:cNvSpPr txBox="1"/>
             <p:nvPr/>
           </p:nvSpPr>
           <p:spPr>
@@ -3851,7 +3975,7 @@
             </a:prstGeom>
           </p:spPr>
           <p:txBody>
-            <a:bodyPr anchor="ctr" rtlCol="false" tIns="50800" lIns="50800" bIns="50800" rIns="50800"/>
+            <a:bodyPr lIns="50800" tIns="50800" rIns="50800" bIns="50800" rtlCol="0" anchor="ctr"/>
             <a:lstStyle/>
             <a:p>
               <a:pPr algn="ctr">
@@ -3859,18 +3983,19 @@
                   <a:spcPts val="2964"/>
                 </a:lnSpc>
               </a:pPr>
+              <a:endParaRPr/>
             </a:p>
           </p:txBody>
         </p:sp>
       </p:grpSp>
       <p:grpSp>
         <p:nvGrpSpPr>
-          <p:cNvPr name="Group 9" id="9"/>
+          <p:cNvPr id="9" name="Group 9"/>
           <p:cNvGrpSpPr/>
           <p:nvPr/>
         </p:nvGrpSpPr>
         <p:grpSpPr>
-          <a:xfrm rot="0">
+          <a:xfrm>
             <a:off x="9819116" y="1454714"/>
             <a:ext cx="864438" cy="871309"/>
             <a:chOff x="0" y="0"/>
@@ -3879,12 +4004,12 @@
         </p:grpSpPr>
         <p:sp>
           <p:nvSpPr>
-            <p:cNvPr name="Freeform 10" id="10"/>
+            <p:cNvPr id="10" name="Freeform 10"/>
             <p:cNvSpPr/>
             <p:nvPr/>
           </p:nvSpPr>
           <p:spPr>
-            <a:xfrm flipH="false" flipV="false" rot="0">
+            <a:xfrm>
               <a:off x="0" y="0"/>
               <a:ext cx="954836" cy="962425"/>
             </a:xfrm>
@@ -3893,9 +4018,9 @@
               <a:gdLst/>
               <a:ahLst/>
               <a:cxnLst/>
-              <a:rect r="r" b="b" t="t" l="l"/>
+              <a:rect l="l" t="t" r="r" b="b"/>
               <a:pathLst>
-                <a:path h="962425" w="954836">
+                <a:path w="954836" h="962425">
                   <a:moveTo>
                     <a:pt x="477418" y="0"/>
                   </a:moveTo>
@@ -3927,11 +4052,18 @@
               <a:srgbClr val="0EE65E"/>
             </a:solidFill>
           </p:spPr>
+          <p:txBody>
+            <a:bodyPr/>
+            <a:lstStyle/>
+            <a:p>
+              <a:endParaRPr lang="es-EC"/>
+            </a:p>
+          </p:txBody>
         </p:sp>
         <p:sp>
           <p:nvSpPr>
-            <p:cNvPr name="TextBox 11" id="11"/>
-            <p:cNvSpPr txBox="true"/>
+            <p:cNvPr id="11" name="TextBox 11"/>
+            <p:cNvSpPr txBox="1"/>
             <p:nvPr/>
           </p:nvSpPr>
           <p:spPr>
@@ -3944,7 +4076,7 @@
             </a:prstGeom>
           </p:spPr>
           <p:txBody>
-            <a:bodyPr anchor="ctr" rtlCol="false" tIns="50800" lIns="50800" bIns="50800" rIns="50800"/>
+            <a:bodyPr lIns="50800" tIns="50800" rIns="50800" bIns="50800" rtlCol="0" anchor="ctr"/>
             <a:lstStyle/>
             <a:p>
               <a:pPr algn="ctr">
@@ -3967,12 +4099,12 @@
       </p:grpSp>
       <p:sp>
         <p:nvSpPr>
-          <p:cNvPr name="TextBox 12" id="12"/>
-          <p:cNvSpPr txBox="true"/>
+          <p:cNvPr id="12" name="TextBox 12"/>
+          <p:cNvSpPr txBox="1"/>
           <p:nvPr/>
         </p:nvSpPr>
         <p:spPr>
-          <a:xfrm rot="0">
+          <a:xfrm>
             <a:off x="1856467" y="1243437"/>
             <a:ext cx="3541832" cy="403506"/>
           </a:xfrm>
@@ -3981,7 +4113,7 @@
           </a:prstGeom>
         </p:spPr>
         <p:txBody>
-          <a:bodyPr anchor="t" rtlCol="false" tIns="0" lIns="0" bIns="0" rIns="0">
+          <a:bodyPr lIns="0" tIns="0" rIns="0" bIns="0" rtlCol="0" anchor="t">
             <a:spAutoFit/>
           </a:bodyPr>
           <a:lstStyle/>
@@ -4005,12 +4137,12 @@
       </p:sp>
       <p:sp>
         <p:nvSpPr>
-          <p:cNvPr name="TextBox 13" id="13"/>
-          <p:cNvSpPr txBox="true"/>
+          <p:cNvPr id="13" name="TextBox 13"/>
+          <p:cNvSpPr txBox="1"/>
           <p:nvPr/>
         </p:nvSpPr>
         <p:spPr>
-          <a:xfrm rot="0">
+          <a:xfrm>
             <a:off x="10036815" y="2517702"/>
             <a:ext cx="8251185" cy="1545589"/>
           </a:xfrm>
@@ -4019,7 +4151,7 @@
           </a:prstGeom>
         </p:spPr>
         <p:txBody>
-          <a:bodyPr anchor="t" rtlCol="false" tIns="0" lIns="0" bIns="0" rIns="0">
+          <a:bodyPr lIns="0" tIns="0" rIns="0" bIns="0" rtlCol="0" anchor="t">
             <a:spAutoFit/>
           </a:bodyPr>
           <a:lstStyle/>
@@ -4043,12 +4175,12 @@
       </p:sp>
       <p:sp>
         <p:nvSpPr>
-          <p:cNvPr name="TextBox 14" id="14"/>
-          <p:cNvSpPr txBox="true"/>
+          <p:cNvPr id="14" name="TextBox 14"/>
+          <p:cNvSpPr txBox="1"/>
           <p:nvPr/>
         </p:nvSpPr>
         <p:spPr>
-          <a:xfrm rot="0">
+          <a:xfrm>
             <a:off x="243750" y="3261922"/>
             <a:ext cx="8646756" cy="3867150"/>
           </a:xfrm>
@@ -4057,7 +4189,7 @@
           </a:prstGeom>
         </p:spPr>
         <p:txBody>
-          <a:bodyPr anchor="t" rtlCol="false" tIns="0" lIns="0" bIns="0" rIns="0">
+          <a:bodyPr lIns="0" tIns="0" rIns="0" bIns="0" rtlCol="0" anchor="t">
             <a:spAutoFit/>
           </a:bodyPr>
           <a:lstStyle/>
@@ -4081,12 +4213,12 @@
       </p:sp>
       <p:sp>
         <p:nvSpPr>
-          <p:cNvPr name="TextBox 15" id="15"/>
-          <p:cNvSpPr txBox="true"/>
+          <p:cNvPr id="15" name="TextBox 15"/>
+          <p:cNvSpPr txBox="1"/>
           <p:nvPr/>
         </p:nvSpPr>
         <p:spPr>
-          <a:xfrm rot="0">
+          <a:xfrm>
             <a:off x="9144000" y="5000625"/>
             <a:ext cx="9495893" cy="868680"/>
           </a:xfrm>
@@ -4095,7 +4227,7 @@
           </a:prstGeom>
         </p:spPr>
         <p:txBody>
-          <a:bodyPr anchor="t" rtlCol="false" tIns="0" lIns="0" bIns="0" rIns="0">
+          <a:bodyPr lIns="0" tIns="0" rIns="0" bIns="0" rtlCol="0" anchor="t">
             <a:spAutoFit/>
           </a:bodyPr>
           <a:lstStyle/>
@@ -4119,12 +4251,12 @@
       </p:sp>
       <p:sp>
         <p:nvSpPr>
-          <p:cNvPr name="TextBox 16" id="16"/>
-          <p:cNvSpPr txBox="true"/>
+          <p:cNvPr id="16" name="TextBox 16"/>
+          <p:cNvSpPr txBox="1"/>
           <p:nvPr/>
         </p:nvSpPr>
         <p:spPr>
-          <a:xfrm rot="0">
+          <a:xfrm>
             <a:off x="8458287" y="7420076"/>
             <a:ext cx="9829713" cy="868680"/>
           </a:xfrm>
@@ -4133,7 +4265,7 @@
           </a:prstGeom>
         </p:spPr>
         <p:txBody>
-          <a:bodyPr anchor="t" rtlCol="false" tIns="0" lIns="0" bIns="0" rIns="0">
+          <a:bodyPr lIns="0" tIns="0" rIns="0" bIns="0" rtlCol="0" anchor="t">
             <a:spAutoFit/>
           </a:bodyPr>
           <a:lstStyle/>
@@ -4157,12 +4289,12 @@
       </p:sp>
       <p:grpSp>
         <p:nvGrpSpPr>
-          <p:cNvPr name="Group 17" id="17"/>
+          <p:cNvPr id="17" name="Group 17"/>
           <p:cNvGrpSpPr/>
           <p:nvPr/>
         </p:nvGrpSpPr>
         <p:grpSpPr>
-          <a:xfrm rot="0">
+          <a:xfrm>
             <a:off x="9144000" y="4272191"/>
             <a:ext cx="864438" cy="871309"/>
             <a:chOff x="0" y="0"/>
@@ -4171,12 +4303,12 @@
         </p:grpSpPr>
         <p:sp>
           <p:nvSpPr>
-            <p:cNvPr name="Freeform 18" id="18"/>
+            <p:cNvPr id="18" name="Freeform 18"/>
             <p:cNvSpPr/>
             <p:nvPr/>
           </p:nvSpPr>
           <p:spPr>
-            <a:xfrm flipH="false" flipV="false" rot="0">
+            <a:xfrm>
               <a:off x="0" y="0"/>
               <a:ext cx="954836" cy="962425"/>
             </a:xfrm>
@@ -4185,9 +4317,9 @@
               <a:gdLst/>
               <a:ahLst/>
               <a:cxnLst/>
-              <a:rect r="r" b="b" t="t" l="l"/>
+              <a:rect l="l" t="t" r="r" b="b"/>
               <a:pathLst>
-                <a:path h="962425" w="954836">
+                <a:path w="954836" h="962425">
                   <a:moveTo>
                     <a:pt x="477418" y="0"/>
                   </a:moveTo>
@@ -4219,11 +4351,18 @@
               <a:srgbClr val="0EE65E"/>
             </a:solidFill>
           </p:spPr>
+          <p:txBody>
+            <a:bodyPr/>
+            <a:lstStyle/>
+            <a:p>
+              <a:endParaRPr lang="es-EC"/>
+            </a:p>
+          </p:txBody>
         </p:sp>
         <p:sp>
           <p:nvSpPr>
-            <p:cNvPr name="TextBox 19" id="19"/>
-            <p:cNvSpPr txBox="true"/>
+            <p:cNvPr id="19" name="TextBox 19"/>
+            <p:cNvSpPr txBox="1"/>
             <p:nvPr/>
           </p:nvSpPr>
           <p:spPr>
@@ -4236,7 +4375,7 @@
             </a:prstGeom>
           </p:spPr>
           <p:txBody>
-            <a:bodyPr anchor="ctr" rtlCol="false" tIns="50800" lIns="50800" bIns="50800" rIns="50800"/>
+            <a:bodyPr lIns="50800" tIns="50800" rIns="50800" bIns="50800" rtlCol="0" anchor="ctr"/>
             <a:lstStyle/>
             <a:p>
               <a:pPr algn="ctr">
@@ -4259,12 +4398,12 @@
       </p:grpSp>
       <p:grpSp>
         <p:nvGrpSpPr>
-          <p:cNvPr name="Group 20" id="20"/>
+          <p:cNvPr id="20" name="Group 20"/>
           <p:cNvGrpSpPr/>
           <p:nvPr/>
         </p:nvGrpSpPr>
         <p:grpSpPr>
-          <a:xfrm rot="0">
+          <a:xfrm>
             <a:off x="8458287" y="6679041"/>
             <a:ext cx="864438" cy="883910"/>
             <a:chOff x="0" y="0"/>
@@ -4273,12 +4412,12 @@
         </p:grpSpPr>
         <p:sp>
           <p:nvSpPr>
-            <p:cNvPr name="Freeform 21" id="21"/>
+            <p:cNvPr id="21" name="Freeform 21"/>
             <p:cNvSpPr/>
             <p:nvPr/>
           </p:nvSpPr>
           <p:spPr>
-            <a:xfrm flipH="false" flipV="false" rot="0">
+            <a:xfrm>
               <a:off x="0" y="0"/>
               <a:ext cx="954836" cy="976344"/>
             </a:xfrm>
@@ -4287,9 +4426,9 @@
               <a:gdLst/>
               <a:ahLst/>
               <a:cxnLst/>
-              <a:rect r="r" b="b" t="t" l="l"/>
+              <a:rect l="l" t="t" r="r" b="b"/>
               <a:pathLst>
-                <a:path h="976344" w="954836">
+                <a:path w="954836" h="976344">
                   <a:moveTo>
                     <a:pt x="477418" y="0"/>
                   </a:moveTo>
@@ -4321,11 +4460,18 @@
               <a:srgbClr val="0EE65E"/>
             </a:solidFill>
           </p:spPr>
+          <p:txBody>
+            <a:bodyPr/>
+            <a:lstStyle/>
+            <a:p>
+              <a:endParaRPr lang="es-EC"/>
+            </a:p>
+          </p:txBody>
         </p:sp>
         <p:sp>
           <p:nvSpPr>
-            <p:cNvPr name="TextBox 22" id="22"/>
-            <p:cNvSpPr txBox="true"/>
+            <p:cNvPr id="22" name="TextBox 22"/>
+            <p:cNvSpPr txBox="1"/>
             <p:nvPr/>
           </p:nvSpPr>
           <p:spPr>
@@ -4338,7 +4484,7 @@
             </a:prstGeom>
           </p:spPr>
           <p:txBody>
-            <a:bodyPr anchor="ctr" rtlCol="false" tIns="50800" lIns="50800" bIns="50800" rIns="50800"/>
+            <a:bodyPr lIns="50800" tIns="50800" rIns="50800" bIns="50800" rtlCol="0" anchor="ctr"/>
             <a:lstStyle/>
             <a:p>
               <a:pPr algn="ctr">
@@ -4361,12 +4507,12 @@
       </p:grpSp>
       <p:sp>
         <p:nvSpPr>
-          <p:cNvPr name="TextBox 23" id="23"/>
-          <p:cNvSpPr txBox="true"/>
+          <p:cNvPr id="23" name="TextBox 23"/>
+          <p:cNvSpPr txBox="1"/>
           <p:nvPr/>
         </p:nvSpPr>
         <p:spPr>
-          <a:xfrm rot="0">
+          <a:xfrm>
             <a:off x="10944060" y="1225892"/>
             <a:ext cx="8043388" cy="881280"/>
           </a:xfrm>
@@ -4375,7 +4521,7 @@
           </a:prstGeom>
         </p:spPr>
         <p:txBody>
-          <a:bodyPr anchor="t" rtlCol="false" tIns="0" lIns="0" bIns="0" rIns="0">
+          <a:bodyPr lIns="0" tIns="0" rIns="0" bIns="0" rtlCol="0" anchor="t">
             <a:spAutoFit/>
           </a:bodyPr>
           <a:lstStyle/>
@@ -4399,12 +4545,12 @@
       </p:sp>
       <p:sp>
         <p:nvSpPr>
-          <p:cNvPr name="TextBox 24" id="24"/>
-          <p:cNvSpPr txBox="true"/>
+          <p:cNvPr id="24" name="TextBox 24"/>
+          <p:cNvSpPr txBox="1"/>
           <p:nvPr/>
         </p:nvSpPr>
         <p:spPr>
-          <a:xfrm rot="0">
+          <a:xfrm>
             <a:off x="10265613" y="4520491"/>
             <a:ext cx="8043388" cy="462180"/>
           </a:xfrm>
@@ -4413,7 +4559,7 @@
           </a:prstGeom>
         </p:spPr>
         <p:txBody>
-          <a:bodyPr anchor="t" rtlCol="false" tIns="0" lIns="0" bIns="0" rIns="0">
+          <a:bodyPr lIns="0" tIns="0" rIns="0" bIns="0" rtlCol="0" anchor="t">
             <a:spAutoFit/>
           </a:bodyPr>
           <a:lstStyle/>
@@ -4437,12 +4583,12 @@
       </p:sp>
       <p:sp>
         <p:nvSpPr>
-          <p:cNvPr name="TextBox 25" id="25"/>
-          <p:cNvSpPr txBox="true"/>
+          <p:cNvPr id="25" name="TextBox 25"/>
+          <p:cNvSpPr txBox="1"/>
           <p:nvPr/>
         </p:nvSpPr>
         <p:spPr>
-          <a:xfrm rot="0">
+          <a:xfrm>
             <a:off x="9576219" y="6875619"/>
             <a:ext cx="8043388" cy="462180"/>
           </a:xfrm>
@@ -4451,7 +4597,7 @@
           </a:prstGeom>
         </p:spPr>
         <p:txBody>
-          <a:bodyPr anchor="t" rtlCol="false" tIns="0" lIns="0" bIns="0" rIns="0">
+          <a:bodyPr lIns="0" tIns="0" rIns="0" bIns="0" rtlCol="0" anchor="t">
             <a:spAutoFit/>
           </a:bodyPr>
           <a:lstStyle/>
@@ -4482,13 +4628,14 @@
 </file>
 
 <file path=ppt/slides/slide11.xml><?xml version="1.0" encoding="utf-8"?>
-<p:sld xmlns:p="http://schemas.openxmlformats.org/presentationml/2006/main" xmlns:a="http://schemas.openxmlformats.org/drawingml/2006/main" xmlns:r="http://schemas.openxmlformats.org/officeDocument/2006/relationships">
+<p:sld xmlns:a="http://schemas.openxmlformats.org/drawingml/2006/main" xmlns:r="http://schemas.openxmlformats.org/officeDocument/2006/relationships" xmlns:p="http://schemas.openxmlformats.org/presentationml/2006/main">
   <p:cSld>
     <p:bg>
       <p:bgPr>
         <a:solidFill>
           <a:srgbClr val="000000"/>
         </a:solidFill>
+        <a:effectLst/>
       </p:bgPr>
     </p:bg>
     <p:spTree>
@@ -4507,12 +4654,12 @@
       </p:grpSpPr>
       <p:sp>
         <p:nvSpPr>
-          <p:cNvPr name="Freeform 2" id="2"/>
+          <p:cNvPr id="2" name="Freeform 2"/>
           <p:cNvSpPr/>
           <p:nvPr/>
         </p:nvSpPr>
         <p:spPr>
-          <a:xfrm flipH="false" flipV="false" rot="0">
+          <a:xfrm>
             <a:off x="-7435496" y="-6433657"/>
             <a:ext cx="12167667" cy="12167667"/>
           </a:xfrm>
@@ -4521,9 +4668,9 @@
             <a:gdLst/>
             <a:ahLst/>
             <a:cxnLst/>
-            <a:rect r="r" b="b" t="t" l="l"/>
+            <a:rect l="l" t="t" r="r" b="b"/>
             <a:pathLst>
-              <a:path h="12167667" w="12167667">
+              <a:path w="12167667" h="12167667">
                 <a:moveTo>
                   <a:pt x="0" y="0"/>
                 </a:moveTo>
@@ -4552,19 +4699,26 @@
               </a:extLst>
             </a:blip>
             <a:stretch>
-              <a:fillRect l="0" t="0" r="0" b="0"/>
+              <a:fillRect/>
             </a:stretch>
           </a:blipFill>
         </p:spPr>
-      </p:sp>
-      <p:sp>
-        <p:nvSpPr>
-          <p:cNvPr name="TextBox 3" id="3"/>
-          <p:cNvSpPr txBox="true"/>
+        <p:txBody>
+          <a:bodyPr/>
+          <a:lstStyle/>
+          <a:p>
+            <a:endParaRPr lang="es-EC"/>
+          </a:p>
+        </p:txBody>
+      </p:sp>
+      <p:sp>
+        <p:nvSpPr>
+          <p:cNvPr id="3" name="TextBox 3"/>
+          <p:cNvSpPr txBox="1"/>
           <p:nvPr/>
         </p:nvSpPr>
         <p:spPr>
-          <a:xfrm rot="0">
+          <a:xfrm>
             <a:off x="1942192" y="1243437"/>
             <a:ext cx="3541832" cy="403506"/>
           </a:xfrm>
@@ -4573,7 +4727,7 @@
           </a:prstGeom>
         </p:spPr>
         <p:txBody>
-          <a:bodyPr anchor="t" rtlCol="false" tIns="0" lIns="0" bIns="0" rIns="0">
+          <a:bodyPr lIns="0" tIns="0" rIns="0" bIns="0" rtlCol="0" anchor="t">
             <a:spAutoFit/>
           </a:bodyPr>
           <a:lstStyle/>
@@ -4597,12 +4751,12 @@
       </p:sp>
       <p:grpSp>
         <p:nvGrpSpPr>
-          <p:cNvPr name="Group 4" id="4"/>
+          <p:cNvPr id="4" name="Group 4"/>
           <p:cNvGrpSpPr/>
           <p:nvPr/>
         </p:nvGrpSpPr>
         <p:grpSpPr>
-          <a:xfrm rot="0">
+          <a:xfrm>
             <a:off x="1485381" y="1314915"/>
             <a:ext cx="306590" cy="279599"/>
             <a:chOff x="0" y="0"/>
@@ -4611,12 +4765,12 @@
         </p:grpSpPr>
         <p:sp>
           <p:nvSpPr>
-            <p:cNvPr name="Freeform 5" id="5"/>
+            <p:cNvPr id="5" name="Freeform 5"/>
             <p:cNvSpPr/>
             <p:nvPr/>
           </p:nvSpPr>
           <p:spPr>
-            <a:xfrm flipH="false" flipV="false" rot="0">
+            <a:xfrm>
               <a:off x="0" y="0"/>
               <a:ext cx="80748" cy="73639"/>
             </a:xfrm>
@@ -4625,9 +4779,9 @@
               <a:gdLst/>
               <a:ahLst/>
               <a:cxnLst/>
-              <a:rect r="r" b="b" t="t" l="l"/>
+              <a:rect l="l" t="t" r="r" b="b"/>
               <a:pathLst>
-                <a:path h="73639" w="80748">
+                <a:path w="80748" h="73639">
                   <a:moveTo>
                     <a:pt x="0" y="0"/>
                   </a:moveTo>
@@ -4648,11 +4802,18 @@
               <a:srgbClr val="0EE65E"/>
             </a:solidFill>
           </p:spPr>
+          <p:txBody>
+            <a:bodyPr/>
+            <a:lstStyle/>
+            <a:p>
+              <a:endParaRPr lang="es-EC"/>
+            </a:p>
+          </p:txBody>
         </p:sp>
         <p:sp>
           <p:nvSpPr>
-            <p:cNvPr name="TextBox 6" id="6"/>
-            <p:cNvSpPr txBox="true"/>
+            <p:cNvPr id="6" name="TextBox 6"/>
+            <p:cNvSpPr txBox="1"/>
             <p:nvPr/>
           </p:nvSpPr>
           <p:spPr>
@@ -4665,7 +4826,7 @@
             </a:prstGeom>
           </p:spPr>
           <p:txBody>
-            <a:bodyPr anchor="ctr" rtlCol="false" tIns="50800" lIns="50800" bIns="50800" rIns="50800"/>
+            <a:bodyPr lIns="50800" tIns="50800" rIns="50800" bIns="50800" rtlCol="0" anchor="ctr"/>
             <a:lstStyle/>
             <a:p>
               <a:pPr algn="ctr">
@@ -4673,18 +4834,19 @@
                   <a:spcPts val="2964"/>
                 </a:lnSpc>
               </a:pPr>
+              <a:endParaRPr/>
             </a:p>
           </p:txBody>
         </p:sp>
       </p:grpSp>
       <p:grpSp>
         <p:nvGrpSpPr>
-          <p:cNvPr name="Group 7" id="7"/>
+          <p:cNvPr id="7" name="Group 7"/>
           <p:cNvGrpSpPr/>
           <p:nvPr/>
         </p:nvGrpSpPr>
         <p:grpSpPr>
-          <a:xfrm rot="0">
+          <a:xfrm>
             <a:off x="1028700" y="4266258"/>
             <a:ext cx="864438" cy="871309"/>
             <a:chOff x="0" y="0"/>
@@ -4693,12 +4855,12 @@
         </p:grpSpPr>
         <p:sp>
           <p:nvSpPr>
-            <p:cNvPr name="Freeform 8" id="8"/>
+            <p:cNvPr id="8" name="Freeform 8"/>
             <p:cNvSpPr/>
             <p:nvPr/>
           </p:nvSpPr>
           <p:spPr>
-            <a:xfrm flipH="false" flipV="false" rot="0">
+            <a:xfrm>
               <a:off x="0" y="0"/>
               <a:ext cx="954836" cy="962425"/>
             </a:xfrm>
@@ -4707,9 +4869,9 @@
               <a:gdLst/>
               <a:ahLst/>
               <a:cxnLst/>
-              <a:rect r="r" b="b" t="t" l="l"/>
+              <a:rect l="l" t="t" r="r" b="b"/>
               <a:pathLst>
-                <a:path h="962425" w="954836">
+                <a:path w="954836" h="962425">
                   <a:moveTo>
                     <a:pt x="477418" y="0"/>
                   </a:moveTo>
@@ -4741,11 +4903,18 @@
               <a:srgbClr val="0EE65E"/>
             </a:solidFill>
           </p:spPr>
+          <p:txBody>
+            <a:bodyPr/>
+            <a:lstStyle/>
+            <a:p>
+              <a:endParaRPr lang="es-EC"/>
+            </a:p>
+          </p:txBody>
         </p:sp>
         <p:sp>
           <p:nvSpPr>
-            <p:cNvPr name="TextBox 9" id="9"/>
-            <p:cNvSpPr txBox="true"/>
+            <p:cNvPr id="9" name="TextBox 9"/>
+            <p:cNvSpPr txBox="1"/>
             <p:nvPr/>
           </p:nvSpPr>
           <p:spPr>
@@ -4758,7 +4927,7 @@
             </a:prstGeom>
           </p:spPr>
           <p:txBody>
-            <a:bodyPr anchor="ctr" rtlCol="false" tIns="50800" lIns="50800" bIns="50800" rIns="50800"/>
+            <a:bodyPr lIns="50800" tIns="50800" rIns="50800" bIns="50800" rtlCol="0" anchor="ctr"/>
             <a:lstStyle/>
             <a:p>
               <a:pPr algn="ctr">
@@ -4781,12 +4950,12 @@
       </p:grpSp>
       <p:sp>
         <p:nvSpPr>
-          <p:cNvPr name="TextBox 10" id="10"/>
-          <p:cNvSpPr txBox="true"/>
+          <p:cNvPr id="10" name="TextBox 10"/>
+          <p:cNvSpPr txBox="1"/>
           <p:nvPr/>
         </p:nvSpPr>
         <p:spPr>
-          <a:xfrm rot="0">
+          <a:xfrm>
             <a:off x="1028700" y="5055145"/>
             <a:ext cx="7406942" cy="1262478"/>
           </a:xfrm>
@@ -4795,7 +4964,7 @@
           </a:prstGeom>
         </p:spPr>
         <p:txBody>
-          <a:bodyPr anchor="t" rtlCol="false" tIns="0" lIns="0" bIns="0" rIns="0">
+          <a:bodyPr lIns="0" tIns="0" rIns="0" bIns="0" rtlCol="0" anchor="t">
             <a:spAutoFit/>
           </a:bodyPr>
           <a:lstStyle/>
@@ -4819,12 +4988,12 @@
       </p:sp>
       <p:sp>
         <p:nvSpPr>
-          <p:cNvPr name="TextBox 11" id="11"/>
-          <p:cNvSpPr txBox="true"/>
+          <p:cNvPr id="11" name="TextBox 11"/>
+          <p:cNvSpPr txBox="1"/>
           <p:nvPr/>
         </p:nvSpPr>
         <p:spPr>
-          <a:xfrm rot="0">
+          <a:xfrm>
             <a:off x="2539024" y="4037435"/>
             <a:ext cx="5896618" cy="881280"/>
           </a:xfrm>
@@ -4833,7 +5002,7 @@
           </a:prstGeom>
         </p:spPr>
         <p:txBody>
-          <a:bodyPr anchor="t" rtlCol="false" tIns="0" lIns="0" bIns="0" rIns="0">
+          <a:bodyPr lIns="0" tIns="0" rIns="0" bIns="0" rtlCol="0" anchor="t">
             <a:spAutoFit/>
           </a:bodyPr>
           <a:lstStyle/>
@@ -4857,12 +5026,12 @@
       </p:sp>
       <p:grpSp>
         <p:nvGrpSpPr>
-          <p:cNvPr name="Group 12" id="12"/>
+          <p:cNvPr id="12" name="Group 12"/>
           <p:cNvGrpSpPr/>
           <p:nvPr/>
         </p:nvGrpSpPr>
         <p:grpSpPr>
-          <a:xfrm rot="0">
+          <a:xfrm>
             <a:off x="9896955" y="4066010"/>
             <a:ext cx="789798" cy="871309"/>
             <a:chOff x="0" y="0"/>
@@ -4871,12 +5040,12 @@
         </p:grpSpPr>
         <p:sp>
           <p:nvSpPr>
-            <p:cNvPr name="Freeform 13" id="13"/>
+            <p:cNvPr id="13" name="Freeform 13"/>
             <p:cNvSpPr/>
             <p:nvPr/>
           </p:nvSpPr>
           <p:spPr>
-            <a:xfrm flipH="false" flipV="false" rot="0">
+            <a:xfrm>
               <a:off x="0" y="0"/>
               <a:ext cx="872390" cy="962425"/>
             </a:xfrm>
@@ -4885,9 +5054,9 @@
               <a:gdLst/>
               <a:ahLst/>
               <a:cxnLst/>
-              <a:rect r="r" b="b" t="t" l="l"/>
+              <a:rect l="l" t="t" r="r" b="b"/>
               <a:pathLst>
-                <a:path h="962425" w="872390">
+                <a:path w="872390" h="962425">
                   <a:moveTo>
                     <a:pt x="436195" y="0"/>
                   </a:moveTo>
@@ -4919,11 +5088,18 @@
               <a:srgbClr val="0EE65E"/>
             </a:solidFill>
           </p:spPr>
+          <p:txBody>
+            <a:bodyPr/>
+            <a:lstStyle/>
+            <a:p>
+              <a:endParaRPr lang="es-EC"/>
+            </a:p>
+          </p:txBody>
         </p:sp>
         <p:sp>
           <p:nvSpPr>
-            <p:cNvPr name="TextBox 14" id="14"/>
-            <p:cNvSpPr txBox="true"/>
+            <p:cNvPr id="14" name="TextBox 14"/>
+            <p:cNvSpPr txBox="1"/>
             <p:nvPr/>
           </p:nvSpPr>
           <p:spPr>
@@ -4936,7 +5112,7 @@
             </a:prstGeom>
           </p:spPr>
           <p:txBody>
-            <a:bodyPr anchor="ctr" rtlCol="false" tIns="50800" lIns="50800" bIns="50800" rIns="50800"/>
+            <a:bodyPr lIns="50800" tIns="50800" rIns="50800" bIns="50800" rtlCol="0" anchor="ctr"/>
             <a:lstStyle/>
             <a:p>
               <a:pPr algn="ctr">
@@ -4959,12 +5135,12 @@
       </p:grpSp>
       <p:sp>
         <p:nvSpPr>
-          <p:cNvPr name="TextBox 15" id="15"/>
-          <p:cNvSpPr txBox="true"/>
+          <p:cNvPr id="15" name="TextBox 15"/>
+          <p:cNvSpPr txBox="1"/>
           <p:nvPr/>
         </p:nvSpPr>
         <p:spPr>
-          <a:xfrm rot="0">
+          <a:xfrm>
             <a:off x="9896955" y="5014138"/>
             <a:ext cx="7362345" cy="4696282"/>
           </a:xfrm>
@@ -4973,7 +5149,7 @@
           </a:prstGeom>
         </p:spPr>
         <p:txBody>
-          <a:bodyPr anchor="t" rtlCol="false" tIns="0" lIns="0" bIns="0" rIns="0">
+          <a:bodyPr lIns="0" tIns="0" rIns="0" bIns="0" rtlCol="0" anchor="t">
             <a:spAutoFit/>
           </a:bodyPr>
           <a:lstStyle/>
@@ -5015,6 +5191,12 @@
                 <a:spcPts val="3124"/>
               </a:lnSpc>
             </a:pPr>
+            <a:endParaRPr lang="en-US" sz="2232">
+              <a:solidFill>
+                <a:srgbClr val="0EE65E"/>
+              </a:solidFill>
+              <a:latin typeface="Poppins Bold"/>
+            </a:endParaRPr>
           </a:p>
           <a:p>
             <a:pPr algn="l">
@@ -5070,6 +5252,12 @@
                 <a:spcPts val="3124"/>
               </a:lnSpc>
             </a:pPr>
+            <a:endParaRPr lang="en-US" sz="2232">
+              <a:solidFill>
+                <a:srgbClr val="0EE65E"/>
+              </a:solidFill>
+              <a:latin typeface="Poppins Bold"/>
+            </a:endParaRPr>
           </a:p>
           <a:p>
             <a:pPr algn="l">
@@ -5155,12 +5343,12 @@
       </p:sp>
       <p:sp>
         <p:nvSpPr>
-          <p:cNvPr name="TextBox 16" id="16"/>
-          <p:cNvSpPr txBox="true"/>
+          <p:cNvPr id="16" name="TextBox 16"/>
+          <p:cNvSpPr txBox="1"/>
           <p:nvPr/>
         </p:nvSpPr>
         <p:spPr>
-          <a:xfrm rot="0">
+          <a:xfrm>
             <a:off x="11407279" y="4231713"/>
             <a:ext cx="5852021" cy="462180"/>
           </a:xfrm>
@@ -5169,7 +5357,7 @@
           </a:prstGeom>
         </p:spPr>
         <p:txBody>
-          <a:bodyPr anchor="t" rtlCol="false" tIns="0" lIns="0" bIns="0" rIns="0">
+          <a:bodyPr lIns="0" tIns="0" rIns="0" bIns="0" rtlCol="0" anchor="t">
             <a:spAutoFit/>
           </a:bodyPr>
           <a:lstStyle/>
@@ -5200,13 +5388,14 @@
 </file>
 
 <file path=ppt/slides/slide12.xml><?xml version="1.0" encoding="utf-8"?>
-<p:sld xmlns:p="http://schemas.openxmlformats.org/presentationml/2006/main" xmlns:a="http://schemas.openxmlformats.org/drawingml/2006/main" xmlns:r="http://schemas.openxmlformats.org/officeDocument/2006/relationships">
+<p:sld xmlns:a="http://schemas.openxmlformats.org/drawingml/2006/main" xmlns:r="http://schemas.openxmlformats.org/officeDocument/2006/relationships" xmlns:p="http://schemas.openxmlformats.org/presentationml/2006/main">
   <p:cSld>
     <p:bg>
       <p:bgPr>
         <a:solidFill>
           <a:srgbClr val="000000"/>
         </a:solidFill>
+        <a:effectLst/>
       </p:bgPr>
     </p:bg>
     <p:spTree>
@@ -5225,12 +5414,12 @@
       </p:grpSpPr>
       <p:sp>
         <p:nvSpPr>
-          <p:cNvPr name="TextBox 2" id="2"/>
-          <p:cNvSpPr txBox="true"/>
+          <p:cNvPr id="2" name="TextBox 2"/>
+          <p:cNvSpPr txBox="1"/>
           <p:nvPr/>
         </p:nvSpPr>
         <p:spPr>
-          <a:xfrm rot="0">
+          <a:xfrm>
             <a:off x="1942192" y="1243437"/>
             <a:ext cx="3541832" cy="403506"/>
           </a:xfrm>
@@ -5239,7 +5428,7 @@
           </a:prstGeom>
         </p:spPr>
         <p:txBody>
-          <a:bodyPr anchor="t" rtlCol="false" tIns="0" lIns="0" bIns="0" rIns="0">
+          <a:bodyPr lIns="0" tIns="0" rIns="0" bIns="0" rtlCol="0" anchor="t">
             <a:spAutoFit/>
           </a:bodyPr>
           <a:lstStyle/>
@@ -5263,12 +5452,12 @@
       </p:sp>
       <p:grpSp>
         <p:nvGrpSpPr>
-          <p:cNvPr name="Group 3" id="3"/>
+          <p:cNvPr id="3" name="Group 3"/>
           <p:cNvGrpSpPr/>
           <p:nvPr/>
         </p:nvGrpSpPr>
         <p:grpSpPr>
-          <a:xfrm rot="0">
+          <a:xfrm>
             <a:off x="1485381" y="1314915"/>
             <a:ext cx="306590" cy="279599"/>
             <a:chOff x="0" y="0"/>
@@ -5277,12 +5466,12 @@
         </p:grpSpPr>
         <p:sp>
           <p:nvSpPr>
-            <p:cNvPr name="Freeform 4" id="4"/>
+            <p:cNvPr id="4" name="Freeform 4"/>
             <p:cNvSpPr/>
             <p:nvPr/>
           </p:nvSpPr>
           <p:spPr>
-            <a:xfrm flipH="false" flipV="false" rot="0">
+            <a:xfrm>
               <a:off x="0" y="0"/>
               <a:ext cx="80748" cy="73639"/>
             </a:xfrm>
@@ -5291,9 +5480,9 @@
               <a:gdLst/>
               <a:ahLst/>
               <a:cxnLst/>
-              <a:rect r="r" b="b" t="t" l="l"/>
+              <a:rect l="l" t="t" r="r" b="b"/>
               <a:pathLst>
-                <a:path h="73639" w="80748">
+                <a:path w="80748" h="73639">
                   <a:moveTo>
                     <a:pt x="0" y="0"/>
                   </a:moveTo>
@@ -5314,11 +5503,18 @@
               <a:srgbClr val="0EE65E"/>
             </a:solidFill>
           </p:spPr>
+          <p:txBody>
+            <a:bodyPr/>
+            <a:lstStyle/>
+            <a:p>
+              <a:endParaRPr lang="es-EC"/>
+            </a:p>
+          </p:txBody>
         </p:sp>
         <p:sp>
           <p:nvSpPr>
-            <p:cNvPr name="TextBox 5" id="5"/>
-            <p:cNvSpPr txBox="true"/>
+            <p:cNvPr id="5" name="TextBox 5"/>
+            <p:cNvSpPr txBox="1"/>
             <p:nvPr/>
           </p:nvSpPr>
           <p:spPr>
@@ -5331,7 +5527,7 @@
             </a:prstGeom>
           </p:spPr>
           <p:txBody>
-            <a:bodyPr anchor="ctr" rtlCol="false" tIns="50800" lIns="50800" bIns="50800" rIns="50800"/>
+            <a:bodyPr lIns="50800" tIns="50800" rIns="50800" bIns="50800" rtlCol="0" anchor="ctr"/>
             <a:lstStyle/>
             <a:p>
               <a:pPr algn="ctr">
@@ -5339,18 +5535,19 @@
                   <a:spcPts val="2964"/>
                 </a:lnSpc>
               </a:pPr>
+              <a:endParaRPr/>
             </a:p>
           </p:txBody>
         </p:sp>
       </p:grpSp>
       <p:sp>
         <p:nvSpPr>
-          <p:cNvPr name="Freeform 6" id="6"/>
+          <p:cNvPr id="6" name="Freeform 6"/>
           <p:cNvSpPr/>
           <p:nvPr/>
         </p:nvSpPr>
         <p:spPr>
-          <a:xfrm flipH="false" flipV="false" rot="0">
+          <a:xfrm>
             <a:off x="11175467" y="5398950"/>
             <a:ext cx="12167667" cy="12167667"/>
           </a:xfrm>
@@ -5359,9 +5556,9 @@
             <a:gdLst/>
             <a:ahLst/>
             <a:cxnLst/>
-            <a:rect r="r" b="b" t="t" l="l"/>
+            <a:rect l="l" t="t" r="r" b="b"/>
             <a:pathLst>
-              <a:path h="12167667" w="12167667">
+              <a:path w="12167667" h="12167667">
                 <a:moveTo>
                   <a:pt x="0" y="0"/>
                 </a:moveTo>
@@ -5390,19 +5587,26 @@
               </a:extLst>
             </a:blip>
             <a:stretch>
-              <a:fillRect l="0" t="0" r="0" b="0"/>
+              <a:fillRect/>
             </a:stretch>
           </a:blipFill>
         </p:spPr>
-      </p:sp>
-      <p:sp>
-        <p:nvSpPr>
-          <p:cNvPr name="TextBox 7" id="7"/>
-          <p:cNvSpPr txBox="true"/>
+        <p:txBody>
+          <a:bodyPr/>
+          <a:lstStyle/>
+          <a:p>
+            <a:endParaRPr lang="es-EC"/>
+          </a:p>
+        </p:txBody>
+      </p:sp>
+      <p:sp>
+        <p:nvSpPr>
+          <p:cNvPr id="7" name="TextBox 7"/>
+          <p:cNvSpPr txBox="1"/>
           <p:nvPr/>
         </p:nvSpPr>
         <p:spPr>
-          <a:xfrm rot="0">
+          <a:xfrm>
             <a:off x="522447" y="2851414"/>
             <a:ext cx="7960404" cy="2886075"/>
           </a:xfrm>
@@ -5411,7 +5615,7 @@
           </a:prstGeom>
         </p:spPr>
         <p:txBody>
-          <a:bodyPr anchor="t" rtlCol="false" tIns="0" lIns="0" bIns="0" rIns="0">
+          <a:bodyPr lIns="0" tIns="0" rIns="0" bIns="0" rtlCol="0" anchor="t">
             <a:spAutoFit/>
           </a:bodyPr>
           <a:lstStyle/>
@@ -5435,12 +5639,12 @@
       </p:sp>
       <p:grpSp>
         <p:nvGrpSpPr>
-          <p:cNvPr name="Group 8" id="8"/>
+          <p:cNvPr id="8" name="Group 8"/>
           <p:cNvGrpSpPr/>
           <p:nvPr/>
         </p:nvGrpSpPr>
         <p:grpSpPr>
-          <a:xfrm rot="0">
+          <a:xfrm>
             <a:off x="522447" y="6054511"/>
             <a:ext cx="864438" cy="871309"/>
             <a:chOff x="0" y="0"/>
@@ -5449,12 +5653,12 @@
         </p:grpSpPr>
         <p:sp>
           <p:nvSpPr>
-            <p:cNvPr name="Freeform 9" id="9"/>
+            <p:cNvPr id="9" name="Freeform 9"/>
             <p:cNvSpPr/>
             <p:nvPr/>
           </p:nvSpPr>
           <p:spPr>
-            <a:xfrm flipH="false" flipV="false" rot="0">
+            <a:xfrm>
               <a:off x="0" y="0"/>
               <a:ext cx="954836" cy="962425"/>
             </a:xfrm>
@@ -5463,9 +5667,9 @@
               <a:gdLst/>
               <a:ahLst/>
               <a:cxnLst/>
-              <a:rect r="r" b="b" t="t" l="l"/>
+              <a:rect l="l" t="t" r="r" b="b"/>
               <a:pathLst>
-                <a:path h="962425" w="954836">
+                <a:path w="954836" h="962425">
                   <a:moveTo>
                     <a:pt x="477418" y="0"/>
                   </a:moveTo>
@@ -5497,11 +5701,18 @@
               <a:srgbClr val="0EE65E"/>
             </a:solidFill>
           </p:spPr>
+          <p:txBody>
+            <a:bodyPr/>
+            <a:lstStyle/>
+            <a:p>
+              <a:endParaRPr lang="es-EC"/>
+            </a:p>
+          </p:txBody>
         </p:sp>
         <p:sp>
           <p:nvSpPr>
-            <p:cNvPr name="TextBox 10" id="10"/>
-            <p:cNvSpPr txBox="true"/>
+            <p:cNvPr id="10" name="TextBox 10"/>
+            <p:cNvSpPr txBox="1"/>
             <p:nvPr/>
           </p:nvSpPr>
           <p:spPr>
@@ -5514,7 +5725,7 @@
             </a:prstGeom>
           </p:spPr>
           <p:txBody>
-            <a:bodyPr anchor="ctr" rtlCol="false" tIns="50800" lIns="50800" bIns="50800" rIns="50800"/>
+            <a:bodyPr lIns="50800" tIns="50800" rIns="50800" bIns="50800" rtlCol="0" anchor="ctr"/>
             <a:lstStyle/>
             <a:p>
               <a:pPr algn="ctr">
@@ -5537,12 +5748,12 @@
       </p:grpSp>
       <p:sp>
         <p:nvSpPr>
-          <p:cNvPr name="TextBox 11" id="11"/>
-          <p:cNvSpPr txBox="true"/>
+          <p:cNvPr id="11" name="TextBox 11"/>
+          <p:cNvSpPr txBox="1"/>
           <p:nvPr/>
         </p:nvSpPr>
         <p:spPr>
-          <a:xfrm rot="0">
+          <a:xfrm>
             <a:off x="522447" y="7163945"/>
             <a:ext cx="7067174" cy="1051988"/>
           </a:xfrm>
@@ -5551,7 +5762,7 @@
           </a:prstGeom>
         </p:spPr>
         <p:txBody>
-          <a:bodyPr anchor="t" rtlCol="false" tIns="0" lIns="0" bIns="0" rIns="0">
+          <a:bodyPr lIns="0" tIns="0" rIns="0" bIns="0" rtlCol="0" anchor="t">
             <a:spAutoFit/>
           </a:bodyPr>
           <a:lstStyle/>
@@ -5575,12 +5786,12 @@
       </p:sp>
       <p:sp>
         <p:nvSpPr>
-          <p:cNvPr name="TextBox 12" id="12"/>
-          <p:cNvSpPr txBox="true"/>
+          <p:cNvPr id="12" name="TextBox 12"/>
+          <p:cNvSpPr txBox="1"/>
           <p:nvPr/>
         </p:nvSpPr>
         <p:spPr>
-          <a:xfrm rot="0">
+          <a:xfrm>
             <a:off x="1639680" y="6220213"/>
             <a:ext cx="5949941" cy="462180"/>
           </a:xfrm>
@@ -5589,7 +5800,7 @@
           </a:prstGeom>
         </p:spPr>
         <p:txBody>
-          <a:bodyPr anchor="t" rtlCol="false" tIns="0" lIns="0" bIns="0" rIns="0">
+          <a:bodyPr lIns="0" tIns="0" rIns="0" bIns="0" rtlCol="0" anchor="t">
             <a:spAutoFit/>
           </a:bodyPr>
           <a:lstStyle/>
@@ -5613,12 +5824,12 @@
       </p:sp>
       <p:grpSp>
         <p:nvGrpSpPr>
-          <p:cNvPr name="Group 13" id="13"/>
+          <p:cNvPr id="13" name="Group 13"/>
           <p:cNvGrpSpPr/>
           <p:nvPr/>
         </p:nvGrpSpPr>
         <p:grpSpPr>
-          <a:xfrm rot="0">
+          <a:xfrm>
             <a:off x="9144000" y="391177"/>
             <a:ext cx="789798" cy="871309"/>
             <a:chOff x="0" y="0"/>
@@ -5627,12 +5838,12 @@
         </p:grpSpPr>
         <p:sp>
           <p:nvSpPr>
-            <p:cNvPr name="Freeform 14" id="14"/>
+            <p:cNvPr id="14" name="Freeform 14"/>
             <p:cNvSpPr/>
             <p:nvPr/>
           </p:nvSpPr>
           <p:spPr>
-            <a:xfrm flipH="false" flipV="false" rot="0">
+            <a:xfrm>
               <a:off x="0" y="0"/>
               <a:ext cx="872390" cy="962425"/>
             </a:xfrm>
@@ -5641,9 +5852,9 @@
               <a:gdLst/>
               <a:ahLst/>
               <a:cxnLst/>
-              <a:rect r="r" b="b" t="t" l="l"/>
+              <a:rect l="l" t="t" r="r" b="b"/>
               <a:pathLst>
-                <a:path h="962425" w="872390">
+                <a:path w="872390" h="962425">
                   <a:moveTo>
                     <a:pt x="436195" y="0"/>
                   </a:moveTo>
@@ -5675,11 +5886,18 @@
               <a:srgbClr val="0EE65E"/>
             </a:solidFill>
           </p:spPr>
+          <p:txBody>
+            <a:bodyPr/>
+            <a:lstStyle/>
+            <a:p>
+              <a:endParaRPr lang="es-EC"/>
+            </a:p>
+          </p:txBody>
         </p:sp>
         <p:sp>
           <p:nvSpPr>
-            <p:cNvPr name="TextBox 15" id="15"/>
-            <p:cNvSpPr txBox="true"/>
+            <p:cNvPr id="15" name="TextBox 15"/>
+            <p:cNvSpPr txBox="1"/>
             <p:nvPr/>
           </p:nvSpPr>
           <p:spPr>
@@ -5692,7 +5910,7 @@
             </a:prstGeom>
           </p:spPr>
           <p:txBody>
-            <a:bodyPr anchor="ctr" rtlCol="false" tIns="50800" lIns="50800" bIns="50800" rIns="50800"/>
+            <a:bodyPr lIns="50800" tIns="50800" rIns="50800" bIns="50800" rtlCol="0" anchor="ctr"/>
             <a:lstStyle/>
             <a:p>
               <a:pPr algn="ctr">
@@ -5715,12 +5933,12 @@
       </p:grpSp>
       <p:sp>
         <p:nvSpPr>
-          <p:cNvPr name="TextBox 16" id="16"/>
-          <p:cNvSpPr txBox="true"/>
+          <p:cNvPr id="16" name="TextBox 16"/>
+          <p:cNvSpPr txBox="1"/>
           <p:nvPr/>
         </p:nvSpPr>
         <p:spPr>
-          <a:xfrm rot="0">
+          <a:xfrm>
             <a:off x="9144000" y="1359464"/>
             <a:ext cx="8933591" cy="1262478"/>
           </a:xfrm>
@@ -5729,7 +5947,7 @@
           </a:prstGeom>
         </p:spPr>
         <p:txBody>
-          <a:bodyPr anchor="t" rtlCol="false" tIns="0" lIns="0" bIns="0" rIns="0">
+          <a:bodyPr lIns="0" tIns="0" rIns="0" bIns="0" rtlCol="0" anchor="t">
             <a:spAutoFit/>
           </a:bodyPr>
           <a:lstStyle/>
@@ -5753,12 +5971,12 @@
       </p:sp>
       <p:sp>
         <p:nvSpPr>
-          <p:cNvPr name="TextBox 17" id="17"/>
-          <p:cNvSpPr txBox="true"/>
+          <p:cNvPr id="17" name="TextBox 17"/>
+          <p:cNvSpPr txBox="1"/>
           <p:nvPr/>
         </p:nvSpPr>
         <p:spPr>
-          <a:xfrm rot="0">
+          <a:xfrm>
             <a:off x="10654324" y="556880"/>
             <a:ext cx="8043388" cy="462180"/>
           </a:xfrm>
@@ -5767,7 +5985,7 @@
           </a:prstGeom>
         </p:spPr>
         <p:txBody>
-          <a:bodyPr anchor="t" rtlCol="false" tIns="0" lIns="0" bIns="0" rIns="0">
+          <a:bodyPr lIns="0" tIns="0" rIns="0" bIns="0" rtlCol="0" anchor="t">
             <a:spAutoFit/>
           </a:bodyPr>
           <a:lstStyle/>
@@ -5791,12 +6009,12 @@
       </p:sp>
       <p:sp>
         <p:nvSpPr>
-          <p:cNvPr name="TextBox 18" id="18"/>
-          <p:cNvSpPr txBox="true"/>
+          <p:cNvPr id="18" name="TextBox 18"/>
+          <p:cNvSpPr txBox="1"/>
           <p:nvPr/>
         </p:nvSpPr>
         <p:spPr>
-          <a:xfrm rot="0">
+          <a:xfrm>
             <a:off x="522447" y="8454058"/>
             <a:ext cx="7067174" cy="526536"/>
           </a:xfrm>
@@ -5805,7 +6023,7 @@
           </a:prstGeom>
         </p:spPr>
         <p:txBody>
-          <a:bodyPr anchor="t" rtlCol="false" tIns="0" lIns="0" bIns="0" rIns="0">
+          <a:bodyPr lIns="0" tIns="0" rIns="0" bIns="0" rtlCol="0" anchor="t">
             <a:spAutoFit/>
           </a:bodyPr>
           <a:lstStyle/>
@@ -5829,12 +6047,12 @@
       </p:sp>
       <p:sp>
         <p:nvSpPr>
-          <p:cNvPr name="TextBox 19" id="19"/>
-          <p:cNvSpPr txBox="true"/>
+          <p:cNvPr id="19" name="TextBox 19"/>
+          <p:cNvSpPr txBox="1"/>
           <p:nvPr/>
         </p:nvSpPr>
         <p:spPr>
-          <a:xfrm rot="0">
+          <a:xfrm>
             <a:off x="9144000" y="2841889"/>
             <a:ext cx="8933591" cy="633828"/>
           </a:xfrm>
@@ -5843,7 +6061,7 @@
           </a:prstGeom>
         </p:spPr>
         <p:txBody>
-          <a:bodyPr anchor="t" rtlCol="false" tIns="0" lIns="0" bIns="0" rIns="0">
+          <a:bodyPr lIns="0" tIns="0" rIns="0" bIns="0" rtlCol="0" anchor="t">
             <a:spAutoFit/>
           </a:bodyPr>
           <a:lstStyle/>
@@ -5867,12 +6085,12 @@
       </p:sp>
       <p:grpSp>
         <p:nvGrpSpPr>
-          <p:cNvPr name="Group 20" id="20"/>
+          <p:cNvPr id="20" name="Group 20"/>
           <p:cNvGrpSpPr/>
           <p:nvPr/>
         </p:nvGrpSpPr>
         <p:grpSpPr>
-          <a:xfrm rot="0">
+          <a:xfrm>
             <a:off x="9144000" y="4028117"/>
             <a:ext cx="789798" cy="871309"/>
             <a:chOff x="0" y="0"/>
@@ -5881,12 +6099,12 @@
         </p:grpSpPr>
         <p:sp>
           <p:nvSpPr>
-            <p:cNvPr name="Freeform 21" id="21"/>
+            <p:cNvPr id="21" name="Freeform 21"/>
             <p:cNvSpPr/>
             <p:nvPr/>
           </p:nvSpPr>
           <p:spPr>
-            <a:xfrm flipH="false" flipV="false" rot="0">
+            <a:xfrm>
               <a:off x="0" y="0"/>
               <a:ext cx="872390" cy="962425"/>
             </a:xfrm>
@@ -5895,9 +6113,9 @@
               <a:gdLst/>
               <a:ahLst/>
               <a:cxnLst/>
-              <a:rect r="r" b="b" t="t" l="l"/>
+              <a:rect l="l" t="t" r="r" b="b"/>
               <a:pathLst>
-                <a:path h="962425" w="872390">
+                <a:path w="872390" h="962425">
                   <a:moveTo>
                     <a:pt x="436195" y="0"/>
                   </a:moveTo>
@@ -5929,11 +6147,18 @@
               <a:srgbClr val="0EE65E"/>
             </a:solidFill>
           </p:spPr>
+          <p:txBody>
+            <a:bodyPr/>
+            <a:lstStyle/>
+            <a:p>
+              <a:endParaRPr lang="es-EC"/>
+            </a:p>
+          </p:txBody>
         </p:sp>
         <p:sp>
           <p:nvSpPr>
-            <p:cNvPr name="TextBox 22" id="22"/>
-            <p:cNvSpPr txBox="true"/>
+            <p:cNvPr id="22" name="TextBox 22"/>
+            <p:cNvSpPr txBox="1"/>
             <p:nvPr/>
           </p:nvSpPr>
           <p:spPr>
@@ -5946,7 +6171,7 @@
             </a:prstGeom>
           </p:spPr>
           <p:txBody>
-            <a:bodyPr anchor="ctr" rtlCol="false" tIns="50800" lIns="50800" bIns="50800" rIns="50800"/>
+            <a:bodyPr lIns="50800" tIns="50800" rIns="50800" bIns="50800" rtlCol="0" anchor="ctr"/>
             <a:lstStyle/>
             <a:p>
               <a:pPr algn="ctr">
@@ -5969,12 +6194,12 @@
       </p:grpSp>
       <p:sp>
         <p:nvSpPr>
-          <p:cNvPr name="TextBox 23" id="23"/>
-          <p:cNvSpPr txBox="true"/>
+          <p:cNvPr id="23" name="TextBox 23"/>
+          <p:cNvSpPr txBox="1"/>
           <p:nvPr/>
         </p:nvSpPr>
         <p:spPr>
-          <a:xfrm rot="0">
+          <a:xfrm>
             <a:off x="9144000" y="4996405"/>
             <a:ext cx="9144000" cy="633828"/>
           </a:xfrm>
@@ -5983,7 +6208,7 @@
           </a:prstGeom>
         </p:spPr>
         <p:txBody>
-          <a:bodyPr anchor="t" rtlCol="false" tIns="0" lIns="0" bIns="0" rIns="0">
+          <a:bodyPr lIns="0" tIns="0" rIns="0" bIns="0" rtlCol="0" anchor="t">
             <a:spAutoFit/>
           </a:bodyPr>
           <a:lstStyle/>
@@ -6007,12 +6232,12 @@
       </p:sp>
       <p:sp>
         <p:nvSpPr>
-          <p:cNvPr name="TextBox 24" id="24"/>
-          <p:cNvSpPr txBox="true"/>
+          <p:cNvPr id="24" name="TextBox 24"/>
+          <p:cNvSpPr txBox="1"/>
           <p:nvPr/>
         </p:nvSpPr>
         <p:spPr>
-          <a:xfrm rot="0">
+          <a:xfrm>
             <a:off x="10654324" y="4193820"/>
             <a:ext cx="8043388" cy="462180"/>
           </a:xfrm>
@@ -6021,7 +6246,7 @@
           </a:prstGeom>
         </p:spPr>
         <p:txBody>
-          <a:bodyPr anchor="t" rtlCol="false" tIns="0" lIns="0" bIns="0" rIns="0">
+          <a:bodyPr lIns="0" tIns="0" rIns="0" bIns="0" rtlCol="0" anchor="t">
             <a:spAutoFit/>
           </a:bodyPr>
           <a:lstStyle/>
@@ -6045,12 +6270,12 @@
       </p:sp>
       <p:grpSp>
         <p:nvGrpSpPr>
-          <p:cNvPr name="Group 25" id="25"/>
+          <p:cNvPr id="25" name="Group 25"/>
           <p:cNvGrpSpPr/>
           <p:nvPr/>
         </p:nvGrpSpPr>
         <p:grpSpPr>
-          <a:xfrm rot="0">
+          <a:xfrm>
             <a:off x="9144000" y="6182683"/>
             <a:ext cx="789798" cy="871309"/>
             <a:chOff x="0" y="0"/>
@@ -6059,12 +6284,12 @@
         </p:grpSpPr>
         <p:sp>
           <p:nvSpPr>
-            <p:cNvPr name="Freeform 26" id="26"/>
+            <p:cNvPr id="26" name="Freeform 26"/>
             <p:cNvSpPr/>
             <p:nvPr/>
           </p:nvSpPr>
           <p:spPr>
-            <a:xfrm flipH="false" flipV="false" rot="0">
+            <a:xfrm>
               <a:off x="0" y="0"/>
               <a:ext cx="872390" cy="962425"/>
             </a:xfrm>
@@ -6073,9 +6298,9 @@
               <a:gdLst/>
               <a:ahLst/>
               <a:cxnLst/>
-              <a:rect r="r" b="b" t="t" l="l"/>
+              <a:rect l="l" t="t" r="r" b="b"/>
               <a:pathLst>
-                <a:path h="962425" w="872390">
+                <a:path w="872390" h="962425">
                   <a:moveTo>
                     <a:pt x="436195" y="0"/>
                   </a:moveTo>
@@ -6107,11 +6332,18 @@
               <a:srgbClr val="0EE65E"/>
             </a:solidFill>
           </p:spPr>
+          <p:txBody>
+            <a:bodyPr/>
+            <a:lstStyle/>
+            <a:p>
+              <a:endParaRPr lang="es-EC"/>
+            </a:p>
+          </p:txBody>
         </p:sp>
         <p:sp>
           <p:nvSpPr>
-            <p:cNvPr name="TextBox 27" id="27"/>
-            <p:cNvSpPr txBox="true"/>
+            <p:cNvPr id="27" name="TextBox 27"/>
+            <p:cNvSpPr txBox="1"/>
             <p:nvPr/>
           </p:nvSpPr>
           <p:spPr>
@@ -6124,7 +6356,7 @@
             </a:prstGeom>
           </p:spPr>
           <p:txBody>
-            <a:bodyPr anchor="ctr" rtlCol="false" tIns="50800" lIns="50800" bIns="50800" rIns="50800"/>
+            <a:bodyPr lIns="50800" tIns="50800" rIns="50800" bIns="50800" rtlCol="0" anchor="ctr"/>
             <a:lstStyle/>
             <a:p>
               <a:pPr algn="ctr">
@@ -6147,12 +6379,12 @@
       </p:grpSp>
       <p:sp>
         <p:nvSpPr>
-          <p:cNvPr name="TextBox 28" id="28"/>
-          <p:cNvSpPr txBox="true"/>
+          <p:cNvPr id="28" name="TextBox 28"/>
+          <p:cNvSpPr txBox="1"/>
           <p:nvPr/>
         </p:nvSpPr>
         <p:spPr>
-          <a:xfrm rot="0">
+          <a:xfrm>
             <a:off x="9144000" y="7150970"/>
             <a:ext cx="8933591" cy="633828"/>
           </a:xfrm>
@@ -6161,7 +6393,7 @@
           </a:prstGeom>
         </p:spPr>
         <p:txBody>
-          <a:bodyPr anchor="t" rtlCol="false" tIns="0" lIns="0" bIns="0" rIns="0">
+          <a:bodyPr lIns="0" tIns="0" rIns="0" bIns="0" rtlCol="0" anchor="t">
             <a:spAutoFit/>
           </a:bodyPr>
           <a:lstStyle/>
@@ -6185,12 +6417,12 @@
       </p:sp>
       <p:sp>
         <p:nvSpPr>
-          <p:cNvPr name="TextBox 29" id="29"/>
-          <p:cNvSpPr txBox="true"/>
+          <p:cNvPr id="29" name="TextBox 29"/>
+          <p:cNvSpPr txBox="1"/>
           <p:nvPr/>
         </p:nvSpPr>
         <p:spPr>
-          <a:xfrm rot="0">
+          <a:xfrm>
             <a:off x="10654324" y="6348386"/>
             <a:ext cx="8043388" cy="462180"/>
           </a:xfrm>
@@ -6199,7 +6431,7 @@
           </a:prstGeom>
         </p:spPr>
         <p:txBody>
-          <a:bodyPr anchor="t" rtlCol="false" tIns="0" lIns="0" bIns="0" rIns="0">
+          <a:bodyPr lIns="0" tIns="0" rIns="0" bIns="0" rtlCol="0" anchor="t">
             <a:spAutoFit/>
           </a:bodyPr>
           <a:lstStyle/>
@@ -6230,13 +6462,14 @@
 </file>
 
 <file path=ppt/slides/slide13.xml><?xml version="1.0" encoding="utf-8"?>
-<p:sld xmlns:p="http://schemas.openxmlformats.org/presentationml/2006/main" xmlns:a="http://schemas.openxmlformats.org/drawingml/2006/main" xmlns:r="http://schemas.openxmlformats.org/officeDocument/2006/relationships">
+<p:sld xmlns:a="http://schemas.openxmlformats.org/drawingml/2006/main" xmlns:r="http://schemas.openxmlformats.org/officeDocument/2006/relationships" xmlns:p="http://schemas.openxmlformats.org/presentationml/2006/main">
   <p:cSld>
     <p:bg>
       <p:bgPr>
         <a:solidFill>
           <a:srgbClr val="000000"/>
         </a:solidFill>
+        <a:effectLst/>
       </p:bgPr>
     </p:bg>
     <p:spTree>
@@ -6255,12 +6488,12 @@
       </p:grpSpPr>
       <p:sp>
         <p:nvSpPr>
-          <p:cNvPr name="TextBox 2" id="2"/>
-          <p:cNvSpPr txBox="true"/>
+          <p:cNvPr id="2" name="TextBox 2"/>
+          <p:cNvSpPr txBox="1"/>
           <p:nvPr/>
         </p:nvSpPr>
         <p:spPr>
-          <a:xfrm rot="0">
+          <a:xfrm>
             <a:off x="11086959" y="129536"/>
             <a:ext cx="6929684" cy="5295900"/>
           </a:xfrm>
@@ -6269,7 +6502,7 @@
           </a:prstGeom>
         </p:spPr>
         <p:txBody>
-          <a:bodyPr anchor="t" rtlCol="false" tIns="0" lIns="0" bIns="0" rIns="0">
+          <a:bodyPr lIns="0" tIns="0" rIns="0" bIns="0" rtlCol="0" anchor="t">
             <a:spAutoFit/>
           </a:bodyPr>
           <a:lstStyle/>
@@ -6293,12 +6526,12 @@
       </p:sp>
       <p:sp>
         <p:nvSpPr>
-          <p:cNvPr name="TextBox 3" id="3"/>
-          <p:cNvSpPr txBox="true"/>
+          <p:cNvPr id="3" name="TextBox 3"/>
+          <p:cNvSpPr txBox="1"/>
           <p:nvPr/>
         </p:nvSpPr>
         <p:spPr>
-          <a:xfrm rot="0">
+          <a:xfrm>
             <a:off x="1942192" y="1243437"/>
             <a:ext cx="3541832" cy="403506"/>
           </a:xfrm>
@@ -6307,7 +6540,7 @@
           </a:prstGeom>
         </p:spPr>
         <p:txBody>
-          <a:bodyPr anchor="t" rtlCol="false" tIns="0" lIns="0" bIns="0" rIns="0">
+          <a:bodyPr lIns="0" tIns="0" rIns="0" bIns="0" rtlCol="0" anchor="t">
             <a:spAutoFit/>
           </a:bodyPr>
           <a:lstStyle/>
@@ -6331,12 +6564,12 @@
       </p:sp>
       <p:grpSp>
         <p:nvGrpSpPr>
-          <p:cNvPr name="Group 4" id="4"/>
+          <p:cNvPr id="4" name="Group 4"/>
           <p:cNvGrpSpPr/>
           <p:nvPr/>
         </p:nvGrpSpPr>
         <p:grpSpPr>
-          <a:xfrm rot="0">
+          <a:xfrm>
             <a:off x="1485381" y="1314915"/>
             <a:ext cx="306590" cy="279599"/>
             <a:chOff x="0" y="0"/>
@@ -6345,12 +6578,12 @@
         </p:grpSpPr>
         <p:sp>
           <p:nvSpPr>
-            <p:cNvPr name="Freeform 5" id="5"/>
+            <p:cNvPr id="5" name="Freeform 5"/>
             <p:cNvSpPr/>
             <p:nvPr/>
           </p:nvSpPr>
           <p:spPr>
-            <a:xfrm flipH="false" flipV="false" rot="0">
+            <a:xfrm>
               <a:off x="0" y="0"/>
               <a:ext cx="80748" cy="73639"/>
             </a:xfrm>
@@ -6359,9 +6592,9 @@
               <a:gdLst/>
               <a:ahLst/>
               <a:cxnLst/>
-              <a:rect r="r" b="b" t="t" l="l"/>
+              <a:rect l="l" t="t" r="r" b="b"/>
               <a:pathLst>
-                <a:path h="73639" w="80748">
+                <a:path w="80748" h="73639">
                   <a:moveTo>
                     <a:pt x="0" y="0"/>
                   </a:moveTo>
@@ -6382,11 +6615,18 @@
               <a:srgbClr val="0EE65E"/>
             </a:solidFill>
           </p:spPr>
+          <p:txBody>
+            <a:bodyPr/>
+            <a:lstStyle/>
+            <a:p>
+              <a:endParaRPr lang="es-EC"/>
+            </a:p>
+          </p:txBody>
         </p:sp>
         <p:sp>
           <p:nvSpPr>
-            <p:cNvPr name="TextBox 6" id="6"/>
-            <p:cNvSpPr txBox="true"/>
+            <p:cNvPr id="6" name="TextBox 6"/>
+            <p:cNvSpPr txBox="1"/>
             <p:nvPr/>
           </p:nvSpPr>
           <p:spPr>
@@ -6399,7 +6639,7 @@
             </a:prstGeom>
           </p:spPr>
           <p:txBody>
-            <a:bodyPr anchor="ctr" rtlCol="false" tIns="50800" lIns="50800" bIns="50800" rIns="50800"/>
+            <a:bodyPr lIns="50800" tIns="50800" rIns="50800" bIns="50800" rtlCol="0" anchor="ctr"/>
             <a:lstStyle/>
             <a:p>
               <a:pPr algn="ctr">
@@ -6407,18 +6647,19 @@
                   <a:spcPts val="2964"/>
                 </a:lnSpc>
               </a:pPr>
+              <a:endParaRPr/>
             </a:p>
           </p:txBody>
         </p:sp>
       </p:grpSp>
       <p:sp>
         <p:nvSpPr>
-          <p:cNvPr name="Freeform 7" id="7"/>
+          <p:cNvPr id="7" name="Freeform 7"/>
           <p:cNvSpPr/>
           <p:nvPr/>
         </p:nvSpPr>
         <p:spPr>
-          <a:xfrm flipH="false" flipV="false" rot="0">
+          <a:xfrm>
             <a:off x="14551801" y="4400576"/>
             <a:ext cx="12167667" cy="12167667"/>
           </a:xfrm>
@@ -6427,9 +6668,9 @@
             <a:gdLst/>
             <a:ahLst/>
             <a:cxnLst/>
-            <a:rect r="r" b="b" t="t" l="l"/>
+            <a:rect l="l" t="t" r="r" b="b"/>
             <a:pathLst>
-              <a:path h="12167667" w="12167667">
+              <a:path w="12167667" h="12167667">
                 <a:moveTo>
                   <a:pt x="0" y="0"/>
                 </a:moveTo>
@@ -6458,19 +6699,26 @@
               </a:extLst>
             </a:blip>
             <a:stretch>
-              <a:fillRect l="0" t="0" r="0" b="0"/>
+              <a:fillRect/>
             </a:stretch>
           </a:blipFill>
         </p:spPr>
+        <p:txBody>
+          <a:bodyPr/>
+          <a:lstStyle/>
+          <a:p>
+            <a:endParaRPr lang="es-EC"/>
+          </a:p>
+        </p:txBody>
       </p:sp>
       <p:grpSp>
         <p:nvGrpSpPr>
-          <p:cNvPr name="Group 8" id="8"/>
+          <p:cNvPr id="8" name="Group 8"/>
           <p:cNvGrpSpPr/>
           <p:nvPr/>
         </p:nvGrpSpPr>
         <p:grpSpPr>
-          <a:xfrm rot="0">
+          <a:xfrm>
             <a:off x="419736" y="1889675"/>
             <a:ext cx="789798" cy="871309"/>
             <a:chOff x="0" y="0"/>
@@ -6479,12 +6727,12 @@
         </p:grpSpPr>
         <p:sp>
           <p:nvSpPr>
-            <p:cNvPr name="Freeform 9" id="9"/>
+            <p:cNvPr id="9" name="Freeform 9"/>
             <p:cNvSpPr/>
             <p:nvPr/>
           </p:nvSpPr>
           <p:spPr>
-            <a:xfrm flipH="false" flipV="false" rot="0">
+            <a:xfrm>
               <a:off x="0" y="0"/>
               <a:ext cx="872390" cy="962425"/>
             </a:xfrm>
@@ -6493,9 +6741,9 @@
               <a:gdLst/>
               <a:ahLst/>
               <a:cxnLst/>
-              <a:rect r="r" b="b" t="t" l="l"/>
+              <a:rect l="l" t="t" r="r" b="b"/>
               <a:pathLst>
-                <a:path h="962425" w="872390">
+                <a:path w="872390" h="962425">
                   <a:moveTo>
                     <a:pt x="436195" y="0"/>
                   </a:moveTo>
@@ -6527,11 +6775,18 @@
               <a:srgbClr val="0EE65E"/>
             </a:solidFill>
           </p:spPr>
+          <p:txBody>
+            <a:bodyPr/>
+            <a:lstStyle/>
+            <a:p>
+              <a:endParaRPr lang="es-EC"/>
+            </a:p>
+          </p:txBody>
         </p:sp>
         <p:sp>
           <p:nvSpPr>
-            <p:cNvPr name="TextBox 10" id="10"/>
-            <p:cNvSpPr txBox="true"/>
+            <p:cNvPr id="10" name="TextBox 10"/>
+            <p:cNvSpPr txBox="1"/>
             <p:nvPr/>
           </p:nvSpPr>
           <p:spPr>
@@ -6544,7 +6799,7 @@
             </a:prstGeom>
           </p:spPr>
           <p:txBody>
-            <a:bodyPr anchor="ctr" rtlCol="false" tIns="50800" lIns="50800" bIns="50800" rIns="50800"/>
+            <a:bodyPr lIns="50800" tIns="50800" rIns="50800" bIns="50800" rtlCol="0" anchor="ctr"/>
             <a:lstStyle/>
             <a:p>
               <a:pPr algn="ctr">
@@ -6567,12 +6822,12 @@
       </p:grpSp>
       <p:sp>
         <p:nvSpPr>
-          <p:cNvPr name="TextBox 11" id="11"/>
-          <p:cNvSpPr txBox="true"/>
+          <p:cNvPr id="11" name="TextBox 11"/>
+          <p:cNvSpPr txBox="1"/>
           <p:nvPr/>
         </p:nvSpPr>
         <p:spPr>
-          <a:xfrm rot="0">
+          <a:xfrm>
             <a:off x="419736" y="2790178"/>
             <a:ext cx="9933798" cy="715208"/>
           </a:xfrm>
@@ -6581,7 +6836,7 @@
           </a:prstGeom>
         </p:spPr>
         <p:txBody>
-          <a:bodyPr anchor="t" rtlCol="false" tIns="0" lIns="0" bIns="0" rIns="0">
+          <a:bodyPr lIns="0" tIns="0" rIns="0" bIns="0" rtlCol="0" anchor="t">
             <a:spAutoFit/>
           </a:bodyPr>
           <a:lstStyle/>
@@ -6605,12 +6860,12 @@
       </p:sp>
       <p:sp>
         <p:nvSpPr>
-          <p:cNvPr name="TextBox 12" id="12"/>
-          <p:cNvSpPr txBox="true"/>
+          <p:cNvPr id="12" name="TextBox 12"/>
+          <p:cNvSpPr txBox="1"/>
           <p:nvPr/>
         </p:nvSpPr>
         <p:spPr>
-          <a:xfrm rot="0">
+          <a:xfrm>
             <a:off x="1522456" y="2080348"/>
             <a:ext cx="8043388" cy="462180"/>
           </a:xfrm>
@@ -6619,7 +6874,7 @@
           </a:prstGeom>
         </p:spPr>
         <p:txBody>
-          <a:bodyPr anchor="t" rtlCol="false" tIns="0" lIns="0" bIns="0" rIns="0">
+          <a:bodyPr lIns="0" tIns="0" rIns="0" bIns="0" rtlCol="0" anchor="t">
             <a:spAutoFit/>
           </a:bodyPr>
           <a:lstStyle/>
@@ -6643,12 +6898,12 @@
       </p:sp>
       <p:grpSp>
         <p:nvGrpSpPr>
-          <p:cNvPr name="Group 13" id="13"/>
+          <p:cNvPr id="13" name="Group 13"/>
           <p:cNvGrpSpPr/>
           <p:nvPr/>
         </p:nvGrpSpPr>
         <p:grpSpPr>
-          <a:xfrm rot="0">
+          <a:xfrm>
             <a:off x="419736" y="3748119"/>
             <a:ext cx="789798" cy="871309"/>
             <a:chOff x="0" y="0"/>
@@ -6657,12 +6912,12 @@
         </p:grpSpPr>
         <p:sp>
           <p:nvSpPr>
-            <p:cNvPr name="Freeform 14" id="14"/>
+            <p:cNvPr id="14" name="Freeform 14"/>
             <p:cNvSpPr/>
             <p:nvPr/>
           </p:nvSpPr>
           <p:spPr>
-            <a:xfrm flipH="false" flipV="false" rot="0">
+            <a:xfrm>
               <a:off x="0" y="0"/>
               <a:ext cx="872390" cy="962425"/>
             </a:xfrm>
@@ -6671,9 +6926,9 @@
               <a:gdLst/>
               <a:ahLst/>
               <a:cxnLst/>
-              <a:rect r="r" b="b" t="t" l="l"/>
+              <a:rect l="l" t="t" r="r" b="b"/>
               <a:pathLst>
-                <a:path h="962425" w="872390">
+                <a:path w="872390" h="962425">
                   <a:moveTo>
                     <a:pt x="436195" y="0"/>
                   </a:moveTo>
@@ -6705,11 +6960,18 @@
               <a:srgbClr val="0EE65E"/>
             </a:solidFill>
           </p:spPr>
+          <p:txBody>
+            <a:bodyPr/>
+            <a:lstStyle/>
+            <a:p>
+              <a:endParaRPr lang="es-EC"/>
+            </a:p>
+          </p:txBody>
         </p:sp>
         <p:sp>
           <p:nvSpPr>
-            <p:cNvPr name="TextBox 15" id="15"/>
-            <p:cNvSpPr txBox="true"/>
+            <p:cNvPr id="15" name="TextBox 15"/>
+            <p:cNvSpPr txBox="1"/>
             <p:nvPr/>
           </p:nvSpPr>
           <p:spPr>
@@ -6722,7 +6984,7 @@
             </a:prstGeom>
           </p:spPr>
           <p:txBody>
-            <a:bodyPr anchor="ctr" rtlCol="false" tIns="50800" lIns="50800" bIns="50800" rIns="50800"/>
+            <a:bodyPr lIns="50800" tIns="50800" rIns="50800" bIns="50800" rtlCol="0" anchor="ctr"/>
             <a:lstStyle/>
             <a:p>
               <a:pPr algn="ctr">
@@ -6745,12 +7007,12 @@
       </p:grpSp>
       <p:sp>
         <p:nvSpPr>
-          <p:cNvPr name="TextBox 16" id="16"/>
-          <p:cNvSpPr txBox="true"/>
+          <p:cNvPr id="16" name="TextBox 16"/>
+          <p:cNvSpPr txBox="1"/>
           <p:nvPr/>
         </p:nvSpPr>
         <p:spPr>
-          <a:xfrm rot="0">
+          <a:xfrm>
             <a:off x="419736" y="4648622"/>
             <a:ext cx="9933798" cy="715208"/>
           </a:xfrm>
@@ -6759,7 +7021,7 @@
           </a:prstGeom>
         </p:spPr>
         <p:txBody>
-          <a:bodyPr anchor="t" rtlCol="false" tIns="0" lIns="0" bIns="0" rIns="0">
+          <a:bodyPr lIns="0" tIns="0" rIns="0" bIns="0" rtlCol="0" anchor="t">
             <a:spAutoFit/>
           </a:bodyPr>
           <a:lstStyle/>
@@ -6783,12 +7045,12 @@
       </p:sp>
       <p:sp>
         <p:nvSpPr>
-          <p:cNvPr name="TextBox 17" id="17"/>
-          <p:cNvSpPr txBox="true"/>
+          <p:cNvPr id="17" name="TextBox 17"/>
+          <p:cNvSpPr txBox="1"/>
           <p:nvPr/>
         </p:nvSpPr>
         <p:spPr>
-          <a:xfrm rot="0">
+          <a:xfrm>
             <a:off x="1522456" y="3938397"/>
             <a:ext cx="8043388" cy="462180"/>
           </a:xfrm>
@@ -6797,7 +7059,7 @@
           </a:prstGeom>
         </p:spPr>
         <p:txBody>
-          <a:bodyPr anchor="t" rtlCol="false" tIns="0" lIns="0" bIns="0" rIns="0">
+          <a:bodyPr lIns="0" tIns="0" rIns="0" bIns="0" rtlCol="0" anchor="t">
             <a:spAutoFit/>
           </a:bodyPr>
           <a:lstStyle/>
@@ -6821,12 +7083,12 @@
       </p:sp>
       <p:grpSp>
         <p:nvGrpSpPr>
-          <p:cNvPr name="Group 18" id="18"/>
+          <p:cNvPr id="18" name="Group 18"/>
           <p:cNvGrpSpPr/>
           <p:nvPr/>
         </p:nvGrpSpPr>
         <p:grpSpPr>
-          <a:xfrm rot="0">
+          <a:xfrm>
             <a:off x="419736" y="5926028"/>
             <a:ext cx="789798" cy="871309"/>
             <a:chOff x="0" y="0"/>
@@ -6835,12 +7097,12 @@
         </p:grpSpPr>
         <p:sp>
           <p:nvSpPr>
-            <p:cNvPr name="Freeform 19" id="19"/>
+            <p:cNvPr id="19" name="Freeform 19"/>
             <p:cNvSpPr/>
             <p:nvPr/>
           </p:nvSpPr>
           <p:spPr>
-            <a:xfrm flipH="false" flipV="false" rot="0">
+            <a:xfrm>
               <a:off x="0" y="0"/>
               <a:ext cx="872390" cy="962425"/>
             </a:xfrm>
@@ -6849,9 +7111,9 @@
               <a:gdLst/>
               <a:ahLst/>
               <a:cxnLst/>
-              <a:rect r="r" b="b" t="t" l="l"/>
+              <a:rect l="l" t="t" r="r" b="b"/>
               <a:pathLst>
-                <a:path h="962425" w="872390">
+                <a:path w="872390" h="962425">
                   <a:moveTo>
                     <a:pt x="436195" y="0"/>
                   </a:moveTo>
@@ -6883,11 +7145,18 @@
               <a:srgbClr val="0EE65E"/>
             </a:solidFill>
           </p:spPr>
+          <p:txBody>
+            <a:bodyPr/>
+            <a:lstStyle/>
+            <a:p>
+              <a:endParaRPr lang="es-EC"/>
+            </a:p>
+          </p:txBody>
         </p:sp>
         <p:sp>
           <p:nvSpPr>
-            <p:cNvPr name="TextBox 20" id="20"/>
-            <p:cNvSpPr txBox="true"/>
+            <p:cNvPr id="20" name="TextBox 20"/>
+            <p:cNvSpPr txBox="1"/>
             <p:nvPr/>
           </p:nvSpPr>
           <p:spPr>
@@ -6900,7 +7169,7 @@
             </a:prstGeom>
           </p:spPr>
           <p:txBody>
-            <a:bodyPr anchor="ctr" rtlCol="false" tIns="50800" lIns="50800" bIns="50800" rIns="50800"/>
+            <a:bodyPr lIns="50800" tIns="50800" rIns="50800" bIns="50800" rtlCol="0" anchor="ctr"/>
             <a:lstStyle/>
             <a:p>
               <a:pPr algn="ctr">
@@ -6923,12 +7192,12 @@
       </p:grpSp>
       <p:sp>
         <p:nvSpPr>
-          <p:cNvPr name="TextBox 21" id="21"/>
-          <p:cNvSpPr txBox="true"/>
+          <p:cNvPr id="21" name="TextBox 21"/>
+          <p:cNvSpPr txBox="1"/>
           <p:nvPr/>
         </p:nvSpPr>
         <p:spPr>
-          <a:xfrm rot="0">
+          <a:xfrm>
             <a:off x="419736" y="6826530"/>
             <a:ext cx="18238327" cy="2818628"/>
           </a:xfrm>
@@ -6937,7 +7206,7 @@
           </a:prstGeom>
         </p:spPr>
         <p:txBody>
-          <a:bodyPr anchor="t" rtlCol="false" tIns="0" lIns="0" bIns="0" rIns="0">
+          <a:bodyPr lIns="0" tIns="0" rIns="0" bIns="0" rtlCol="0" anchor="t">
             <a:spAutoFit/>
           </a:bodyPr>
           <a:lstStyle/>
@@ -7009,12 +7278,12 @@
       </p:sp>
       <p:sp>
         <p:nvSpPr>
-          <p:cNvPr name="TextBox 22" id="22"/>
-          <p:cNvSpPr txBox="true"/>
+          <p:cNvPr id="22" name="TextBox 22"/>
+          <p:cNvSpPr txBox="1"/>
           <p:nvPr/>
         </p:nvSpPr>
         <p:spPr>
-          <a:xfrm rot="0">
+          <a:xfrm>
             <a:off x="1522456" y="5697205"/>
             <a:ext cx="8043388" cy="881280"/>
           </a:xfrm>
@@ -7023,7 +7292,7 @@
           </a:prstGeom>
         </p:spPr>
         <p:txBody>
-          <a:bodyPr anchor="t" rtlCol="false" tIns="0" lIns="0" bIns="0" rIns="0">
+          <a:bodyPr lIns="0" tIns="0" rIns="0" bIns="0" rtlCol="0" anchor="t">
             <a:spAutoFit/>
           </a:bodyPr>
           <a:lstStyle/>
@@ -7054,13 +7323,14 @@
 </file>
 
 <file path=ppt/slides/slide14.xml><?xml version="1.0" encoding="utf-8"?>
-<p:sld xmlns:p="http://schemas.openxmlformats.org/presentationml/2006/main" xmlns:a="http://schemas.openxmlformats.org/drawingml/2006/main" xmlns:r="http://schemas.openxmlformats.org/officeDocument/2006/relationships">
+<p:sld xmlns:a="http://schemas.openxmlformats.org/drawingml/2006/main" xmlns:r="http://schemas.openxmlformats.org/officeDocument/2006/relationships" xmlns:p="http://schemas.openxmlformats.org/presentationml/2006/main">
   <p:cSld>
     <p:bg>
       <p:bgPr>
         <a:solidFill>
           <a:srgbClr val="000000"/>
         </a:solidFill>
+        <a:effectLst/>
       </p:bgPr>
     </p:bg>
     <p:spTree>
@@ -7079,12 +7349,12 @@
       </p:grpSpPr>
       <p:grpSp>
         <p:nvGrpSpPr>
-          <p:cNvPr name="Group 2" id="2"/>
+          <p:cNvPr id="2" name="Group 2"/>
           <p:cNvGrpSpPr/>
           <p:nvPr/>
         </p:nvGrpSpPr>
         <p:grpSpPr>
-          <a:xfrm rot="0">
+          <a:xfrm>
             <a:off x="1399656" y="1314915"/>
             <a:ext cx="306590" cy="279599"/>
             <a:chOff x="0" y="0"/>
@@ -7093,12 +7363,12 @@
         </p:grpSpPr>
         <p:sp>
           <p:nvSpPr>
-            <p:cNvPr name="Freeform 3" id="3"/>
+            <p:cNvPr id="3" name="Freeform 3"/>
             <p:cNvSpPr/>
             <p:nvPr/>
           </p:nvSpPr>
           <p:spPr>
-            <a:xfrm flipH="false" flipV="false" rot="0">
+            <a:xfrm>
               <a:off x="0" y="0"/>
               <a:ext cx="80748" cy="73639"/>
             </a:xfrm>
@@ -7107,9 +7377,9 @@
               <a:gdLst/>
               <a:ahLst/>
               <a:cxnLst/>
-              <a:rect r="r" b="b" t="t" l="l"/>
+              <a:rect l="l" t="t" r="r" b="b"/>
               <a:pathLst>
-                <a:path h="73639" w="80748">
+                <a:path w="80748" h="73639">
                   <a:moveTo>
                     <a:pt x="0" y="0"/>
                   </a:moveTo>
@@ -7130,11 +7400,18 @@
               <a:srgbClr val="0EE65E"/>
             </a:solidFill>
           </p:spPr>
+          <p:txBody>
+            <a:bodyPr/>
+            <a:lstStyle/>
+            <a:p>
+              <a:endParaRPr lang="es-EC"/>
+            </a:p>
+          </p:txBody>
         </p:sp>
         <p:sp>
           <p:nvSpPr>
-            <p:cNvPr name="TextBox 4" id="4"/>
-            <p:cNvSpPr txBox="true"/>
+            <p:cNvPr id="4" name="TextBox 4"/>
+            <p:cNvSpPr txBox="1"/>
             <p:nvPr/>
           </p:nvSpPr>
           <p:spPr>
@@ -7147,7 +7424,7 @@
             </a:prstGeom>
           </p:spPr>
           <p:txBody>
-            <a:bodyPr anchor="ctr" rtlCol="false" tIns="50800" lIns="50800" bIns="50800" rIns="50800"/>
+            <a:bodyPr lIns="50800" tIns="50800" rIns="50800" bIns="50800" rtlCol="0" anchor="ctr"/>
             <a:lstStyle/>
             <a:p>
               <a:pPr algn="ctr">
@@ -7155,18 +7432,19 @@
                   <a:spcPts val="2964"/>
                 </a:lnSpc>
               </a:pPr>
+              <a:endParaRPr/>
             </a:p>
           </p:txBody>
         </p:sp>
       </p:grpSp>
       <p:sp>
         <p:nvSpPr>
-          <p:cNvPr name="Freeform 5" id="5"/>
+          <p:cNvPr id="5" name="Freeform 5"/>
           <p:cNvSpPr/>
           <p:nvPr/>
         </p:nvSpPr>
         <p:spPr>
-          <a:xfrm flipH="false" flipV="false" rot="0">
+          <a:xfrm>
             <a:off x="-2636406" y="4698920"/>
             <a:ext cx="12167667" cy="12167667"/>
           </a:xfrm>
@@ -7175,9 +7453,9 @@
             <a:gdLst/>
             <a:ahLst/>
             <a:cxnLst/>
-            <a:rect r="r" b="b" t="t" l="l"/>
+            <a:rect l="l" t="t" r="r" b="b"/>
             <a:pathLst>
-              <a:path h="12167667" w="12167667">
+              <a:path w="12167667" h="12167667">
                 <a:moveTo>
                   <a:pt x="0" y="0"/>
                 </a:moveTo>
@@ -7206,19 +7484,26 @@
               </a:extLst>
             </a:blip>
             <a:stretch>
-              <a:fillRect l="0" t="0" r="0" b="0"/>
+              <a:fillRect/>
             </a:stretch>
           </a:blipFill>
         </p:spPr>
+        <p:txBody>
+          <a:bodyPr/>
+          <a:lstStyle/>
+          <a:p>
+            <a:endParaRPr lang="es-EC"/>
+          </a:p>
+        </p:txBody>
       </p:sp>
       <p:grpSp>
         <p:nvGrpSpPr>
-          <p:cNvPr name="Group 6" id="6"/>
+          <p:cNvPr id="6" name="Group 6"/>
           <p:cNvGrpSpPr/>
           <p:nvPr/>
         </p:nvGrpSpPr>
         <p:grpSpPr>
-          <a:xfrm rot="0">
+          <a:xfrm>
             <a:off x="17821750" y="1028700"/>
             <a:ext cx="932500" cy="3086100"/>
             <a:chOff x="0" y="0"/>
@@ -7227,12 +7512,12 @@
         </p:grpSpPr>
         <p:sp>
           <p:nvSpPr>
-            <p:cNvPr name="Freeform 7" id="7"/>
+            <p:cNvPr id="7" name="Freeform 7"/>
             <p:cNvSpPr/>
             <p:nvPr/>
           </p:nvSpPr>
           <p:spPr>
-            <a:xfrm flipH="false" flipV="false" rot="0">
+            <a:xfrm>
               <a:off x="0" y="0"/>
               <a:ext cx="245597" cy="812800"/>
             </a:xfrm>
@@ -7241,9 +7526,9 @@
               <a:gdLst/>
               <a:ahLst/>
               <a:cxnLst/>
-              <a:rect r="r" b="b" t="t" l="l"/>
+              <a:rect l="l" t="t" r="r" b="b"/>
               <a:pathLst>
-                <a:path h="812800" w="245597">
+                <a:path w="245597" h="812800">
                   <a:moveTo>
                     <a:pt x="0" y="0"/>
                   </a:moveTo>
@@ -7264,11 +7549,18 @@
               <a:srgbClr val="0EE65E"/>
             </a:solidFill>
           </p:spPr>
+          <p:txBody>
+            <a:bodyPr/>
+            <a:lstStyle/>
+            <a:p>
+              <a:endParaRPr lang="es-EC"/>
+            </a:p>
+          </p:txBody>
         </p:sp>
         <p:sp>
           <p:nvSpPr>
-            <p:cNvPr name="TextBox 8" id="8"/>
-            <p:cNvSpPr txBox="true"/>
+            <p:cNvPr id="8" name="TextBox 8"/>
+            <p:cNvSpPr txBox="1"/>
             <p:nvPr/>
           </p:nvSpPr>
           <p:spPr>
@@ -7281,7 +7573,7 @@
             </a:prstGeom>
           </p:spPr>
           <p:txBody>
-            <a:bodyPr anchor="ctr" rtlCol="false" tIns="50800" lIns="50800" bIns="50800" rIns="50800"/>
+            <a:bodyPr lIns="50800" tIns="50800" rIns="50800" bIns="50800" rtlCol="0" anchor="ctr"/>
             <a:lstStyle/>
             <a:p>
               <a:pPr algn="ctr">
@@ -7289,18 +7581,19 @@
                   <a:spcPts val="2964"/>
                 </a:lnSpc>
               </a:pPr>
+              <a:endParaRPr/>
             </a:p>
           </p:txBody>
         </p:sp>
       </p:grpSp>
       <p:sp>
         <p:nvSpPr>
-          <p:cNvPr name="Freeform 9" id="9"/>
+          <p:cNvPr id="9" name="Freeform 9"/>
           <p:cNvSpPr/>
           <p:nvPr/>
         </p:nvSpPr>
         <p:spPr>
-          <a:xfrm flipH="false" flipV="false" rot="0">
+          <a:xfrm>
             <a:off x="5687615" y="2571750"/>
             <a:ext cx="6912770" cy="6955199"/>
           </a:xfrm>
@@ -7309,9 +7602,9 @@
             <a:gdLst/>
             <a:ahLst/>
             <a:cxnLst/>
-            <a:rect r="r" b="b" t="t" l="l"/>
+            <a:rect l="l" t="t" r="r" b="b"/>
             <a:pathLst>
-              <a:path h="6955199" w="6912770">
+              <a:path w="6912770" h="6955199">
                 <a:moveTo>
                   <a:pt x="0" y="0"/>
                 </a:moveTo>
@@ -7338,15 +7631,22 @@
             </a:stretch>
           </a:blipFill>
         </p:spPr>
-      </p:sp>
-      <p:sp>
-        <p:nvSpPr>
-          <p:cNvPr name="TextBox 10" id="10"/>
-          <p:cNvSpPr txBox="true"/>
+        <p:txBody>
+          <a:bodyPr/>
+          <a:lstStyle/>
+          <a:p>
+            <a:endParaRPr lang="es-EC"/>
+          </a:p>
+        </p:txBody>
+      </p:sp>
+      <p:sp>
+        <p:nvSpPr>
+          <p:cNvPr id="10" name="TextBox 10"/>
+          <p:cNvSpPr txBox="1"/>
           <p:nvPr/>
         </p:nvSpPr>
         <p:spPr>
-          <a:xfrm rot="0">
+          <a:xfrm>
             <a:off x="1856467" y="1243437"/>
             <a:ext cx="3541832" cy="403506"/>
           </a:xfrm>
@@ -7355,7 +7655,7 @@
           </a:prstGeom>
         </p:spPr>
         <p:txBody>
-          <a:bodyPr anchor="t" rtlCol="false" tIns="0" lIns="0" bIns="0" rIns="0">
+          <a:bodyPr lIns="0" tIns="0" rIns="0" bIns="0" rtlCol="0" anchor="t">
             <a:spAutoFit/>
           </a:bodyPr>
           <a:lstStyle/>
@@ -7379,12 +7679,12 @@
       </p:sp>
       <p:sp>
         <p:nvSpPr>
-          <p:cNvPr name="TextBox 11" id="11"/>
-          <p:cNvSpPr txBox="true"/>
+          <p:cNvPr id="11" name="TextBox 11"/>
+          <p:cNvSpPr txBox="1"/>
           <p:nvPr/>
         </p:nvSpPr>
         <p:spPr>
-          <a:xfrm rot="0">
+          <a:xfrm>
             <a:off x="6983173" y="942975"/>
             <a:ext cx="4321654" cy="1455941"/>
           </a:xfrm>
@@ -7393,7 +7693,7 @@
           </a:prstGeom>
         </p:spPr>
         <p:txBody>
-          <a:bodyPr anchor="t" rtlCol="false" tIns="0" lIns="0" bIns="0" rIns="0">
+          <a:bodyPr lIns="0" tIns="0" rIns="0" bIns="0" rtlCol="0" anchor="t">
             <a:spAutoFit/>
           </a:bodyPr>
           <a:lstStyle/>
@@ -7417,12 +7717,12 @@
       </p:sp>
       <p:sp>
         <p:nvSpPr>
-          <p:cNvPr name="TextBox 12" id="12"/>
-          <p:cNvSpPr txBox="true"/>
+          <p:cNvPr id="12" name="TextBox 12"/>
+          <p:cNvSpPr txBox="1"/>
           <p:nvPr/>
         </p:nvSpPr>
         <p:spPr>
-          <a:xfrm rot="0">
+          <a:xfrm>
             <a:off x="839472" y="6249528"/>
             <a:ext cx="9933798" cy="715208"/>
           </a:xfrm>
@@ -7431,7 +7731,7 @@
           </a:prstGeom>
         </p:spPr>
         <p:txBody>
-          <a:bodyPr anchor="t" rtlCol="false" tIns="0" lIns="0" bIns="0" rIns="0">
+          <a:bodyPr lIns="0" tIns="0" rIns="0" bIns="0" rtlCol="0" anchor="t">
             <a:spAutoFit/>
           </a:bodyPr>
           <a:lstStyle/>
@@ -7455,12 +7755,12 @@
       </p:sp>
       <p:sp>
         <p:nvSpPr>
-          <p:cNvPr name="TextBox 13" id="13"/>
-          <p:cNvSpPr txBox="true"/>
+          <p:cNvPr id="13" name="TextBox 13"/>
+          <p:cNvSpPr txBox="1"/>
           <p:nvPr/>
         </p:nvSpPr>
         <p:spPr>
-          <a:xfrm rot="0">
+          <a:xfrm>
             <a:off x="839472" y="5766100"/>
             <a:ext cx="8043388" cy="462180"/>
           </a:xfrm>
@@ -7469,7 +7769,7 @@
           </a:prstGeom>
         </p:spPr>
         <p:txBody>
-          <a:bodyPr anchor="t" rtlCol="false" tIns="0" lIns="0" bIns="0" rIns="0">
+          <a:bodyPr lIns="0" tIns="0" rIns="0" bIns="0" rtlCol="0" anchor="t">
             <a:spAutoFit/>
           </a:bodyPr>
           <a:lstStyle/>
@@ -7493,12 +7793,12 @@
       </p:sp>
       <p:sp>
         <p:nvSpPr>
-          <p:cNvPr name="TextBox 14" id="14"/>
-          <p:cNvSpPr txBox="true"/>
+          <p:cNvPr id="14" name="TextBox 14"/>
+          <p:cNvSpPr txBox="1"/>
           <p:nvPr/>
         </p:nvSpPr>
         <p:spPr>
-          <a:xfrm rot="0">
+          <a:xfrm>
             <a:off x="13814107" y="6268578"/>
             <a:ext cx="4426743" cy="551278"/>
           </a:xfrm>
@@ -7507,7 +7807,7 @@
           </a:prstGeom>
         </p:spPr>
         <p:txBody>
-          <a:bodyPr anchor="t" rtlCol="false" tIns="0" lIns="0" bIns="0" rIns="0">
+          <a:bodyPr lIns="0" tIns="0" rIns="0" bIns="0" rtlCol="0" anchor="t">
             <a:spAutoFit/>
           </a:bodyPr>
           <a:lstStyle/>
@@ -7524,28 +7824,19 @@
                 </a:solidFill>
                 <a:latin typeface="Poppins Bold"/>
               </a:rPr>
-              <a:t>http://192.168.10.106</a:t>
-            </a:r>
-            <a:r>
-              <a:rPr lang="en-US" sz="3046">
-                <a:solidFill>
-                  <a:srgbClr val="0EE65E"/>
-                </a:solidFill>
-                <a:latin typeface="Poppins Bold"/>
-              </a:rPr>
-              <a:t> </a:t>
-            </a:r>
-          </a:p>
-        </p:txBody>
-      </p:sp>
-      <p:sp>
-        <p:nvSpPr>
-          <p:cNvPr name="TextBox 15" id="15"/>
-          <p:cNvSpPr txBox="true"/>
+              <a:t>http://192.168.10.106 </a:t>
+            </a:r>
+          </a:p>
+        </p:txBody>
+      </p:sp>
+      <p:sp>
+        <p:nvSpPr>
+          <p:cNvPr id="15" name="TextBox 15"/>
+          <p:cNvSpPr txBox="1"/>
           <p:nvPr/>
         </p:nvSpPr>
         <p:spPr>
-          <a:xfrm rot="0">
+          <a:xfrm>
             <a:off x="13814107" y="5766100"/>
             <a:ext cx="4426743" cy="462180"/>
           </a:xfrm>
@@ -7554,7 +7845,7 @@
           </a:prstGeom>
         </p:spPr>
         <p:txBody>
-          <a:bodyPr anchor="t" rtlCol="false" tIns="0" lIns="0" bIns="0" rIns="0">
+          <a:bodyPr lIns="0" tIns="0" rIns="0" bIns="0" rtlCol="0" anchor="t">
             <a:spAutoFit/>
           </a:bodyPr>
           <a:lstStyle/>
@@ -7585,13 +7876,14 @@
 </file>
 
 <file path=ppt/slides/slide15.xml><?xml version="1.0" encoding="utf-8"?>
-<p:sld xmlns:p="http://schemas.openxmlformats.org/presentationml/2006/main" xmlns:a="http://schemas.openxmlformats.org/drawingml/2006/main" xmlns:r="http://schemas.openxmlformats.org/officeDocument/2006/relationships">
+<p:sld xmlns:a="http://schemas.openxmlformats.org/drawingml/2006/main" xmlns:r="http://schemas.openxmlformats.org/officeDocument/2006/relationships" xmlns:p="http://schemas.openxmlformats.org/presentationml/2006/main">
   <p:cSld>
     <p:bg>
       <p:bgPr>
         <a:solidFill>
           <a:srgbClr val="000000"/>
         </a:solidFill>
+        <a:effectLst/>
       </p:bgPr>
     </p:bg>
     <p:spTree>
@@ -7610,12 +7902,12 @@
       </p:grpSpPr>
       <p:grpSp>
         <p:nvGrpSpPr>
-          <p:cNvPr name="Group 2" id="2"/>
+          <p:cNvPr id="2" name="Group 2"/>
           <p:cNvGrpSpPr/>
           <p:nvPr/>
         </p:nvGrpSpPr>
         <p:grpSpPr>
-          <a:xfrm rot="0">
+          <a:xfrm>
             <a:off x="1897575" y="5492953"/>
             <a:ext cx="10118366" cy="1719833"/>
             <a:chOff x="0" y="0"/>
@@ -7624,12 +7916,12 @@
         </p:grpSpPr>
         <p:sp>
           <p:nvSpPr>
-            <p:cNvPr name="Freeform 3" id="3"/>
+            <p:cNvPr id="3" name="Freeform 3"/>
             <p:cNvSpPr/>
             <p:nvPr/>
           </p:nvSpPr>
           <p:spPr>
-            <a:xfrm flipH="false" flipV="false" rot="0">
+            <a:xfrm>
               <a:off x="0" y="0"/>
               <a:ext cx="3612564" cy="614032"/>
             </a:xfrm>
@@ -7638,9 +7930,9 @@
               <a:gdLst/>
               <a:ahLst/>
               <a:cxnLst/>
-              <a:rect r="r" b="b" t="t" l="l"/>
+              <a:rect l="l" t="t" r="r" b="b"/>
               <a:pathLst>
-                <a:path h="614032" w="3612564">
+                <a:path w="3612564" h="614032">
                   <a:moveTo>
                     <a:pt x="39022" y="0"/>
                   </a:moveTo>
@@ -7685,7 +7977,7 @@
                 </a:path>
               </a:pathLst>
             </a:custGeom>
-            <a:gradFill rotWithShape="true">
+            <a:gradFill rotWithShape="1">
               <a:gsLst>
                 <a:gs pos="0">
                   <a:srgbClr val="0EE65E">
@@ -7701,11 +7993,18 @@
               <a:lin ang="0"/>
             </a:gradFill>
           </p:spPr>
+          <p:txBody>
+            <a:bodyPr/>
+            <a:lstStyle/>
+            <a:p>
+              <a:endParaRPr lang="es-EC"/>
+            </a:p>
+          </p:txBody>
         </p:sp>
         <p:sp>
           <p:nvSpPr>
-            <p:cNvPr name="TextBox 4" id="4"/>
-            <p:cNvSpPr txBox="true"/>
+            <p:cNvPr id="4" name="TextBox 4"/>
+            <p:cNvSpPr txBox="1"/>
             <p:nvPr/>
           </p:nvSpPr>
           <p:spPr>
@@ -7718,7 +8017,7 @@
             </a:prstGeom>
           </p:spPr>
           <p:txBody>
-            <a:bodyPr anchor="ctr" rtlCol="false" tIns="50800" lIns="50800" bIns="50800" rIns="50800"/>
+            <a:bodyPr lIns="50800" tIns="50800" rIns="50800" bIns="50800" rtlCol="0" anchor="ctr"/>
             <a:lstStyle/>
             <a:p>
               <a:pPr algn="ctr">
@@ -7729,18 +8028,19 @@
                   <a:spcPct val="0"/>
                 </a:spcBef>
               </a:pPr>
+              <a:endParaRPr/>
             </a:p>
           </p:txBody>
         </p:sp>
       </p:grpSp>
       <p:sp>
         <p:nvSpPr>
-          <p:cNvPr name="TextBox 5" id="5"/>
-          <p:cNvSpPr txBox="true"/>
+          <p:cNvPr id="5" name="TextBox 5"/>
+          <p:cNvSpPr txBox="1"/>
           <p:nvPr/>
         </p:nvSpPr>
         <p:spPr>
-          <a:xfrm rot="0">
+          <a:xfrm>
             <a:off x="2255795" y="5655885"/>
             <a:ext cx="9401926" cy="1289193"/>
           </a:xfrm>
@@ -7749,7 +8049,7 @@
           </a:prstGeom>
         </p:spPr>
         <p:txBody>
-          <a:bodyPr anchor="t" rtlCol="false" tIns="0" lIns="0" bIns="0" rIns="0">
+          <a:bodyPr lIns="0" tIns="0" rIns="0" bIns="0" rtlCol="0" anchor="t">
             <a:spAutoFit/>
           </a:bodyPr>
           <a:lstStyle/>
@@ -7773,12 +8073,12 @@
       </p:sp>
       <p:grpSp>
         <p:nvGrpSpPr>
-          <p:cNvPr name="Group 6" id="6"/>
+          <p:cNvPr id="6" name="Group 6"/>
           <p:cNvGrpSpPr/>
           <p:nvPr/>
         </p:nvGrpSpPr>
         <p:grpSpPr>
-          <a:xfrm rot="0">
+          <a:xfrm>
             <a:off x="1897575" y="1161370"/>
             <a:ext cx="306590" cy="279599"/>
             <a:chOff x="0" y="0"/>
@@ -7787,12 +8087,12 @@
         </p:grpSpPr>
         <p:sp>
           <p:nvSpPr>
-            <p:cNvPr name="Freeform 7" id="7"/>
+            <p:cNvPr id="7" name="Freeform 7"/>
             <p:cNvSpPr/>
             <p:nvPr/>
           </p:nvSpPr>
           <p:spPr>
-            <a:xfrm flipH="false" flipV="false" rot="0">
+            <a:xfrm>
               <a:off x="0" y="0"/>
               <a:ext cx="80748" cy="73639"/>
             </a:xfrm>
@@ -7801,9 +8101,9 @@
               <a:gdLst/>
               <a:ahLst/>
               <a:cxnLst/>
-              <a:rect r="r" b="b" t="t" l="l"/>
+              <a:rect l="l" t="t" r="r" b="b"/>
               <a:pathLst>
-                <a:path h="73639" w="80748">
+                <a:path w="80748" h="73639">
                   <a:moveTo>
                     <a:pt x="0" y="0"/>
                   </a:moveTo>
@@ -7824,11 +8124,18 @@
               <a:srgbClr val="0EE65E"/>
             </a:solidFill>
           </p:spPr>
+          <p:txBody>
+            <a:bodyPr/>
+            <a:lstStyle/>
+            <a:p>
+              <a:endParaRPr lang="es-EC"/>
+            </a:p>
+          </p:txBody>
         </p:sp>
         <p:sp>
           <p:nvSpPr>
-            <p:cNvPr name="TextBox 8" id="8"/>
-            <p:cNvSpPr txBox="true"/>
+            <p:cNvPr id="8" name="TextBox 8"/>
+            <p:cNvSpPr txBox="1"/>
             <p:nvPr/>
           </p:nvSpPr>
           <p:spPr>
@@ -7841,7 +8148,7 @@
             </a:prstGeom>
           </p:spPr>
           <p:txBody>
-            <a:bodyPr anchor="ctr" rtlCol="false" tIns="50800" lIns="50800" bIns="50800" rIns="50800"/>
+            <a:bodyPr lIns="50800" tIns="50800" rIns="50800" bIns="50800" rtlCol="0" anchor="ctr"/>
             <a:lstStyle/>
             <a:p>
               <a:pPr algn="ctr">
@@ -7849,18 +8156,19 @@
                   <a:spcPts val="2964"/>
                 </a:lnSpc>
               </a:pPr>
+              <a:endParaRPr/>
             </a:p>
           </p:txBody>
         </p:sp>
       </p:grpSp>
       <p:sp>
         <p:nvSpPr>
-          <p:cNvPr name="Freeform 9" id="9"/>
+          <p:cNvPr id="9" name="Freeform 9"/>
           <p:cNvSpPr/>
           <p:nvPr/>
         </p:nvSpPr>
         <p:spPr>
-          <a:xfrm flipH="false" flipV="false" rot="0">
+          <a:xfrm>
             <a:off x="11029950" y="-381606"/>
             <a:ext cx="13468951" cy="13468951"/>
           </a:xfrm>
@@ -7869,9 +8177,9 @@
             <a:gdLst/>
             <a:ahLst/>
             <a:cxnLst/>
-            <a:rect r="r" b="b" t="t" l="l"/>
+            <a:rect l="l" t="t" r="r" b="b"/>
             <a:pathLst>
-              <a:path h="13468951" w="13468951">
+              <a:path w="13468951" h="13468951">
                 <a:moveTo>
                   <a:pt x="0" y="0"/>
                 </a:moveTo>
@@ -7900,19 +8208,26 @@
               </a:extLst>
             </a:blip>
             <a:stretch>
-              <a:fillRect l="0" t="0" r="0" b="0"/>
+              <a:fillRect/>
             </a:stretch>
           </a:blipFill>
         </p:spPr>
+        <p:txBody>
+          <a:bodyPr/>
+          <a:lstStyle/>
+          <a:p>
+            <a:endParaRPr lang="es-EC"/>
+          </a:p>
+        </p:txBody>
       </p:sp>
       <p:grpSp>
         <p:nvGrpSpPr>
-          <p:cNvPr name="Group 10" id="10"/>
+          <p:cNvPr id="10" name="Group 10"/>
           <p:cNvGrpSpPr/>
           <p:nvPr/>
         </p:nvGrpSpPr>
         <p:grpSpPr>
-          <a:xfrm rot="0">
+          <a:xfrm>
             <a:off x="-466250" y="1670595"/>
             <a:ext cx="932500" cy="3086100"/>
             <a:chOff x="0" y="0"/>
@@ -7921,12 +8236,12 @@
         </p:grpSpPr>
         <p:sp>
           <p:nvSpPr>
-            <p:cNvPr name="Freeform 11" id="11"/>
+            <p:cNvPr id="11" name="Freeform 11"/>
             <p:cNvSpPr/>
             <p:nvPr/>
           </p:nvSpPr>
           <p:spPr>
-            <a:xfrm flipH="false" flipV="false" rot="0">
+            <a:xfrm>
               <a:off x="0" y="0"/>
               <a:ext cx="245597" cy="812800"/>
             </a:xfrm>
@@ -7935,9 +8250,9 @@
               <a:gdLst/>
               <a:ahLst/>
               <a:cxnLst/>
-              <a:rect r="r" b="b" t="t" l="l"/>
+              <a:rect l="l" t="t" r="r" b="b"/>
               <a:pathLst>
-                <a:path h="812800" w="245597">
+                <a:path w="245597" h="812800">
                   <a:moveTo>
                     <a:pt x="0" y="0"/>
                   </a:moveTo>
@@ -7958,11 +8273,18 @@
               <a:srgbClr val="0EE65E"/>
             </a:solidFill>
           </p:spPr>
+          <p:txBody>
+            <a:bodyPr/>
+            <a:lstStyle/>
+            <a:p>
+              <a:endParaRPr lang="es-EC"/>
+            </a:p>
+          </p:txBody>
         </p:sp>
         <p:sp>
           <p:nvSpPr>
-            <p:cNvPr name="TextBox 12" id="12"/>
-            <p:cNvSpPr txBox="true"/>
+            <p:cNvPr id="12" name="TextBox 12"/>
+            <p:cNvSpPr txBox="1"/>
             <p:nvPr/>
           </p:nvSpPr>
           <p:spPr>
@@ -7975,7 +8297,7 @@
             </a:prstGeom>
           </p:spPr>
           <p:txBody>
-            <a:bodyPr anchor="ctr" rtlCol="false" tIns="50800" lIns="50800" bIns="50800" rIns="50800"/>
+            <a:bodyPr lIns="50800" tIns="50800" rIns="50800" bIns="50800" rtlCol="0" anchor="ctr"/>
             <a:lstStyle/>
             <a:p>
               <a:pPr algn="ctr">
@@ -7983,18 +8305,19 @@
                   <a:spcPts val="2964"/>
                 </a:lnSpc>
               </a:pPr>
+              <a:endParaRPr/>
             </a:p>
           </p:txBody>
         </p:sp>
       </p:grpSp>
       <p:sp>
         <p:nvSpPr>
-          <p:cNvPr name="Freeform 13" id="13"/>
+          <p:cNvPr id="13" name="Freeform 13"/>
           <p:cNvSpPr/>
           <p:nvPr/>
         </p:nvSpPr>
         <p:spPr>
-          <a:xfrm flipH="false" flipV="false" rot="0">
+          <a:xfrm>
             <a:off x="14225570" y="4371116"/>
             <a:ext cx="4062430" cy="4114800"/>
           </a:xfrm>
@@ -8003,9 +8326,9 @@
             <a:gdLst/>
             <a:ahLst/>
             <a:cxnLst/>
-            <a:rect r="r" b="b" t="t" l="l"/>
+            <a:rect l="l" t="t" r="r" b="b"/>
             <a:pathLst>
-              <a:path h="4114800" w="4062430">
+              <a:path w="4062430" h="4114800">
                 <a:moveTo>
                   <a:pt x="0" y="0"/>
                 </a:moveTo>
@@ -8034,19 +8357,26 @@
               </a:extLst>
             </a:blip>
             <a:stretch>
-              <a:fillRect l="0" t="0" r="0" b="0"/>
+              <a:fillRect/>
             </a:stretch>
           </a:blipFill>
         </p:spPr>
-      </p:sp>
-      <p:sp>
-        <p:nvSpPr>
-          <p:cNvPr name="TextBox 14" id="14"/>
-          <p:cNvSpPr txBox="true"/>
+        <p:txBody>
+          <a:bodyPr/>
+          <a:lstStyle/>
+          <a:p>
+            <a:endParaRPr lang="es-EC"/>
+          </a:p>
+        </p:txBody>
+      </p:sp>
+      <p:sp>
+        <p:nvSpPr>
+          <p:cNvPr id="14" name="TextBox 14"/>
+          <p:cNvSpPr txBox="1"/>
           <p:nvPr/>
         </p:nvSpPr>
         <p:spPr>
-          <a:xfrm rot="0">
+          <a:xfrm>
             <a:off x="1897575" y="2575794"/>
             <a:ext cx="7246425" cy="1401669"/>
           </a:xfrm>
@@ -8055,7 +8385,7 @@
           </a:prstGeom>
         </p:spPr>
         <p:txBody>
-          <a:bodyPr anchor="t" rtlCol="false" tIns="0" lIns="0" bIns="0" rIns="0">
+          <a:bodyPr lIns="0" tIns="0" rIns="0" bIns="0" rtlCol="0" anchor="t">
             <a:spAutoFit/>
           </a:bodyPr>
           <a:lstStyle/>
@@ -8079,12 +8409,12 @@
       </p:sp>
       <p:sp>
         <p:nvSpPr>
-          <p:cNvPr name="TextBox 15" id="15"/>
-          <p:cNvSpPr txBox="true"/>
+          <p:cNvPr id="15" name="TextBox 15"/>
+          <p:cNvSpPr txBox="1"/>
           <p:nvPr/>
         </p:nvSpPr>
         <p:spPr>
-          <a:xfrm rot="0">
+          <a:xfrm>
             <a:off x="2354386" y="1089892"/>
             <a:ext cx="3541832" cy="403506"/>
           </a:xfrm>
@@ -8093,7 +8423,7 @@
           </a:prstGeom>
         </p:spPr>
         <p:txBody>
-          <a:bodyPr anchor="t" rtlCol="false" tIns="0" lIns="0" bIns="0" rIns="0">
+          <a:bodyPr lIns="0" tIns="0" rIns="0" bIns="0" rtlCol="0" anchor="t">
             <a:spAutoFit/>
           </a:bodyPr>
           <a:lstStyle/>
@@ -8117,12 +8447,12 @@
       </p:sp>
       <p:sp>
         <p:nvSpPr>
-          <p:cNvPr name="TextBox 16" id="16"/>
-          <p:cNvSpPr txBox="true"/>
+          <p:cNvPr id="16" name="TextBox 16"/>
+          <p:cNvSpPr txBox="1"/>
           <p:nvPr/>
         </p:nvSpPr>
         <p:spPr>
-          <a:xfrm rot="0">
+          <a:xfrm>
             <a:off x="2009892" y="4371116"/>
             <a:ext cx="2829992" cy="385578"/>
           </a:xfrm>
@@ -8131,12 +8461,12 @@
           </a:prstGeom>
         </p:spPr>
         <p:txBody>
-          <a:bodyPr anchor="t" rtlCol="false" tIns="0" lIns="0" bIns="0" rIns="0">
+          <a:bodyPr lIns="0" tIns="0" rIns="0" bIns="0" rtlCol="0" anchor="t">
             <a:spAutoFit/>
           </a:bodyPr>
           <a:lstStyle/>
           <a:p>
-            <a:pPr algn="l" marL="0" indent="0" lvl="0">
+            <a:pPr marL="0" lvl="0" indent="0" algn="l">
               <a:lnSpc>
                 <a:spcPts val="2797"/>
               </a:lnSpc>
@@ -8165,13 +8495,14 @@
 </file>
 
 <file path=ppt/slides/slide2.xml><?xml version="1.0" encoding="utf-8"?>
-<p:sld xmlns:p="http://schemas.openxmlformats.org/presentationml/2006/main" xmlns:a="http://schemas.openxmlformats.org/drawingml/2006/main" xmlns:r="http://schemas.openxmlformats.org/officeDocument/2006/relationships">
+<p:sld xmlns:a="http://schemas.openxmlformats.org/drawingml/2006/main" xmlns:r="http://schemas.openxmlformats.org/officeDocument/2006/relationships" xmlns:p="http://schemas.openxmlformats.org/presentationml/2006/main">
   <p:cSld>
     <p:bg>
       <p:bgPr>
         <a:solidFill>
           <a:srgbClr val="000000"/>
         </a:solidFill>
+        <a:effectLst/>
       </p:bgPr>
     </p:bg>
     <p:spTree>
@@ -8190,12 +8521,12 @@
       </p:grpSpPr>
       <p:sp>
         <p:nvSpPr>
-          <p:cNvPr name="TextBox 2" id="2"/>
-          <p:cNvSpPr txBox="true"/>
+          <p:cNvPr id="2" name="TextBox 2"/>
+          <p:cNvSpPr txBox="1"/>
           <p:nvPr/>
         </p:nvSpPr>
         <p:spPr>
-          <a:xfrm rot="0">
+          <a:xfrm>
             <a:off x="1399656" y="2467702"/>
             <a:ext cx="7744344" cy="2447925"/>
           </a:xfrm>
@@ -8204,7 +8535,7 @@
           </a:prstGeom>
         </p:spPr>
         <p:txBody>
-          <a:bodyPr anchor="t" rtlCol="false" tIns="0" lIns="0" bIns="0" rIns="0">
+          <a:bodyPr lIns="0" tIns="0" rIns="0" bIns="0" rtlCol="0" anchor="t">
             <a:spAutoFit/>
           </a:bodyPr>
           <a:lstStyle/>
@@ -8228,12 +8559,12 @@
       </p:sp>
       <p:sp>
         <p:nvSpPr>
-          <p:cNvPr name="Freeform 3" id="3"/>
+          <p:cNvPr id="3" name="Freeform 3"/>
           <p:cNvSpPr/>
           <p:nvPr/>
         </p:nvSpPr>
         <p:spPr>
-          <a:xfrm flipH="false" flipV="false" rot="0">
+          <a:xfrm>
             <a:off x="-5508159" y="-6665894"/>
             <a:ext cx="10038471" cy="10038471"/>
           </a:xfrm>
@@ -8242,9 +8573,9 @@
             <a:gdLst/>
             <a:ahLst/>
             <a:cxnLst/>
-            <a:rect r="r" b="b" t="t" l="l"/>
+            <a:rect l="l" t="t" r="r" b="b"/>
             <a:pathLst>
-              <a:path h="10038471" w="10038471">
+              <a:path w="10038471" h="10038471">
                 <a:moveTo>
                   <a:pt x="0" y="0"/>
                 </a:moveTo>
@@ -8273,19 +8604,26 @@
               </a:extLst>
             </a:blip>
             <a:stretch>
-              <a:fillRect l="0" t="0" r="0" b="0"/>
+              <a:fillRect/>
             </a:stretch>
           </a:blipFill>
         </p:spPr>
-      </p:sp>
-      <p:sp>
-        <p:nvSpPr>
-          <p:cNvPr name="TextBox 4" id="4"/>
-          <p:cNvSpPr txBox="true"/>
+        <p:txBody>
+          <a:bodyPr/>
+          <a:lstStyle/>
+          <a:p>
+            <a:endParaRPr lang="es-EC"/>
+          </a:p>
+        </p:txBody>
+      </p:sp>
+      <p:sp>
+        <p:nvSpPr>
+          <p:cNvPr id="4" name="TextBox 4"/>
+          <p:cNvSpPr txBox="1"/>
           <p:nvPr/>
         </p:nvSpPr>
         <p:spPr>
-          <a:xfrm rot="0">
+          <a:xfrm>
             <a:off x="1399656" y="5259305"/>
             <a:ext cx="7087021" cy="4309306"/>
           </a:xfrm>
@@ -8294,7 +8632,7 @@
           </a:prstGeom>
         </p:spPr>
         <p:txBody>
-          <a:bodyPr anchor="t" rtlCol="false" tIns="0" lIns="0" bIns="0" rIns="0">
+          <a:bodyPr lIns="0" tIns="0" rIns="0" bIns="0" rtlCol="0" anchor="t">
             <a:spAutoFit/>
           </a:bodyPr>
           <a:lstStyle/>
@@ -8318,12 +8656,12 @@
       </p:sp>
       <p:grpSp>
         <p:nvGrpSpPr>
-          <p:cNvPr name="Group 5" id="5"/>
+          <p:cNvPr id="5" name="Group 5"/>
           <p:cNvGrpSpPr/>
           <p:nvPr/>
         </p:nvGrpSpPr>
         <p:grpSpPr>
-          <a:xfrm rot="0">
+          <a:xfrm>
             <a:off x="10851816" y="615292"/>
             <a:ext cx="2803912" cy="749626"/>
             <a:chOff x="0" y="0"/>
@@ -8332,12 +8670,12 @@
         </p:grpSpPr>
         <p:sp>
           <p:nvSpPr>
-            <p:cNvPr name="Freeform 6" id="6"/>
+            <p:cNvPr id="6" name="Freeform 6"/>
             <p:cNvSpPr/>
             <p:nvPr/>
           </p:nvSpPr>
           <p:spPr>
-            <a:xfrm flipH="false" flipV="false" rot="0">
+            <a:xfrm>
               <a:off x="0" y="0"/>
               <a:ext cx="1178340" cy="315029"/>
             </a:xfrm>
@@ -8346,9 +8684,9 @@
               <a:gdLst/>
               <a:ahLst/>
               <a:cxnLst/>
-              <a:rect r="r" b="b" t="t" l="l"/>
+              <a:rect l="l" t="t" r="r" b="b"/>
               <a:pathLst>
-                <a:path h="315029" w="1178340">
+                <a:path w="1178340" h="315029">
                   <a:moveTo>
                     <a:pt x="140817" y="0"/>
                   </a:moveTo>
@@ -8393,7 +8731,7 @@
                 </a:path>
               </a:pathLst>
             </a:custGeom>
-            <a:gradFill rotWithShape="true">
+            <a:gradFill rotWithShape="1">
               <a:gsLst>
                 <a:gs pos="0">
                   <a:srgbClr val="0EE65E">
@@ -8409,11 +8747,18 @@
               <a:lin ang="0"/>
             </a:gradFill>
           </p:spPr>
+          <p:txBody>
+            <a:bodyPr/>
+            <a:lstStyle/>
+            <a:p>
+              <a:endParaRPr lang="es-EC"/>
+            </a:p>
+          </p:txBody>
         </p:sp>
         <p:sp>
           <p:nvSpPr>
-            <p:cNvPr name="TextBox 7" id="7"/>
-            <p:cNvSpPr txBox="true"/>
+            <p:cNvPr id="7" name="TextBox 7"/>
+            <p:cNvSpPr txBox="1"/>
             <p:nvPr/>
           </p:nvSpPr>
           <p:spPr>
@@ -8426,7 +8771,7 @@
             </a:prstGeom>
           </p:spPr>
           <p:txBody>
-            <a:bodyPr anchor="ctr" rtlCol="false" tIns="50800" lIns="50800" bIns="50800" rIns="50800"/>
+            <a:bodyPr lIns="50800" tIns="50800" rIns="50800" bIns="50800" rtlCol="0" anchor="ctr"/>
             <a:lstStyle/>
             <a:p>
               <a:pPr algn="ctr">
@@ -8437,18 +8782,19 @@
                   <a:spcPct val="0"/>
                 </a:spcBef>
               </a:pPr>
+              <a:endParaRPr/>
             </a:p>
           </p:txBody>
         </p:sp>
       </p:grpSp>
       <p:sp>
         <p:nvSpPr>
-          <p:cNvPr name="TextBox 8" id="8"/>
-          <p:cNvSpPr txBox="true"/>
+          <p:cNvPr id="8" name="TextBox 8"/>
+          <p:cNvSpPr txBox="1"/>
           <p:nvPr/>
         </p:nvSpPr>
         <p:spPr>
-          <a:xfrm rot="0">
+          <a:xfrm>
             <a:off x="11116907" y="815119"/>
             <a:ext cx="2125050" cy="349973"/>
           </a:xfrm>
@@ -8457,7 +8803,7 @@
           </a:prstGeom>
         </p:spPr>
         <p:txBody>
-          <a:bodyPr anchor="t" rtlCol="false" tIns="0" lIns="0" bIns="0" rIns="0">
+          <a:bodyPr lIns="0" tIns="0" rIns="0" bIns="0" rtlCol="0" anchor="t">
             <a:spAutoFit/>
           </a:bodyPr>
           <a:lstStyle/>
@@ -8481,12 +8827,12 @@
       </p:sp>
       <p:sp>
         <p:nvSpPr>
-          <p:cNvPr name="TextBox 9" id="9"/>
-          <p:cNvSpPr txBox="true"/>
+          <p:cNvPr id="9" name="TextBox 9"/>
+          <p:cNvSpPr txBox="1"/>
           <p:nvPr/>
         </p:nvSpPr>
         <p:spPr>
-          <a:xfrm rot="0">
+          <a:xfrm>
             <a:off x="10851816" y="1432747"/>
             <a:ext cx="6407484" cy="1827646"/>
           </a:xfrm>
@@ -8495,7 +8841,7 @@
           </a:prstGeom>
         </p:spPr>
         <p:txBody>
-          <a:bodyPr anchor="t" rtlCol="false" tIns="0" lIns="0" bIns="0" rIns="0">
+          <a:bodyPr lIns="0" tIns="0" rIns="0" bIns="0" rtlCol="0" anchor="t">
             <a:spAutoFit/>
           </a:bodyPr>
           <a:lstStyle/>
@@ -8519,12 +8865,12 @@
       </p:sp>
       <p:grpSp>
         <p:nvGrpSpPr>
-          <p:cNvPr name="Group 10" id="10"/>
+          <p:cNvPr id="10" name="Group 10"/>
           <p:cNvGrpSpPr/>
           <p:nvPr/>
         </p:nvGrpSpPr>
         <p:grpSpPr>
-          <a:xfrm rot="0">
+          <a:xfrm>
             <a:off x="10851816" y="3572715"/>
             <a:ext cx="2803912" cy="749626"/>
             <a:chOff x="0" y="0"/>
@@ -8533,12 +8879,12 @@
         </p:grpSpPr>
         <p:sp>
           <p:nvSpPr>
-            <p:cNvPr name="Freeform 11" id="11"/>
+            <p:cNvPr id="11" name="Freeform 11"/>
             <p:cNvSpPr/>
             <p:nvPr/>
           </p:nvSpPr>
           <p:spPr>
-            <a:xfrm flipH="false" flipV="false" rot="0">
+            <a:xfrm>
               <a:off x="0" y="0"/>
               <a:ext cx="1178340" cy="315029"/>
             </a:xfrm>
@@ -8547,9 +8893,9 @@
               <a:gdLst/>
               <a:ahLst/>
               <a:cxnLst/>
-              <a:rect r="r" b="b" t="t" l="l"/>
+              <a:rect l="l" t="t" r="r" b="b"/>
               <a:pathLst>
-                <a:path h="315029" w="1178340">
+                <a:path w="1178340" h="315029">
                   <a:moveTo>
                     <a:pt x="140817" y="0"/>
                   </a:moveTo>
@@ -8594,7 +8940,7 @@
                 </a:path>
               </a:pathLst>
             </a:custGeom>
-            <a:gradFill rotWithShape="true">
+            <a:gradFill rotWithShape="1">
               <a:gsLst>
                 <a:gs pos="0">
                   <a:srgbClr val="0EE65E">
@@ -8610,11 +8956,18 @@
               <a:lin ang="0"/>
             </a:gradFill>
           </p:spPr>
+          <p:txBody>
+            <a:bodyPr/>
+            <a:lstStyle/>
+            <a:p>
+              <a:endParaRPr lang="es-EC"/>
+            </a:p>
+          </p:txBody>
         </p:sp>
         <p:sp>
           <p:nvSpPr>
-            <p:cNvPr name="TextBox 12" id="12"/>
-            <p:cNvSpPr txBox="true"/>
+            <p:cNvPr id="12" name="TextBox 12"/>
+            <p:cNvSpPr txBox="1"/>
             <p:nvPr/>
           </p:nvSpPr>
           <p:spPr>
@@ -8627,7 +8980,7 @@
             </a:prstGeom>
           </p:spPr>
           <p:txBody>
-            <a:bodyPr anchor="ctr" rtlCol="false" tIns="50800" lIns="50800" bIns="50800" rIns="50800"/>
+            <a:bodyPr lIns="50800" tIns="50800" rIns="50800" bIns="50800" rtlCol="0" anchor="ctr"/>
             <a:lstStyle/>
             <a:p>
               <a:pPr algn="ctr">
@@ -8638,18 +8991,19 @@
                   <a:spcPct val="0"/>
                 </a:spcBef>
               </a:pPr>
+              <a:endParaRPr/>
             </a:p>
           </p:txBody>
         </p:sp>
       </p:grpSp>
       <p:sp>
         <p:nvSpPr>
-          <p:cNvPr name="TextBox 13" id="13"/>
-          <p:cNvSpPr txBox="true"/>
+          <p:cNvPr id="13" name="TextBox 13"/>
+          <p:cNvSpPr txBox="1"/>
           <p:nvPr/>
         </p:nvSpPr>
         <p:spPr>
-          <a:xfrm rot="0">
+          <a:xfrm>
             <a:off x="10851816" y="3634082"/>
             <a:ext cx="2538820" cy="688259"/>
           </a:xfrm>
@@ -8658,7 +9012,7 @@
           </a:prstGeom>
         </p:spPr>
         <p:txBody>
-          <a:bodyPr anchor="t" rtlCol="false" tIns="0" lIns="0" bIns="0" rIns="0">
+          <a:bodyPr lIns="0" tIns="0" rIns="0" bIns="0" rtlCol="0" anchor="t">
             <a:spAutoFit/>
           </a:bodyPr>
           <a:lstStyle/>
@@ -8682,12 +9036,12 @@
       </p:sp>
       <p:sp>
         <p:nvSpPr>
-          <p:cNvPr name="TextBox 14" id="14"/>
-          <p:cNvSpPr txBox="true"/>
+          <p:cNvPr id="14" name="TextBox 14"/>
+          <p:cNvSpPr txBox="1"/>
           <p:nvPr/>
         </p:nvSpPr>
         <p:spPr>
-          <a:xfrm rot="0">
+          <a:xfrm>
             <a:off x="10851816" y="4294175"/>
             <a:ext cx="6407484" cy="2284846"/>
           </a:xfrm>
@@ -8696,7 +9050,7 @@
           </a:prstGeom>
         </p:spPr>
         <p:txBody>
-          <a:bodyPr anchor="t" rtlCol="false" tIns="0" lIns="0" bIns="0" rIns="0">
+          <a:bodyPr lIns="0" tIns="0" rIns="0" bIns="0" rtlCol="0" anchor="t">
             <a:spAutoFit/>
           </a:bodyPr>
           <a:lstStyle/>
@@ -8720,12 +9074,12 @@
       </p:sp>
       <p:grpSp>
         <p:nvGrpSpPr>
-          <p:cNvPr name="Group 15" id="15"/>
+          <p:cNvPr id="15" name="Group 15"/>
           <p:cNvGrpSpPr/>
           <p:nvPr/>
         </p:nvGrpSpPr>
         <p:grpSpPr>
-          <a:xfrm rot="0">
+          <a:xfrm>
             <a:off x="10851816" y="6759996"/>
             <a:ext cx="2803912" cy="749626"/>
             <a:chOff x="0" y="0"/>
@@ -8734,12 +9088,12 @@
         </p:grpSpPr>
         <p:sp>
           <p:nvSpPr>
-            <p:cNvPr name="Freeform 16" id="16"/>
+            <p:cNvPr id="16" name="Freeform 16"/>
             <p:cNvSpPr/>
             <p:nvPr/>
           </p:nvSpPr>
           <p:spPr>
-            <a:xfrm flipH="false" flipV="false" rot="0">
+            <a:xfrm>
               <a:off x="0" y="0"/>
               <a:ext cx="1178340" cy="315029"/>
             </a:xfrm>
@@ -8748,9 +9102,9 @@
               <a:gdLst/>
               <a:ahLst/>
               <a:cxnLst/>
-              <a:rect r="r" b="b" t="t" l="l"/>
+              <a:rect l="l" t="t" r="r" b="b"/>
               <a:pathLst>
-                <a:path h="315029" w="1178340">
+                <a:path w="1178340" h="315029">
                   <a:moveTo>
                     <a:pt x="140817" y="0"/>
                   </a:moveTo>
@@ -8795,7 +9149,7 @@
                 </a:path>
               </a:pathLst>
             </a:custGeom>
-            <a:gradFill rotWithShape="true">
+            <a:gradFill rotWithShape="1">
               <a:gsLst>
                 <a:gs pos="0">
                   <a:srgbClr val="0EE65E">
@@ -8811,11 +9165,18 @@
               <a:lin ang="0"/>
             </a:gradFill>
           </p:spPr>
+          <p:txBody>
+            <a:bodyPr/>
+            <a:lstStyle/>
+            <a:p>
+              <a:endParaRPr lang="es-EC"/>
+            </a:p>
+          </p:txBody>
         </p:sp>
         <p:sp>
           <p:nvSpPr>
-            <p:cNvPr name="TextBox 17" id="17"/>
-            <p:cNvSpPr txBox="true"/>
+            <p:cNvPr id="17" name="TextBox 17"/>
+            <p:cNvSpPr txBox="1"/>
             <p:nvPr/>
           </p:nvSpPr>
           <p:spPr>
@@ -8828,7 +9189,7 @@
             </a:prstGeom>
           </p:spPr>
           <p:txBody>
-            <a:bodyPr anchor="ctr" rtlCol="false" tIns="50800" lIns="50800" bIns="50800" rIns="50800"/>
+            <a:bodyPr lIns="50800" tIns="50800" rIns="50800" bIns="50800" rtlCol="0" anchor="ctr"/>
             <a:lstStyle/>
             <a:p>
               <a:pPr algn="ctr">
@@ -8839,18 +9200,19 @@
                   <a:spcPct val="0"/>
                 </a:spcBef>
               </a:pPr>
+              <a:endParaRPr/>
             </a:p>
           </p:txBody>
         </p:sp>
       </p:grpSp>
       <p:sp>
         <p:nvSpPr>
-          <p:cNvPr name="TextBox 18" id="18"/>
-          <p:cNvSpPr txBox="true"/>
+          <p:cNvPr id="18" name="TextBox 18"/>
+          <p:cNvSpPr txBox="1"/>
           <p:nvPr/>
         </p:nvSpPr>
         <p:spPr>
-          <a:xfrm rot="0">
+          <a:xfrm>
             <a:off x="10910023" y="6790679"/>
             <a:ext cx="2538820" cy="688259"/>
           </a:xfrm>
@@ -8859,7 +9221,7 @@
           </a:prstGeom>
         </p:spPr>
         <p:txBody>
-          <a:bodyPr anchor="t" rtlCol="false" tIns="0" lIns="0" bIns="0" rIns="0">
+          <a:bodyPr lIns="0" tIns="0" rIns="0" bIns="0" rtlCol="0" anchor="t">
             <a:spAutoFit/>
           </a:bodyPr>
           <a:lstStyle/>
@@ -8883,12 +9245,12 @@
       </p:sp>
       <p:sp>
         <p:nvSpPr>
-          <p:cNvPr name="TextBox 19" id="19"/>
-          <p:cNvSpPr txBox="true"/>
+          <p:cNvPr id="19" name="TextBox 19"/>
+          <p:cNvSpPr txBox="1"/>
           <p:nvPr/>
         </p:nvSpPr>
         <p:spPr>
-          <a:xfrm rot="0">
+          <a:xfrm>
             <a:off x="10851816" y="7740965"/>
             <a:ext cx="6407484" cy="1827646"/>
           </a:xfrm>
@@ -8897,7 +9259,7 @@
           </a:prstGeom>
         </p:spPr>
         <p:txBody>
-          <a:bodyPr anchor="t" rtlCol="false" tIns="0" lIns="0" bIns="0" rIns="0">
+          <a:bodyPr lIns="0" tIns="0" rIns="0" bIns="0" rtlCol="0" anchor="t">
             <a:spAutoFit/>
           </a:bodyPr>
           <a:lstStyle/>
@@ -8921,12 +9283,12 @@
       </p:sp>
       <p:grpSp>
         <p:nvGrpSpPr>
-          <p:cNvPr name="Group 20" id="20"/>
+          <p:cNvPr id="20" name="Group 20"/>
           <p:cNvGrpSpPr/>
           <p:nvPr/>
         </p:nvGrpSpPr>
         <p:grpSpPr>
-          <a:xfrm rot="0">
+          <a:xfrm>
             <a:off x="17821750" y="1829527"/>
             <a:ext cx="932500" cy="3086100"/>
             <a:chOff x="0" y="0"/>
@@ -8935,12 +9297,12 @@
         </p:grpSpPr>
         <p:sp>
           <p:nvSpPr>
-            <p:cNvPr name="Freeform 21" id="21"/>
+            <p:cNvPr id="21" name="Freeform 21"/>
             <p:cNvSpPr/>
             <p:nvPr/>
           </p:nvSpPr>
           <p:spPr>
-            <a:xfrm flipH="false" flipV="false" rot="0">
+            <a:xfrm>
               <a:off x="0" y="0"/>
               <a:ext cx="245597" cy="812800"/>
             </a:xfrm>
@@ -8949,9 +9311,9 @@
               <a:gdLst/>
               <a:ahLst/>
               <a:cxnLst/>
-              <a:rect r="r" b="b" t="t" l="l"/>
+              <a:rect l="l" t="t" r="r" b="b"/>
               <a:pathLst>
-                <a:path h="812800" w="245597">
+                <a:path w="245597" h="812800">
                   <a:moveTo>
                     <a:pt x="0" y="0"/>
                   </a:moveTo>
@@ -8972,11 +9334,18 @@
               <a:srgbClr val="0EE65E"/>
             </a:solidFill>
           </p:spPr>
+          <p:txBody>
+            <a:bodyPr/>
+            <a:lstStyle/>
+            <a:p>
+              <a:endParaRPr lang="es-EC"/>
+            </a:p>
+          </p:txBody>
         </p:sp>
         <p:sp>
           <p:nvSpPr>
-            <p:cNvPr name="TextBox 22" id="22"/>
-            <p:cNvSpPr txBox="true"/>
+            <p:cNvPr id="22" name="TextBox 22"/>
+            <p:cNvSpPr txBox="1"/>
             <p:nvPr/>
           </p:nvSpPr>
           <p:spPr>
@@ -8989,7 +9358,7 @@
             </a:prstGeom>
           </p:spPr>
           <p:txBody>
-            <a:bodyPr anchor="ctr" rtlCol="false" tIns="50800" lIns="50800" bIns="50800" rIns="50800"/>
+            <a:bodyPr lIns="50800" tIns="50800" rIns="50800" bIns="50800" rtlCol="0" anchor="ctr"/>
             <a:lstStyle/>
             <a:p>
               <a:pPr algn="ctr">
@@ -8997,18 +9366,19 @@
                   <a:spcPts val="2964"/>
                 </a:lnSpc>
               </a:pPr>
+              <a:endParaRPr/>
             </a:p>
           </p:txBody>
         </p:sp>
       </p:grpSp>
       <p:sp>
         <p:nvSpPr>
-          <p:cNvPr name="TextBox 23" id="23"/>
-          <p:cNvSpPr txBox="true"/>
+          <p:cNvPr id="23" name="TextBox 23"/>
+          <p:cNvSpPr txBox="1"/>
           <p:nvPr/>
         </p:nvSpPr>
         <p:spPr>
-          <a:xfrm rot="0">
+          <a:xfrm>
             <a:off x="1856467" y="1243437"/>
             <a:ext cx="3541832" cy="403506"/>
           </a:xfrm>
@@ -9017,7 +9387,7 @@
           </a:prstGeom>
         </p:spPr>
         <p:txBody>
-          <a:bodyPr anchor="t" rtlCol="false" tIns="0" lIns="0" bIns="0" rIns="0">
+          <a:bodyPr lIns="0" tIns="0" rIns="0" bIns="0" rtlCol="0" anchor="t">
             <a:spAutoFit/>
           </a:bodyPr>
           <a:lstStyle/>
@@ -9041,12 +9411,12 @@
       </p:sp>
       <p:grpSp>
         <p:nvGrpSpPr>
-          <p:cNvPr name="Group 24" id="24"/>
+          <p:cNvPr id="24" name="Group 24"/>
           <p:cNvGrpSpPr/>
           <p:nvPr/>
         </p:nvGrpSpPr>
         <p:grpSpPr>
-          <a:xfrm rot="0">
+          <a:xfrm>
             <a:off x="1399656" y="1314915"/>
             <a:ext cx="306590" cy="279599"/>
             <a:chOff x="0" y="0"/>
@@ -9055,12 +9425,12 @@
         </p:grpSpPr>
         <p:sp>
           <p:nvSpPr>
-            <p:cNvPr name="Freeform 25" id="25"/>
+            <p:cNvPr id="25" name="Freeform 25"/>
             <p:cNvSpPr/>
             <p:nvPr/>
           </p:nvSpPr>
           <p:spPr>
-            <a:xfrm flipH="false" flipV="false" rot="0">
+            <a:xfrm>
               <a:off x="0" y="0"/>
               <a:ext cx="80748" cy="73639"/>
             </a:xfrm>
@@ -9069,9 +9439,9 @@
               <a:gdLst/>
               <a:ahLst/>
               <a:cxnLst/>
-              <a:rect r="r" b="b" t="t" l="l"/>
+              <a:rect l="l" t="t" r="r" b="b"/>
               <a:pathLst>
-                <a:path h="73639" w="80748">
+                <a:path w="80748" h="73639">
                   <a:moveTo>
                     <a:pt x="0" y="0"/>
                   </a:moveTo>
@@ -9092,11 +9462,18 @@
               <a:srgbClr val="0EE65E"/>
             </a:solidFill>
           </p:spPr>
+          <p:txBody>
+            <a:bodyPr/>
+            <a:lstStyle/>
+            <a:p>
+              <a:endParaRPr lang="es-EC"/>
+            </a:p>
+          </p:txBody>
         </p:sp>
         <p:sp>
           <p:nvSpPr>
-            <p:cNvPr name="TextBox 26" id="26"/>
-            <p:cNvSpPr txBox="true"/>
+            <p:cNvPr id="26" name="TextBox 26"/>
+            <p:cNvSpPr txBox="1"/>
             <p:nvPr/>
           </p:nvSpPr>
           <p:spPr>
@@ -9109,7 +9486,7 @@
             </a:prstGeom>
           </p:spPr>
           <p:txBody>
-            <a:bodyPr anchor="ctr" rtlCol="false" tIns="50800" lIns="50800" bIns="50800" rIns="50800"/>
+            <a:bodyPr lIns="50800" tIns="50800" rIns="50800" bIns="50800" rtlCol="0" anchor="ctr"/>
             <a:lstStyle/>
             <a:p>
               <a:pPr algn="ctr">
@@ -9117,6 +9494,7 @@
                   <a:spcPts val="2964"/>
                 </a:lnSpc>
               </a:pPr>
+              <a:endParaRPr/>
             </a:p>
           </p:txBody>
         </p:sp>
@@ -9130,13 +9508,14 @@
 </file>
 
 <file path=ppt/slides/slide3.xml><?xml version="1.0" encoding="utf-8"?>
-<p:sld xmlns:p="http://schemas.openxmlformats.org/presentationml/2006/main" xmlns:a="http://schemas.openxmlformats.org/drawingml/2006/main" xmlns:r="http://schemas.openxmlformats.org/officeDocument/2006/relationships">
+<p:sld xmlns:a="http://schemas.openxmlformats.org/drawingml/2006/main" xmlns:r="http://schemas.openxmlformats.org/officeDocument/2006/relationships" xmlns:p="http://schemas.openxmlformats.org/presentationml/2006/main">
   <p:cSld>
     <p:bg>
       <p:bgPr>
         <a:solidFill>
           <a:srgbClr val="000000"/>
         </a:solidFill>
+        <a:effectLst/>
       </p:bgPr>
     </p:bg>
     <p:spTree>
@@ -9155,12 +9534,12 @@
       </p:grpSpPr>
       <p:sp>
         <p:nvSpPr>
-          <p:cNvPr name="TextBox 2" id="2"/>
-          <p:cNvSpPr txBox="true"/>
+          <p:cNvPr id="2" name="TextBox 2"/>
+          <p:cNvSpPr txBox="1"/>
           <p:nvPr/>
         </p:nvSpPr>
         <p:spPr>
-          <a:xfrm rot="0">
+          <a:xfrm>
             <a:off x="6678677" y="1050508"/>
             <a:ext cx="4930647" cy="591400"/>
           </a:xfrm>
@@ -9169,7 +9548,7 @@
           </a:prstGeom>
         </p:spPr>
         <p:txBody>
-          <a:bodyPr anchor="t" rtlCol="false" tIns="0" lIns="0" bIns="0" rIns="0">
+          <a:bodyPr lIns="0" tIns="0" rIns="0" bIns="0" rtlCol="0" anchor="t">
             <a:spAutoFit/>
           </a:bodyPr>
           <a:lstStyle/>
@@ -9193,12 +9572,12 @@
       </p:sp>
       <p:grpSp>
         <p:nvGrpSpPr>
-          <p:cNvPr name="Group 3" id="3"/>
+          <p:cNvPr id="3" name="Group 3"/>
           <p:cNvGrpSpPr/>
           <p:nvPr/>
         </p:nvGrpSpPr>
         <p:grpSpPr>
-          <a:xfrm rot="0">
+          <a:xfrm>
             <a:off x="6924092" y="1148248"/>
             <a:ext cx="426809" cy="414970"/>
             <a:chOff x="0" y="0"/>
@@ -9207,12 +9586,12 @@
         </p:grpSpPr>
         <p:sp>
           <p:nvSpPr>
-            <p:cNvPr name="Freeform 4" id="4"/>
+            <p:cNvPr id="4" name="Freeform 4"/>
             <p:cNvSpPr/>
             <p:nvPr/>
           </p:nvSpPr>
           <p:spPr>
-            <a:xfrm flipH="false" flipV="false" rot="0">
+            <a:xfrm>
               <a:off x="0" y="0"/>
               <a:ext cx="75740" cy="73639"/>
             </a:xfrm>
@@ -9221,9 +9600,9 @@
               <a:gdLst/>
               <a:ahLst/>
               <a:cxnLst/>
-              <a:rect r="r" b="b" t="t" l="l"/>
+              <a:rect l="l" t="t" r="r" b="b"/>
               <a:pathLst>
-                <a:path h="73639" w="75740">
+                <a:path w="75740" h="73639">
                   <a:moveTo>
                     <a:pt x="0" y="0"/>
                   </a:moveTo>
@@ -9244,11 +9623,18 @@
               <a:srgbClr val="0EE65E"/>
             </a:solidFill>
           </p:spPr>
+          <p:txBody>
+            <a:bodyPr/>
+            <a:lstStyle/>
+            <a:p>
+              <a:endParaRPr lang="es-EC"/>
+            </a:p>
+          </p:txBody>
         </p:sp>
         <p:sp>
           <p:nvSpPr>
-            <p:cNvPr name="TextBox 5" id="5"/>
-            <p:cNvSpPr txBox="true"/>
+            <p:cNvPr id="5" name="TextBox 5"/>
+            <p:cNvSpPr txBox="1"/>
             <p:nvPr/>
           </p:nvSpPr>
           <p:spPr>
@@ -9261,7 +9647,7 @@
             </a:prstGeom>
           </p:spPr>
           <p:txBody>
-            <a:bodyPr anchor="ctr" rtlCol="false" tIns="50800" lIns="50800" bIns="50800" rIns="50800"/>
+            <a:bodyPr lIns="50800" tIns="50800" rIns="50800" bIns="50800" rtlCol="0" anchor="ctr"/>
             <a:lstStyle/>
             <a:p>
               <a:pPr algn="ctr">
@@ -9269,18 +9655,19 @@
                   <a:spcPts val="2964"/>
                 </a:lnSpc>
               </a:pPr>
+              <a:endParaRPr/>
             </a:p>
           </p:txBody>
         </p:sp>
       </p:grpSp>
       <p:sp>
         <p:nvSpPr>
-          <p:cNvPr name="TextBox 6" id="6"/>
-          <p:cNvSpPr txBox="true"/>
+          <p:cNvPr id="6" name="TextBox 6"/>
+          <p:cNvSpPr txBox="1"/>
           <p:nvPr/>
         </p:nvSpPr>
         <p:spPr>
-          <a:xfrm rot="0">
+          <a:xfrm>
             <a:off x="3516667" y="4029666"/>
             <a:ext cx="11254666" cy="1381125"/>
           </a:xfrm>
@@ -9289,7 +9676,7 @@
           </a:prstGeom>
         </p:spPr>
         <p:txBody>
-          <a:bodyPr anchor="t" rtlCol="false" tIns="0" lIns="0" bIns="0" rIns="0">
+          <a:bodyPr lIns="0" tIns="0" rIns="0" bIns="0" rtlCol="0" anchor="t">
             <a:spAutoFit/>
           </a:bodyPr>
           <a:lstStyle/>
@@ -9313,12 +9700,12 @@
       </p:sp>
       <p:sp>
         <p:nvSpPr>
-          <p:cNvPr name="TextBox 7" id="7"/>
-          <p:cNvSpPr txBox="true"/>
+          <p:cNvPr id="7" name="TextBox 7"/>
+          <p:cNvSpPr txBox="1"/>
           <p:nvPr/>
         </p:nvSpPr>
         <p:spPr>
-          <a:xfrm rot="0">
+          <a:xfrm>
             <a:off x="4962189" y="5948408"/>
             <a:ext cx="8363623" cy="546675"/>
           </a:xfrm>
@@ -9327,7 +9714,7 @@
           </a:prstGeom>
         </p:spPr>
         <p:txBody>
-          <a:bodyPr anchor="t" rtlCol="false" tIns="0" lIns="0" bIns="0" rIns="0">
+          <a:bodyPr lIns="0" tIns="0" rIns="0" bIns="0" rtlCol="0" anchor="t">
             <a:spAutoFit/>
           </a:bodyPr>
           <a:lstStyle/>
@@ -9351,12 +9738,12 @@
       </p:sp>
       <p:sp>
         <p:nvSpPr>
-          <p:cNvPr name="Freeform 8" id="8"/>
+          <p:cNvPr id="8" name="Freeform 8"/>
           <p:cNvSpPr/>
           <p:nvPr/>
         </p:nvSpPr>
         <p:spPr>
-          <a:xfrm flipH="false" flipV="false" rot="0">
+          <a:xfrm>
             <a:off x="12240064" y="-3949678"/>
             <a:ext cx="10038471" cy="10038471"/>
           </a:xfrm>
@@ -9365,9 +9752,9 @@
             <a:gdLst/>
             <a:ahLst/>
             <a:cxnLst/>
-            <a:rect r="r" b="b" t="t" l="l"/>
+            <a:rect l="l" t="t" r="r" b="b"/>
             <a:pathLst>
-              <a:path h="10038471" w="10038471">
+              <a:path w="10038471" h="10038471">
                 <a:moveTo>
                   <a:pt x="0" y="0"/>
                 </a:moveTo>
@@ -9396,19 +9783,26 @@
               </a:extLst>
             </a:blip>
             <a:stretch>
-              <a:fillRect l="0" t="0" r="0" b="0"/>
+              <a:fillRect/>
             </a:stretch>
           </a:blipFill>
         </p:spPr>
+        <p:txBody>
+          <a:bodyPr/>
+          <a:lstStyle/>
+          <a:p>
+            <a:endParaRPr lang="es-EC"/>
+          </a:p>
+        </p:txBody>
       </p:sp>
       <p:grpSp>
         <p:nvGrpSpPr>
-          <p:cNvPr name="Group 9" id="9"/>
+          <p:cNvPr id="9" name="Group 9"/>
           <p:cNvGrpSpPr/>
           <p:nvPr/>
         </p:nvGrpSpPr>
         <p:grpSpPr>
-          <a:xfrm rot="0">
+          <a:xfrm>
             <a:off x="-466250" y="834573"/>
             <a:ext cx="932500" cy="3086100"/>
             <a:chOff x="0" y="0"/>
@@ -9417,12 +9811,12 @@
         </p:grpSpPr>
         <p:sp>
           <p:nvSpPr>
-            <p:cNvPr name="Freeform 10" id="10"/>
+            <p:cNvPr id="10" name="Freeform 10"/>
             <p:cNvSpPr/>
             <p:nvPr/>
           </p:nvSpPr>
           <p:spPr>
-            <a:xfrm flipH="false" flipV="false" rot="0">
+            <a:xfrm>
               <a:off x="0" y="0"/>
               <a:ext cx="245597" cy="812800"/>
             </a:xfrm>
@@ -9431,9 +9825,9 @@
               <a:gdLst/>
               <a:ahLst/>
               <a:cxnLst/>
-              <a:rect r="r" b="b" t="t" l="l"/>
+              <a:rect l="l" t="t" r="r" b="b"/>
               <a:pathLst>
-                <a:path h="812800" w="245597">
+                <a:path w="245597" h="812800">
                   <a:moveTo>
                     <a:pt x="0" y="0"/>
                   </a:moveTo>
@@ -9454,11 +9848,18 @@
               <a:srgbClr val="0EE65E"/>
             </a:solidFill>
           </p:spPr>
+          <p:txBody>
+            <a:bodyPr/>
+            <a:lstStyle/>
+            <a:p>
+              <a:endParaRPr lang="es-EC"/>
+            </a:p>
+          </p:txBody>
         </p:sp>
         <p:sp>
           <p:nvSpPr>
-            <p:cNvPr name="TextBox 11" id="11"/>
-            <p:cNvSpPr txBox="true"/>
+            <p:cNvPr id="11" name="TextBox 11"/>
+            <p:cNvSpPr txBox="1"/>
             <p:nvPr/>
           </p:nvSpPr>
           <p:spPr>
@@ -9471,7 +9872,7 @@
             </a:prstGeom>
           </p:spPr>
           <p:txBody>
-            <a:bodyPr anchor="ctr" rtlCol="false" tIns="50800" lIns="50800" bIns="50800" rIns="50800"/>
+            <a:bodyPr lIns="50800" tIns="50800" rIns="50800" bIns="50800" rtlCol="0" anchor="ctr"/>
             <a:lstStyle/>
             <a:p>
               <a:pPr algn="ctr">
@@ -9479,18 +9880,19 @@
                   <a:spcPts val="2964"/>
                 </a:lnSpc>
               </a:pPr>
+              <a:endParaRPr/>
             </a:p>
           </p:txBody>
         </p:sp>
       </p:grpSp>
       <p:grpSp>
         <p:nvGrpSpPr>
-          <p:cNvPr name="Group 12" id="12"/>
+          <p:cNvPr id="12" name="Group 12"/>
           <p:cNvGrpSpPr/>
           <p:nvPr/>
         </p:nvGrpSpPr>
         <p:grpSpPr>
-          <a:xfrm rot="0">
+          <a:xfrm>
             <a:off x="16855396" y="7385917"/>
             <a:ext cx="579209" cy="1872383"/>
             <a:chOff x="0" y="0"/>
@@ -9499,12 +9901,12 @@
         </p:grpSpPr>
         <p:sp>
           <p:nvSpPr>
-            <p:cNvPr name="Freeform 13" id="13"/>
+            <p:cNvPr id="13" name="Freeform 13"/>
             <p:cNvSpPr/>
             <p:nvPr/>
           </p:nvSpPr>
           <p:spPr>
-            <a:xfrm flipH="false" flipV="false" rot="0">
+            <a:xfrm>
               <a:off x="0" y="0"/>
               <a:ext cx="102785" cy="332267"/>
             </a:xfrm>
@@ -9513,9 +9915,9 @@
               <a:gdLst/>
               <a:ahLst/>
               <a:cxnLst/>
-              <a:rect r="r" b="b" t="t" l="l"/>
+              <a:rect l="l" t="t" r="r" b="b"/>
               <a:pathLst>
-                <a:path h="332267" w="102785">
+                <a:path w="102785" h="332267">
                   <a:moveTo>
                     <a:pt x="0" y="0"/>
                   </a:moveTo>
@@ -9536,11 +9938,18 @@
               <a:srgbClr val="0EE65E"/>
             </a:solidFill>
           </p:spPr>
+          <p:txBody>
+            <a:bodyPr/>
+            <a:lstStyle/>
+            <a:p>
+              <a:endParaRPr lang="es-EC"/>
+            </a:p>
+          </p:txBody>
         </p:sp>
         <p:sp>
           <p:nvSpPr>
-            <p:cNvPr name="TextBox 14" id="14"/>
-            <p:cNvSpPr txBox="true"/>
+            <p:cNvPr id="14" name="TextBox 14"/>
+            <p:cNvSpPr txBox="1"/>
             <p:nvPr/>
           </p:nvSpPr>
           <p:spPr>
@@ -9553,7 +9962,7 @@
             </a:prstGeom>
           </p:spPr>
           <p:txBody>
-            <a:bodyPr anchor="ctr" rtlCol="false" tIns="50800" lIns="50800" bIns="50800" rIns="50800"/>
+            <a:bodyPr lIns="50800" tIns="50800" rIns="50800" bIns="50800" rtlCol="0" anchor="ctr"/>
             <a:lstStyle/>
             <a:p>
               <a:pPr algn="ctr">
@@ -9561,18 +9970,19 @@
                   <a:spcPts val="2964"/>
                 </a:lnSpc>
               </a:pPr>
+              <a:endParaRPr/>
             </a:p>
           </p:txBody>
         </p:sp>
       </p:grpSp>
       <p:sp>
         <p:nvSpPr>
-          <p:cNvPr name="Freeform 15" id="15"/>
+          <p:cNvPr id="15" name="Freeform 15"/>
           <p:cNvSpPr/>
           <p:nvPr/>
         </p:nvSpPr>
         <p:spPr>
-          <a:xfrm flipH="false" flipV="false" rot="0">
+          <a:xfrm>
             <a:off x="-2687570" y="6456061"/>
             <a:ext cx="10038471" cy="10038471"/>
           </a:xfrm>
@@ -9581,9 +9991,9 @@
             <a:gdLst/>
             <a:ahLst/>
             <a:cxnLst/>
-            <a:rect r="r" b="b" t="t" l="l"/>
+            <a:rect l="l" t="t" r="r" b="b"/>
             <a:pathLst>
-              <a:path h="10038471" w="10038471">
+              <a:path w="10038471" h="10038471">
                 <a:moveTo>
                   <a:pt x="0" y="0"/>
                 </a:moveTo>
@@ -9612,19 +10022,26 @@
               </a:extLst>
             </a:blip>
             <a:stretch>
-              <a:fillRect l="0" t="0" r="0" b="0"/>
+              <a:fillRect/>
             </a:stretch>
           </a:blipFill>
         </p:spPr>
-      </p:sp>
-      <p:sp>
-        <p:nvSpPr>
-          <p:cNvPr name="TextBox 16" id="16"/>
-          <p:cNvSpPr txBox="true"/>
+        <p:txBody>
+          <a:bodyPr/>
+          <a:lstStyle/>
+          <a:p>
+            <a:endParaRPr lang="es-EC"/>
+          </a:p>
+        </p:txBody>
+      </p:sp>
+      <p:sp>
+        <p:nvSpPr>
+          <p:cNvPr id="16" name="TextBox 16"/>
+          <p:cNvSpPr txBox="1"/>
           <p:nvPr/>
         </p:nvSpPr>
         <p:spPr>
-          <a:xfrm rot="0">
+          <a:xfrm>
             <a:off x="6678677" y="2686145"/>
             <a:ext cx="4930647" cy="758278"/>
           </a:xfrm>
@@ -9633,7 +10050,7 @@
           </a:prstGeom>
         </p:spPr>
         <p:txBody>
-          <a:bodyPr anchor="t" rtlCol="false" tIns="0" lIns="0" bIns="0" rIns="0">
+          <a:bodyPr lIns="0" tIns="0" rIns="0" bIns="0" rtlCol="0" anchor="t">
             <a:spAutoFit/>
           </a:bodyPr>
           <a:lstStyle/>
@@ -9664,13 +10081,14 @@
 </file>
 
 <file path=ppt/slides/slide4.xml><?xml version="1.0" encoding="utf-8"?>
-<p:sld xmlns:p="http://schemas.openxmlformats.org/presentationml/2006/main" xmlns:a="http://schemas.openxmlformats.org/drawingml/2006/main" xmlns:r="http://schemas.openxmlformats.org/officeDocument/2006/relationships">
+<p:sld xmlns:a="http://schemas.openxmlformats.org/drawingml/2006/main" xmlns:r="http://schemas.openxmlformats.org/officeDocument/2006/relationships" xmlns:p="http://schemas.openxmlformats.org/presentationml/2006/main">
   <p:cSld>
     <p:bg>
       <p:bgPr>
         <a:solidFill>
           <a:srgbClr val="000000"/>
         </a:solidFill>
+        <a:effectLst/>
       </p:bgPr>
     </p:bg>
     <p:spTree>
@@ -9689,12 +10107,12 @@
       </p:grpSpPr>
       <p:grpSp>
         <p:nvGrpSpPr>
-          <p:cNvPr name="Group 2" id="2"/>
+          <p:cNvPr id="2" name="Group 2"/>
           <p:cNvGrpSpPr/>
           <p:nvPr/>
         </p:nvGrpSpPr>
         <p:grpSpPr>
-          <a:xfrm rot="0">
+          <a:xfrm>
             <a:off x="1399656" y="1314915"/>
             <a:ext cx="306590" cy="279599"/>
             <a:chOff x="0" y="0"/>
@@ -9703,12 +10121,12 @@
         </p:grpSpPr>
         <p:sp>
           <p:nvSpPr>
-            <p:cNvPr name="Freeform 3" id="3"/>
+            <p:cNvPr id="3" name="Freeform 3"/>
             <p:cNvSpPr/>
             <p:nvPr/>
           </p:nvSpPr>
           <p:spPr>
-            <a:xfrm flipH="false" flipV="false" rot="0">
+            <a:xfrm>
               <a:off x="0" y="0"/>
               <a:ext cx="80748" cy="73639"/>
             </a:xfrm>
@@ -9717,9 +10135,9 @@
               <a:gdLst/>
               <a:ahLst/>
               <a:cxnLst/>
-              <a:rect r="r" b="b" t="t" l="l"/>
+              <a:rect l="l" t="t" r="r" b="b"/>
               <a:pathLst>
-                <a:path h="73639" w="80748">
+                <a:path w="80748" h="73639">
                   <a:moveTo>
                     <a:pt x="0" y="0"/>
                   </a:moveTo>
@@ -9740,11 +10158,18 @@
               <a:srgbClr val="0EE65E"/>
             </a:solidFill>
           </p:spPr>
+          <p:txBody>
+            <a:bodyPr/>
+            <a:lstStyle/>
+            <a:p>
+              <a:endParaRPr lang="es-EC"/>
+            </a:p>
+          </p:txBody>
         </p:sp>
         <p:sp>
           <p:nvSpPr>
-            <p:cNvPr name="TextBox 4" id="4"/>
-            <p:cNvSpPr txBox="true"/>
+            <p:cNvPr id="4" name="TextBox 4"/>
+            <p:cNvSpPr txBox="1"/>
             <p:nvPr/>
           </p:nvSpPr>
           <p:spPr>
@@ -9757,7 +10182,7 @@
             </a:prstGeom>
           </p:spPr>
           <p:txBody>
-            <a:bodyPr anchor="ctr" rtlCol="false" tIns="50800" lIns="50800" bIns="50800" rIns="50800"/>
+            <a:bodyPr lIns="50800" tIns="50800" rIns="50800" bIns="50800" rtlCol="0" anchor="ctr"/>
             <a:lstStyle/>
             <a:p>
               <a:pPr algn="ctr">
@@ -9765,18 +10190,19 @@
                   <a:spcPts val="2964"/>
                 </a:lnSpc>
               </a:pPr>
+              <a:endParaRPr/>
             </a:p>
           </p:txBody>
         </p:sp>
       </p:grpSp>
       <p:sp>
         <p:nvSpPr>
-          <p:cNvPr name="Freeform 5" id="5"/>
+          <p:cNvPr id="5" name="Freeform 5"/>
           <p:cNvSpPr/>
           <p:nvPr/>
         </p:nvSpPr>
         <p:spPr>
-          <a:xfrm flipH="false" flipV="false" rot="0">
+          <a:xfrm>
             <a:off x="-5840083" y="5051520"/>
             <a:ext cx="12167667" cy="12167667"/>
           </a:xfrm>
@@ -9785,9 +10211,9 @@
             <a:gdLst/>
             <a:ahLst/>
             <a:cxnLst/>
-            <a:rect r="r" b="b" t="t" l="l"/>
+            <a:rect l="l" t="t" r="r" b="b"/>
             <a:pathLst>
-              <a:path h="12167667" w="12167667">
+              <a:path w="12167667" h="12167667">
                 <a:moveTo>
                   <a:pt x="0" y="0"/>
                 </a:moveTo>
@@ -9816,19 +10242,26 @@
               </a:extLst>
             </a:blip>
             <a:stretch>
-              <a:fillRect l="0" t="0" r="0" b="0"/>
+              <a:fillRect/>
             </a:stretch>
           </a:blipFill>
         </p:spPr>
+        <p:txBody>
+          <a:bodyPr/>
+          <a:lstStyle/>
+          <a:p>
+            <a:endParaRPr lang="es-EC"/>
+          </a:p>
+        </p:txBody>
       </p:sp>
       <p:grpSp>
         <p:nvGrpSpPr>
-          <p:cNvPr name="Group 6" id="6"/>
+          <p:cNvPr id="6" name="Group 6"/>
           <p:cNvGrpSpPr/>
           <p:nvPr/>
         </p:nvGrpSpPr>
         <p:grpSpPr>
-          <a:xfrm rot="0">
+          <a:xfrm>
             <a:off x="1399656" y="8354796"/>
             <a:ext cx="8266165" cy="2780557"/>
             <a:chOff x="0" y="0"/>
@@ -9837,12 +10270,12 @@
         </p:grpSpPr>
         <p:sp>
           <p:nvSpPr>
-            <p:cNvPr name="Freeform 7" id="7"/>
+            <p:cNvPr id="7" name="Freeform 7"/>
             <p:cNvSpPr/>
             <p:nvPr/>
           </p:nvSpPr>
           <p:spPr>
-            <a:xfrm flipH="false" flipV="false" rot="0">
+            <a:xfrm>
               <a:off x="0" y="0"/>
               <a:ext cx="2177097" cy="732328"/>
             </a:xfrm>
@@ -9851,9 +10284,9 @@
               <a:gdLst/>
               <a:ahLst/>
               <a:cxnLst/>
-              <a:rect r="r" b="b" t="t" l="l"/>
+              <a:rect l="l" t="t" r="r" b="b"/>
               <a:pathLst>
-                <a:path h="732328" w="2177097">
+                <a:path w="2177097" h="732328">
                   <a:moveTo>
                     <a:pt x="0" y="0"/>
                   </a:moveTo>
@@ -9874,11 +10307,18 @@
               <a:srgbClr val="0EE65E"/>
             </a:solidFill>
           </p:spPr>
+          <p:txBody>
+            <a:bodyPr/>
+            <a:lstStyle/>
+            <a:p>
+              <a:endParaRPr lang="es-EC"/>
+            </a:p>
+          </p:txBody>
         </p:sp>
         <p:sp>
           <p:nvSpPr>
-            <p:cNvPr name="TextBox 8" id="8"/>
-            <p:cNvSpPr txBox="true"/>
+            <p:cNvPr id="8" name="TextBox 8"/>
+            <p:cNvSpPr txBox="1"/>
             <p:nvPr/>
           </p:nvSpPr>
           <p:spPr>
@@ -9891,7 +10331,7 @@
             </a:prstGeom>
           </p:spPr>
           <p:txBody>
-            <a:bodyPr anchor="ctr" rtlCol="false" tIns="50800" lIns="50800" bIns="50800" rIns="50800"/>
+            <a:bodyPr lIns="50800" tIns="50800" rIns="50800" bIns="50800" rtlCol="0" anchor="ctr"/>
             <a:lstStyle/>
             <a:p>
               <a:pPr algn="ctr">
@@ -9899,18 +10339,19 @@
                   <a:spcPts val="2964"/>
                 </a:lnSpc>
               </a:pPr>
+              <a:endParaRPr/>
             </a:p>
           </p:txBody>
         </p:sp>
       </p:grpSp>
       <p:grpSp>
         <p:nvGrpSpPr>
-          <p:cNvPr name="Group 9" id="9"/>
+          <p:cNvPr id="9" name="Group 9"/>
           <p:cNvGrpSpPr/>
           <p:nvPr/>
         </p:nvGrpSpPr>
         <p:grpSpPr>
-          <a:xfrm rot="0">
+          <a:xfrm>
             <a:off x="9819116" y="1454714"/>
             <a:ext cx="864438" cy="871309"/>
             <a:chOff x="0" y="0"/>
@@ -9919,12 +10360,12 @@
         </p:grpSpPr>
         <p:sp>
           <p:nvSpPr>
-            <p:cNvPr name="Freeform 10" id="10"/>
+            <p:cNvPr id="10" name="Freeform 10"/>
             <p:cNvSpPr/>
             <p:nvPr/>
           </p:nvSpPr>
           <p:spPr>
-            <a:xfrm flipH="false" flipV="false" rot="0">
+            <a:xfrm>
               <a:off x="0" y="0"/>
               <a:ext cx="954836" cy="962425"/>
             </a:xfrm>
@@ -9933,9 +10374,9 @@
               <a:gdLst/>
               <a:ahLst/>
               <a:cxnLst/>
-              <a:rect r="r" b="b" t="t" l="l"/>
+              <a:rect l="l" t="t" r="r" b="b"/>
               <a:pathLst>
-                <a:path h="962425" w="954836">
+                <a:path w="954836" h="962425">
                   <a:moveTo>
                     <a:pt x="477418" y="0"/>
                   </a:moveTo>
@@ -9967,11 +10408,18 @@
               <a:srgbClr val="0EE65E"/>
             </a:solidFill>
           </p:spPr>
+          <p:txBody>
+            <a:bodyPr/>
+            <a:lstStyle/>
+            <a:p>
+              <a:endParaRPr lang="es-EC"/>
+            </a:p>
+          </p:txBody>
         </p:sp>
         <p:sp>
           <p:nvSpPr>
-            <p:cNvPr name="TextBox 11" id="11"/>
-            <p:cNvSpPr txBox="true"/>
+            <p:cNvPr id="11" name="TextBox 11"/>
+            <p:cNvSpPr txBox="1"/>
             <p:nvPr/>
           </p:nvSpPr>
           <p:spPr>
@@ -9984,7 +10432,7 @@
             </a:prstGeom>
           </p:spPr>
           <p:txBody>
-            <a:bodyPr anchor="ctr" rtlCol="false" tIns="50800" lIns="50800" bIns="50800" rIns="50800"/>
+            <a:bodyPr lIns="50800" tIns="50800" rIns="50800" bIns="50800" rtlCol="0" anchor="ctr"/>
             <a:lstStyle/>
             <a:p>
               <a:pPr algn="ctr">
@@ -10007,12 +10455,12 @@
       </p:grpSp>
       <p:sp>
         <p:nvSpPr>
-          <p:cNvPr name="TextBox 12" id="12"/>
-          <p:cNvSpPr txBox="true"/>
+          <p:cNvPr id="12" name="TextBox 12"/>
+          <p:cNvSpPr txBox="1"/>
           <p:nvPr/>
         </p:nvSpPr>
         <p:spPr>
-          <a:xfrm rot="0">
+          <a:xfrm>
             <a:off x="1856467" y="1243437"/>
             <a:ext cx="3541832" cy="403506"/>
           </a:xfrm>
@@ -10021,7 +10469,7 @@
           </a:prstGeom>
         </p:spPr>
         <p:txBody>
-          <a:bodyPr anchor="t" rtlCol="false" tIns="0" lIns="0" bIns="0" rIns="0">
+          <a:bodyPr lIns="0" tIns="0" rIns="0" bIns="0" rtlCol="0" anchor="t">
             <a:spAutoFit/>
           </a:bodyPr>
           <a:lstStyle/>
@@ -10045,12 +10493,12 @@
       </p:sp>
       <p:sp>
         <p:nvSpPr>
-          <p:cNvPr name="TextBox 13" id="13"/>
-          <p:cNvSpPr txBox="true"/>
+          <p:cNvPr id="13" name="TextBox 13"/>
+          <p:cNvSpPr txBox="1"/>
           <p:nvPr/>
         </p:nvSpPr>
         <p:spPr>
-          <a:xfrm rot="0">
+          <a:xfrm>
             <a:off x="9819116" y="2183149"/>
             <a:ext cx="7591049" cy="934720"/>
           </a:xfrm>
@@ -10059,7 +10507,7 @@
           </a:prstGeom>
         </p:spPr>
         <p:txBody>
-          <a:bodyPr anchor="t" rtlCol="false" tIns="0" lIns="0" bIns="0" rIns="0">
+          <a:bodyPr lIns="0" tIns="0" rIns="0" bIns="0" rtlCol="0" anchor="t">
             <a:spAutoFit/>
           </a:bodyPr>
           <a:lstStyle/>
@@ -10083,12 +10531,12 @@
       </p:sp>
       <p:sp>
         <p:nvSpPr>
-          <p:cNvPr name="TextBox 14" id="14"/>
-          <p:cNvSpPr txBox="true"/>
+          <p:cNvPr id="14" name="TextBox 14"/>
+          <p:cNvSpPr txBox="1"/>
           <p:nvPr/>
         </p:nvSpPr>
         <p:spPr>
-          <a:xfrm rot="0">
+          <a:xfrm>
             <a:off x="1028700" y="3242872"/>
             <a:ext cx="8266165" cy="2638425"/>
           </a:xfrm>
@@ -10097,7 +10545,7 @@
           </a:prstGeom>
         </p:spPr>
         <p:txBody>
-          <a:bodyPr anchor="t" rtlCol="false" tIns="0" lIns="0" bIns="0" rIns="0">
+          <a:bodyPr lIns="0" tIns="0" rIns="0" bIns="0" rtlCol="0" anchor="t">
             <a:spAutoFit/>
           </a:bodyPr>
           <a:lstStyle/>
@@ -10121,12 +10569,12 @@
       </p:sp>
       <p:sp>
         <p:nvSpPr>
-          <p:cNvPr name="TextBox 15" id="15"/>
-          <p:cNvSpPr txBox="true"/>
+          <p:cNvPr id="15" name="TextBox 15"/>
+          <p:cNvSpPr txBox="1"/>
           <p:nvPr/>
         </p:nvSpPr>
         <p:spPr>
-          <a:xfrm rot="0">
+          <a:xfrm>
             <a:off x="9144000" y="5000625"/>
             <a:ext cx="9495893" cy="934720"/>
           </a:xfrm>
@@ -10135,7 +10583,7 @@
           </a:prstGeom>
         </p:spPr>
         <p:txBody>
-          <a:bodyPr anchor="t" rtlCol="false" tIns="0" lIns="0" bIns="0" rIns="0">
+          <a:bodyPr lIns="0" tIns="0" rIns="0" bIns="0" rtlCol="0" anchor="t">
             <a:spAutoFit/>
           </a:bodyPr>
           <a:lstStyle/>
@@ -10159,12 +10607,12 @@
       </p:sp>
       <p:sp>
         <p:nvSpPr>
-          <p:cNvPr name="TextBox 16" id="16"/>
-          <p:cNvSpPr txBox="true"/>
+          <p:cNvPr id="16" name="TextBox 16"/>
+          <p:cNvSpPr txBox="1"/>
           <p:nvPr/>
         </p:nvSpPr>
         <p:spPr>
-          <a:xfrm rot="0">
+          <a:xfrm>
             <a:off x="8458287" y="7420076"/>
             <a:ext cx="9829713" cy="934720"/>
           </a:xfrm>
@@ -10173,7 +10621,7 @@
           </a:prstGeom>
         </p:spPr>
         <p:txBody>
-          <a:bodyPr anchor="t" rtlCol="false" tIns="0" lIns="0" bIns="0" rIns="0">
+          <a:bodyPr lIns="0" tIns="0" rIns="0" bIns="0" rtlCol="0" anchor="t">
             <a:spAutoFit/>
           </a:bodyPr>
           <a:lstStyle/>
@@ -10197,12 +10645,12 @@
       </p:sp>
       <p:grpSp>
         <p:nvGrpSpPr>
-          <p:cNvPr name="Group 17" id="17"/>
+          <p:cNvPr id="17" name="Group 17"/>
           <p:cNvGrpSpPr/>
           <p:nvPr/>
         </p:nvGrpSpPr>
         <p:grpSpPr>
-          <a:xfrm rot="0">
+          <a:xfrm>
             <a:off x="9144000" y="4272191"/>
             <a:ext cx="864438" cy="871309"/>
             <a:chOff x="0" y="0"/>
@@ -10211,12 +10659,12 @@
         </p:grpSpPr>
         <p:sp>
           <p:nvSpPr>
-            <p:cNvPr name="Freeform 18" id="18"/>
+            <p:cNvPr id="18" name="Freeform 18"/>
             <p:cNvSpPr/>
             <p:nvPr/>
           </p:nvSpPr>
           <p:spPr>
-            <a:xfrm flipH="false" flipV="false" rot="0">
+            <a:xfrm>
               <a:off x="0" y="0"/>
               <a:ext cx="954836" cy="962425"/>
             </a:xfrm>
@@ -10225,9 +10673,9 @@
               <a:gdLst/>
               <a:ahLst/>
               <a:cxnLst/>
-              <a:rect r="r" b="b" t="t" l="l"/>
+              <a:rect l="l" t="t" r="r" b="b"/>
               <a:pathLst>
-                <a:path h="962425" w="954836">
+                <a:path w="954836" h="962425">
                   <a:moveTo>
                     <a:pt x="477418" y="0"/>
                   </a:moveTo>
@@ -10259,11 +10707,18 @@
               <a:srgbClr val="0EE65E"/>
             </a:solidFill>
           </p:spPr>
+          <p:txBody>
+            <a:bodyPr/>
+            <a:lstStyle/>
+            <a:p>
+              <a:endParaRPr lang="es-EC"/>
+            </a:p>
+          </p:txBody>
         </p:sp>
         <p:sp>
           <p:nvSpPr>
-            <p:cNvPr name="TextBox 19" id="19"/>
-            <p:cNvSpPr txBox="true"/>
+            <p:cNvPr id="19" name="TextBox 19"/>
+            <p:cNvSpPr txBox="1"/>
             <p:nvPr/>
           </p:nvSpPr>
           <p:spPr>
@@ -10276,7 +10731,7 @@
             </a:prstGeom>
           </p:spPr>
           <p:txBody>
-            <a:bodyPr anchor="ctr" rtlCol="false" tIns="50800" lIns="50800" bIns="50800" rIns="50800"/>
+            <a:bodyPr lIns="50800" tIns="50800" rIns="50800" bIns="50800" rtlCol="0" anchor="ctr"/>
             <a:lstStyle/>
             <a:p>
               <a:pPr algn="ctr">
@@ -10299,12 +10754,12 @@
       </p:grpSp>
       <p:grpSp>
         <p:nvGrpSpPr>
-          <p:cNvPr name="Group 20" id="20"/>
+          <p:cNvPr id="20" name="Group 20"/>
           <p:cNvGrpSpPr/>
           <p:nvPr/>
         </p:nvGrpSpPr>
         <p:grpSpPr>
-          <a:xfrm rot="0">
+          <a:xfrm>
             <a:off x="8458287" y="6679041"/>
             <a:ext cx="864438" cy="883910"/>
             <a:chOff x="0" y="0"/>
@@ -10313,12 +10768,12 @@
         </p:grpSpPr>
         <p:sp>
           <p:nvSpPr>
-            <p:cNvPr name="Freeform 21" id="21"/>
+            <p:cNvPr id="21" name="Freeform 21"/>
             <p:cNvSpPr/>
             <p:nvPr/>
           </p:nvSpPr>
           <p:spPr>
-            <a:xfrm flipH="false" flipV="false" rot="0">
+            <a:xfrm>
               <a:off x="0" y="0"/>
               <a:ext cx="954836" cy="976344"/>
             </a:xfrm>
@@ -10327,9 +10782,9 @@
               <a:gdLst/>
               <a:ahLst/>
               <a:cxnLst/>
-              <a:rect r="r" b="b" t="t" l="l"/>
+              <a:rect l="l" t="t" r="r" b="b"/>
               <a:pathLst>
-                <a:path h="976344" w="954836">
+                <a:path w="954836" h="976344">
                   <a:moveTo>
                     <a:pt x="477418" y="0"/>
                   </a:moveTo>
@@ -10361,11 +10816,18 @@
               <a:srgbClr val="0EE65E"/>
             </a:solidFill>
           </p:spPr>
+          <p:txBody>
+            <a:bodyPr/>
+            <a:lstStyle/>
+            <a:p>
+              <a:endParaRPr lang="es-EC"/>
+            </a:p>
+          </p:txBody>
         </p:sp>
         <p:sp>
           <p:nvSpPr>
-            <p:cNvPr name="TextBox 22" id="22"/>
-            <p:cNvSpPr txBox="true"/>
+            <p:cNvPr id="22" name="TextBox 22"/>
+            <p:cNvSpPr txBox="1"/>
             <p:nvPr/>
           </p:nvSpPr>
           <p:spPr>
@@ -10378,7 +10840,7 @@
             </a:prstGeom>
           </p:spPr>
           <p:txBody>
-            <a:bodyPr anchor="ctr" rtlCol="false" tIns="50800" lIns="50800" bIns="50800" rIns="50800"/>
+            <a:bodyPr lIns="50800" tIns="50800" rIns="50800" bIns="50800" rtlCol="0" anchor="ctr"/>
             <a:lstStyle/>
             <a:p>
               <a:pPr algn="ctr">
@@ -10408,13 +10870,14 @@
 </file>
 
 <file path=ppt/slides/slide5.xml><?xml version="1.0" encoding="utf-8"?>
-<p:sld xmlns:p="http://schemas.openxmlformats.org/presentationml/2006/main" xmlns:a="http://schemas.openxmlformats.org/drawingml/2006/main" xmlns:r="http://schemas.openxmlformats.org/officeDocument/2006/relationships">
+<p:sld xmlns:a="http://schemas.openxmlformats.org/drawingml/2006/main" xmlns:r="http://schemas.openxmlformats.org/officeDocument/2006/relationships" xmlns:p="http://schemas.openxmlformats.org/presentationml/2006/main">
   <p:cSld>
     <p:bg>
       <p:bgPr>
         <a:solidFill>
           <a:srgbClr val="000000"/>
         </a:solidFill>
+        <a:effectLst/>
       </p:bgPr>
     </p:bg>
     <p:spTree>
@@ -10433,12 +10896,12 @@
       </p:grpSpPr>
       <p:sp>
         <p:nvSpPr>
-          <p:cNvPr name="Freeform 2" id="2"/>
+          <p:cNvPr id="2" name="Freeform 2"/>
           <p:cNvSpPr/>
           <p:nvPr/>
         </p:nvSpPr>
         <p:spPr>
-          <a:xfrm flipH="false" flipV="false" rot="0">
+          <a:xfrm>
             <a:off x="12727797" y="-7616764"/>
             <a:ext cx="12167667" cy="12167667"/>
           </a:xfrm>
@@ -10447,9 +10910,9 @@
             <a:gdLst/>
             <a:ahLst/>
             <a:cxnLst/>
-            <a:rect r="r" b="b" t="t" l="l"/>
+            <a:rect l="l" t="t" r="r" b="b"/>
             <a:pathLst>
-              <a:path h="12167667" w="12167667">
+              <a:path w="12167667" h="12167667">
                 <a:moveTo>
                   <a:pt x="0" y="0"/>
                 </a:moveTo>
@@ -10478,19 +10941,26 @@
               </a:extLst>
             </a:blip>
             <a:stretch>
-              <a:fillRect l="0" t="0" r="0" b="0"/>
+              <a:fillRect/>
             </a:stretch>
           </a:blipFill>
         </p:spPr>
-      </p:sp>
-      <p:sp>
-        <p:nvSpPr>
-          <p:cNvPr name="TextBox 3" id="3"/>
-          <p:cNvSpPr txBox="true"/>
+        <p:txBody>
+          <a:bodyPr/>
+          <a:lstStyle/>
+          <a:p>
+            <a:endParaRPr lang="es-EC"/>
+          </a:p>
+        </p:txBody>
+      </p:sp>
+      <p:sp>
+        <p:nvSpPr>
+          <p:cNvPr id="3" name="TextBox 3"/>
+          <p:cNvSpPr txBox="1"/>
           <p:nvPr/>
         </p:nvSpPr>
         <p:spPr>
-          <a:xfrm rot="0">
+          <a:xfrm>
             <a:off x="1028700" y="2403741"/>
             <a:ext cx="8282795" cy="2478298"/>
           </a:xfrm>
@@ -10499,7 +10969,7 @@
           </a:prstGeom>
         </p:spPr>
         <p:txBody>
-          <a:bodyPr anchor="t" rtlCol="false" tIns="0" lIns="0" bIns="0" rIns="0">
+          <a:bodyPr lIns="0" tIns="0" rIns="0" bIns="0" rtlCol="0" anchor="t">
             <a:spAutoFit/>
           </a:bodyPr>
           <a:lstStyle/>
@@ -10523,12 +10993,12 @@
       </p:sp>
       <p:grpSp>
         <p:nvGrpSpPr>
-          <p:cNvPr name="Group 4" id="4"/>
+          <p:cNvPr id="4" name="Group 4"/>
           <p:cNvGrpSpPr/>
           <p:nvPr/>
         </p:nvGrpSpPr>
         <p:grpSpPr>
-          <a:xfrm rot="0">
+          <a:xfrm>
             <a:off x="9144000" y="4395671"/>
             <a:ext cx="2290386" cy="972738"/>
             <a:chOff x="0" y="0"/>
@@ -10537,12 +11007,12 @@
         </p:grpSpPr>
         <p:sp>
           <p:nvSpPr>
-            <p:cNvPr name="Freeform 5" id="5"/>
+            <p:cNvPr id="5" name="Freeform 5"/>
             <p:cNvSpPr/>
             <p:nvPr/>
           </p:nvSpPr>
           <p:spPr>
-            <a:xfrm flipH="false" flipV="false" rot="0">
+            <a:xfrm>
               <a:off x="0" y="0"/>
               <a:ext cx="962532" cy="408792"/>
             </a:xfrm>
@@ -10551,9 +11021,9 @@
               <a:gdLst/>
               <a:ahLst/>
               <a:cxnLst/>
-              <a:rect r="r" b="b" t="t" l="l"/>
+              <a:rect l="l" t="t" r="r" b="b"/>
               <a:pathLst>
-                <a:path h="408792" w="962532">
+                <a:path w="962532" h="408792">
                   <a:moveTo>
                     <a:pt x="172389" y="0"/>
                   </a:moveTo>
@@ -10608,7 +11078,7 @@
                 </a:path>
               </a:pathLst>
             </a:custGeom>
-            <a:gradFill rotWithShape="true">
+            <a:gradFill rotWithShape="1">
               <a:gsLst>
                 <a:gs pos="0">
                   <a:srgbClr val="0EE65E">
@@ -10624,11 +11094,18 @@
               <a:lin ang="0"/>
             </a:gradFill>
           </p:spPr>
+          <p:txBody>
+            <a:bodyPr/>
+            <a:lstStyle/>
+            <a:p>
+              <a:endParaRPr lang="es-EC"/>
+            </a:p>
+          </p:txBody>
         </p:sp>
         <p:sp>
           <p:nvSpPr>
-            <p:cNvPr name="TextBox 6" id="6"/>
-            <p:cNvSpPr txBox="true"/>
+            <p:cNvPr id="6" name="TextBox 6"/>
+            <p:cNvSpPr txBox="1"/>
             <p:nvPr/>
           </p:nvSpPr>
           <p:spPr>
@@ -10641,7 +11118,7 @@
             </a:prstGeom>
           </p:spPr>
           <p:txBody>
-            <a:bodyPr anchor="ctr" rtlCol="false" tIns="50800" lIns="50800" bIns="50800" rIns="50800"/>
+            <a:bodyPr lIns="50800" tIns="50800" rIns="50800" bIns="50800" rtlCol="0" anchor="ctr"/>
             <a:lstStyle/>
             <a:p>
               <a:pPr algn="ctr">
@@ -10652,18 +11129,19 @@
                   <a:spcPct val="0"/>
                 </a:spcBef>
               </a:pPr>
+              <a:endParaRPr/>
             </a:p>
           </p:txBody>
         </p:sp>
       </p:grpSp>
       <p:sp>
         <p:nvSpPr>
-          <p:cNvPr name="TextBox 7" id="7"/>
-          <p:cNvSpPr txBox="true"/>
+          <p:cNvPr id="7" name="TextBox 7"/>
+          <p:cNvSpPr txBox="1"/>
           <p:nvPr/>
         </p:nvSpPr>
         <p:spPr>
-          <a:xfrm rot="0">
+          <a:xfrm>
             <a:off x="11097395" y="3848097"/>
             <a:ext cx="7190605" cy="1754505"/>
           </a:xfrm>
@@ -10672,7 +11150,7 @@
           </a:prstGeom>
         </p:spPr>
         <p:txBody>
-          <a:bodyPr anchor="t" rtlCol="false" tIns="0" lIns="0" bIns="0" rIns="0">
+          <a:bodyPr lIns="0" tIns="0" rIns="0" bIns="0" rtlCol="0" anchor="t">
             <a:spAutoFit/>
           </a:bodyPr>
           <a:lstStyle/>
@@ -10696,12 +11174,12 @@
       </p:sp>
       <p:grpSp>
         <p:nvGrpSpPr>
-          <p:cNvPr name="Group 8" id="8"/>
+          <p:cNvPr id="8" name="Group 8"/>
           <p:cNvGrpSpPr/>
           <p:nvPr/>
         </p:nvGrpSpPr>
         <p:grpSpPr>
-          <a:xfrm rot="0">
+          <a:xfrm>
             <a:off x="9144000" y="6212202"/>
             <a:ext cx="2290386" cy="972738"/>
             <a:chOff x="0" y="0"/>
@@ -10710,12 +11188,12 @@
         </p:grpSpPr>
         <p:sp>
           <p:nvSpPr>
-            <p:cNvPr name="Freeform 9" id="9"/>
+            <p:cNvPr id="9" name="Freeform 9"/>
             <p:cNvSpPr/>
             <p:nvPr/>
           </p:nvSpPr>
           <p:spPr>
-            <a:xfrm flipH="false" flipV="false" rot="0">
+            <a:xfrm>
               <a:off x="0" y="0"/>
               <a:ext cx="962532" cy="408792"/>
             </a:xfrm>
@@ -10724,9 +11202,9 @@
               <a:gdLst/>
               <a:ahLst/>
               <a:cxnLst/>
-              <a:rect r="r" b="b" t="t" l="l"/>
+              <a:rect l="l" t="t" r="r" b="b"/>
               <a:pathLst>
-                <a:path h="408792" w="962532">
+                <a:path w="962532" h="408792">
                   <a:moveTo>
                     <a:pt x="172389" y="0"/>
                   </a:moveTo>
@@ -10781,7 +11259,7 @@
                 </a:path>
               </a:pathLst>
             </a:custGeom>
-            <a:gradFill rotWithShape="true">
+            <a:gradFill rotWithShape="1">
               <a:gsLst>
                 <a:gs pos="0">
                   <a:srgbClr val="0EE65E">
@@ -10797,11 +11275,18 @@
               <a:lin ang="0"/>
             </a:gradFill>
           </p:spPr>
+          <p:txBody>
+            <a:bodyPr/>
+            <a:lstStyle/>
+            <a:p>
+              <a:endParaRPr lang="es-EC"/>
+            </a:p>
+          </p:txBody>
         </p:sp>
         <p:sp>
           <p:nvSpPr>
-            <p:cNvPr name="TextBox 10" id="10"/>
-            <p:cNvSpPr txBox="true"/>
+            <p:cNvPr id="10" name="TextBox 10"/>
+            <p:cNvSpPr txBox="1"/>
             <p:nvPr/>
           </p:nvSpPr>
           <p:spPr>
@@ -10814,7 +11299,7 @@
             </a:prstGeom>
           </p:spPr>
           <p:txBody>
-            <a:bodyPr anchor="ctr" rtlCol="false" tIns="50800" lIns="50800" bIns="50800" rIns="50800"/>
+            <a:bodyPr lIns="50800" tIns="50800" rIns="50800" bIns="50800" rtlCol="0" anchor="ctr"/>
             <a:lstStyle/>
             <a:p>
               <a:pPr algn="ctr">
@@ -10825,18 +11310,19 @@
                   <a:spcPct val="0"/>
                 </a:spcBef>
               </a:pPr>
+              <a:endParaRPr/>
             </a:p>
           </p:txBody>
         </p:sp>
       </p:grpSp>
       <p:grpSp>
         <p:nvGrpSpPr>
-          <p:cNvPr name="Group 11" id="11"/>
+          <p:cNvPr id="11" name="Group 11"/>
           <p:cNvGrpSpPr/>
           <p:nvPr/>
         </p:nvGrpSpPr>
         <p:grpSpPr>
-          <a:xfrm rot="0">
+          <a:xfrm>
             <a:off x="9144000" y="7792994"/>
             <a:ext cx="2290386" cy="972738"/>
             <a:chOff x="0" y="0"/>
@@ -10845,12 +11331,12 @@
         </p:grpSpPr>
         <p:sp>
           <p:nvSpPr>
-            <p:cNvPr name="Freeform 12" id="12"/>
+            <p:cNvPr id="12" name="Freeform 12"/>
             <p:cNvSpPr/>
             <p:nvPr/>
           </p:nvSpPr>
           <p:spPr>
-            <a:xfrm flipH="false" flipV="false" rot="0">
+            <a:xfrm>
               <a:off x="0" y="0"/>
               <a:ext cx="962532" cy="408792"/>
             </a:xfrm>
@@ -10859,9 +11345,9 @@
               <a:gdLst/>
               <a:ahLst/>
               <a:cxnLst/>
-              <a:rect r="r" b="b" t="t" l="l"/>
+              <a:rect l="l" t="t" r="r" b="b"/>
               <a:pathLst>
-                <a:path h="408792" w="962532">
+                <a:path w="962532" h="408792">
                   <a:moveTo>
                     <a:pt x="172389" y="0"/>
                   </a:moveTo>
@@ -10916,7 +11402,7 @@
                 </a:path>
               </a:pathLst>
             </a:custGeom>
-            <a:gradFill rotWithShape="true">
+            <a:gradFill rotWithShape="1">
               <a:gsLst>
                 <a:gs pos="0">
                   <a:srgbClr val="0EE65E">
@@ -10932,11 +11418,18 @@
               <a:lin ang="0"/>
             </a:gradFill>
           </p:spPr>
+          <p:txBody>
+            <a:bodyPr/>
+            <a:lstStyle/>
+            <a:p>
+              <a:endParaRPr lang="es-EC"/>
+            </a:p>
+          </p:txBody>
         </p:sp>
         <p:sp>
           <p:nvSpPr>
-            <p:cNvPr name="TextBox 13" id="13"/>
-            <p:cNvSpPr txBox="true"/>
+            <p:cNvPr id="13" name="TextBox 13"/>
+            <p:cNvSpPr txBox="1"/>
             <p:nvPr/>
           </p:nvSpPr>
           <p:spPr>
@@ -10949,7 +11442,7 @@
             </a:prstGeom>
           </p:spPr>
           <p:txBody>
-            <a:bodyPr anchor="ctr" rtlCol="false" tIns="50800" lIns="50800" bIns="50800" rIns="50800"/>
+            <a:bodyPr lIns="50800" tIns="50800" rIns="50800" bIns="50800" rtlCol="0" anchor="ctr"/>
             <a:lstStyle/>
             <a:p>
               <a:pPr algn="ctr">
@@ -10960,18 +11453,19 @@
                   <a:spcPct val="0"/>
                 </a:spcBef>
               </a:pPr>
+              <a:endParaRPr/>
             </a:p>
           </p:txBody>
         </p:sp>
       </p:grpSp>
       <p:sp>
         <p:nvSpPr>
-          <p:cNvPr name="TextBox 14" id="14"/>
-          <p:cNvSpPr txBox="true"/>
+          <p:cNvPr id="14" name="TextBox 14"/>
+          <p:cNvSpPr txBox="1"/>
           <p:nvPr/>
         </p:nvSpPr>
         <p:spPr>
-          <a:xfrm rot="0">
+          <a:xfrm>
             <a:off x="11097395" y="6366068"/>
             <a:ext cx="6917486" cy="592455"/>
           </a:xfrm>
@@ -10980,7 +11474,7 @@
           </a:prstGeom>
         </p:spPr>
         <p:txBody>
-          <a:bodyPr anchor="t" rtlCol="false" tIns="0" lIns="0" bIns="0" rIns="0">
+          <a:bodyPr lIns="0" tIns="0" rIns="0" bIns="0" rtlCol="0" anchor="t">
             <a:spAutoFit/>
           </a:bodyPr>
           <a:lstStyle/>
@@ -11004,12 +11498,12 @@
       </p:sp>
       <p:sp>
         <p:nvSpPr>
-          <p:cNvPr name="TextBox 15" id="15"/>
-          <p:cNvSpPr txBox="true"/>
+          <p:cNvPr id="15" name="TextBox 15"/>
+          <p:cNvSpPr txBox="1"/>
           <p:nvPr/>
         </p:nvSpPr>
         <p:spPr>
-          <a:xfrm rot="0">
+          <a:xfrm>
             <a:off x="11097395" y="7592252"/>
             <a:ext cx="3315823" cy="1173480"/>
           </a:xfrm>
@@ -11018,7 +11512,7 @@
           </a:prstGeom>
         </p:spPr>
         <p:txBody>
-          <a:bodyPr anchor="t" rtlCol="false" tIns="0" lIns="0" bIns="0" rIns="0">
+          <a:bodyPr lIns="0" tIns="0" rIns="0" bIns="0" rtlCol="0" anchor="t">
             <a:spAutoFit/>
           </a:bodyPr>
           <a:lstStyle/>
@@ -11058,12 +11552,12 @@
       </p:sp>
       <p:sp>
         <p:nvSpPr>
-          <p:cNvPr name="TextBox 16" id="16"/>
-          <p:cNvSpPr txBox="true"/>
+          <p:cNvPr id="16" name="TextBox 16"/>
+          <p:cNvSpPr txBox="1"/>
           <p:nvPr/>
         </p:nvSpPr>
         <p:spPr>
-          <a:xfrm rot="0">
+          <a:xfrm>
             <a:off x="1028700" y="5000625"/>
             <a:ext cx="7701783" cy="4570719"/>
           </a:xfrm>
@@ -11072,7 +11566,7 @@
           </a:prstGeom>
         </p:spPr>
         <p:txBody>
-          <a:bodyPr anchor="t" rtlCol="false" tIns="0" lIns="0" bIns="0" rIns="0">
+          <a:bodyPr lIns="0" tIns="0" rIns="0" bIns="0" rtlCol="0" anchor="t">
             <a:spAutoFit/>
           </a:bodyPr>
           <a:lstStyle/>
@@ -11112,12 +11606,12 @@
       </p:sp>
       <p:sp>
         <p:nvSpPr>
-          <p:cNvPr name="TextBox 17" id="17"/>
-          <p:cNvSpPr txBox="true"/>
+          <p:cNvPr id="17" name="TextBox 17"/>
+          <p:cNvSpPr txBox="1"/>
           <p:nvPr/>
         </p:nvSpPr>
         <p:spPr>
-          <a:xfrm rot="0">
+          <a:xfrm>
             <a:off x="1942192" y="1243437"/>
             <a:ext cx="3541832" cy="403506"/>
           </a:xfrm>
@@ -11126,7 +11620,7 @@
           </a:prstGeom>
         </p:spPr>
         <p:txBody>
-          <a:bodyPr anchor="t" rtlCol="false" tIns="0" lIns="0" bIns="0" rIns="0">
+          <a:bodyPr lIns="0" tIns="0" rIns="0" bIns="0" rtlCol="0" anchor="t">
             <a:spAutoFit/>
           </a:bodyPr>
           <a:lstStyle/>
@@ -11150,12 +11644,12 @@
       </p:sp>
       <p:grpSp>
         <p:nvGrpSpPr>
-          <p:cNvPr name="Group 18" id="18"/>
+          <p:cNvPr id="18" name="Group 18"/>
           <p:cNvGrpSpPr/>
           <p:nvPr/>
         </p:nvGrpSpPr>
         <p:grpSpPr>
-          <a:xfrm rot="0">
+          <a:xfrm>
             <a:off x="1485381" y="1314915"/>
             <a:ext cx="306590" cy="279599"/>
             <a:chOff x="0" y="0"/>
@@ -11164,12 +11658,12 @@
         </p:grpSpPr>
         <p:sp>
           <p:nvSpPr>
-            <p:cNvPr name="Freeform 19" id="19"/>
+            <p:cNvPr id="19" name="Freeform 19"/>
             <p:cNvSpPr/>
             <p:nvPr/>
           </p:nvSpPr>
           <p:spPr>
-            <a:xfrm flipH="false" flipV="false" rot="0">
+            <a:xfrm>
               <a:off x="0" y="0"/>
               <a:ext cx="80748" cy="73639"/>
             </a:xfrm>
@@ -11178,9 +11672,9 @@
               <a:gdLst/>
               <a:ahLst/>
               <a:cxnLst/>
-              <a:rect r="r" b="b" t="t" l="l"/>
+              <a:rect l="l" t="t" r="r" b="b"/>
               <a:pathLst>
-                <a:path h="73639" w="80748">
+                <a:path w="80748" h="73639">
                   <a:moveTo>
                     <a:pt x="0" y="0"/>
                   </a:moveTo>
@@ -11201,11 +11695,18 @@
               <a:srgbClr val="0EE65E"/>
             </a:solidFill>
           </p:spPr>
+          <p:txBody>
+            <a:bodyPr/>
+            <a:lstStyle/>
+            <a:p>
+              <a:endParaRPr lang="es-EC"/>
+            </a:p>
+          </p:txBody>
         </p:sp>
         <p:sp>
           <p:nvSpPr>
-            <p:cNvPr name="TextBox 20" id="20"/>
-            <p:cNvSpPr txBox="true"/>
+            <p:cNvPr id="20" name="TextBox 20"/>
+            <p:cNvSpPr txBox="1"/>
             <p:nvPr/>
           </p:nvSpPr>
           <p:spPr>
@@ -11218,7 +11719,7 @@
             </a:prstGeom>
           </p:spPr>
           <p:txBody>
-            <a:bodyPr anchor="ctr" rtlCol="false" tIns="50800" lIns="50800" bIns="50800" rIns="50800"/>
+            <a:bodyPr lIns="50800" tIns="50800" rIns="50800" bIns="50800" rtlCol="0" anchor="ctr"/>
             <a:lstStyle/>
             <a:p>
               <a:pPr algn="ctr">
@@ -11226,18 +11727,19 @@
                   <a:spcPts val="2964"/>
                 </a:lnSpc>
               </a:pPr>
+              <a:endParaRPr/>
             </a:p>
           </p:txBody>
         </p:sp>
       </p:grpSp>
       <p:grpSp>
         <p:nvGrpSpPr>
-          <p:cNvPr name="Group 21" id="21"/>
+          <p:cNvPr id="21" name="Group 21"/>
           <p:cNvGrpSpPr/>
           <p:nvPr/>
         </p:nvGrpSpPr>
         <p:grpSpPr>
-          <a:xfrm rot="0">
+          <a:xfrm>
             <a:off x="10868018" y="-992598"/>
             <a:ext cx="6229357" cy="3830719"/>
             <a:chOff x="0" y="0"/>
@@ -11246,12 +11748,12 @@
         </p:grpSpPr>
         <p:sp>
           <p:nvSpPr>
-            <p:cNvPr name="Freeform 22" id="22"/>
+            <p:cNvPr id="22" name="Freeform 22"/>
             <p:cNvSpPr/>
             <p:nvPr/>
           </p:nvSpPr>
           <p:spPr>
-            <a:xfrm flipH="false" flipV="false" rot="0">
+            <a:xfrm>
               <a:off x="0" y="0"/>
               <a:ext cx="1640654" cy="1008914"/>
             </a:xfrm>
@@ -11260,9 +11762,9 @@
               <a:gdLst/>
               <a:ahLst/>
               <a:cxnLst/>
-              <a:rect r="r" b="b" t="t" l="l"/>
+              <a:rect l="l" t="t" r="r" b="b"/>
               <a:pathLst>
-                <a:path h="1008914" w="1640654">
+                <a:path w="1640654" h="1008914">
                   <a:moveTo>
                     <a:pt x="0" y="0"/>
                   </a:moveTo>
@@ -11283,11 +11785,18 @@
               <a:srgbClr val="0EE65E"/>
             </a:solidFill>
           </p:spPr>
+          <p:txBody>
+            <a:bodyPr/>
+            <a:lstStyle/>
+            <a:p>
+              <a:endParaRPr lang="es-EC"/>
+            </a:p>
+          </p:txBody>
         </p:sp>
         <p:sp>
           <p:nvSpPr>
-            <p:cNvPr name="TextBox 23" id="23"/>
-            <p:cNvSpPr txBox="true"/>
+            <p:cNvPr id="23" name="TextBox 23"/>
+            <p:cNvSpPr txBox="1"/>
             <p:nvPr/>
           </p:nvSpPr>
           <p:spPr>
@@ -11300,7 +11809,7 @@
             </a:prstGeom>
           </p:spPr>
           <p:txBody>
-            <a:bodyPr anchor="ctr" rtlCol="false" tIns="50800" lIns="50800" bIns="50800" rIns="50800"/>
+            <a:bodyPr lIns="50800" tIns="50800" rIns="50800" bIns="50800" rtlCol="0" anchor="ctr"/>
             <a:lstStyle/>
             <a:p>
               <a:pPr algn="ctr">
@@ -11308,18 +11817,19 @@
                   <a:spcPts val="2964"/>
                 </a:lnSpc>
               </a:pPr>
+              <a:endParaRPr/>
             </a:p>
           </p:txBody>
         </p:sp>
       </p:grpSp>
       <p:sp>
         <p:nvSpPr>
-          <p:cNvPr name="TextBox 24" id="24"/>
-          <p:cNvSpPr txBox="true"/>
+          <p:cNvPr id="24" name="TextBox 24"/>
+          <p:cNvSpPr txBox="1"/>
           <p:nvPr/>
         </p:nvSpPr>
         <p:spPr>
-          <a:xfrm rot="0">
+          <a:xfrm>
             <a:off x="9655187" y="4551045"/>
             <a:ext cx="1098516" cy="592455"/>
           </a:xfrm>
@@ -11328,7 +11838,7 @@
           </a:prstGeom>
         </p:spPr>
         <p:txBody>
-          <a:bodyPr anchor="t" rtlCol="false" tIns="0" lIns="0" bIns="0" rIns="0">
+          <a:bodyPr lIns="0" tIns="0" rIns="0" bIns="0" rtlCol="0" anchor="t">
             <a:spAutoFit/>
           </a:bodyPr>
           <a:lstStyle/>
@@ -11352,12 +11862,12 @@
       </p:sp>
       <p:sp>
         <p:nvSpPr>
-          <p:cNvPr name="TextBox 25" id="25"/>
-          <p:cNvSpPr txBox="true"/>
+          <p:cNvPr id="25" name="TextBox 25"/>
+          <p:cNvSpPr txBox="1"/>
           <p:nvPr/>
         </p:nvSpPr>
         <p:spPr>
-          <a:xfrm rot="0">
+          <a:xfrm>
             <a:off x="9311495" y="6316221"/>
             <a:ext cx="1556524" cy="720724"/>
           </a:xfrm>
@@ -11366,7 +11876,7 @@
           </a:prstGeom>
         </p:spPr>
         <p:txBody>
-          <a:bodyPr anchor="t" rtlCol="false" tIns="0" lIns="0" bIns="0" rIns="0">
+          <a:bodyPr lIns="0" tIns="0" rIns="0" bIns="0" rtlCol="0" anchor="t">
             <a:spAutoFit/>
           </a:bodyPr>
           <a:lstStyle/>
@@ -11390,12 +11900,12 @@
       </p:sp>
       <p:sp>
         <p:nvSpPr>
-          <p:cNvPr name="TextBox 26" id="26"/>
-          <p:cNvSpPr txBox="true"/>
+          <p:cNvPr id="26" name="TextBox 26"/>
+          <p:cNvSpPr txBox="1"/>
           <p:nvPr/>
         </p:nvSpPr>
         <p:spPr>
-          <a:xfrm rot="0">
+          <a:xfrm>
             <a:off x="9311495" y="8061876"/>
             <a:ext cx="1671212" cy="368299"/>
           </a:xfrm>
@@ -11404,7 +11914,7 @@
           </a:prstGeom>
         </p:spPr>
         <p:txBody>
-          <a:bodyPr anchor="t" rtlCol="false" tIns="0" lIns="0" bIns="0" rIns="0">
+          <a:bodyPr lIns="0" tIns="0" rIns="0" bIns="0" rtlCol="0" anchor="t">
             <a:spAutoFit/>
           </a:bodyPr>
           <a:lstStyle/>
@@ -11435,13 +11945,14 @@
 </file>
 
 <file path=ppt/slides/slide6.xml><?xml version="1.0" encoding="utf-8"?>
-<p:sld xmlns:p="http://schemas.openxmlformats.org/presentationml/2006/main" xmlns:a="http://schemas.openxmlformats.org/drawingml/2006/main" xmlns:r="http://schemas.openxmlformats.org/officeDocument/2006/relationships">
+<p:sld xmlns:a="http://schemas.openxmlformats.org/drawingml/2006/main" xmlns:r="http://schemas.openxmlformats.org/officeDocument/2006/relationships" xmlns:p="http://schemas.openxmlformats.org/presentationml/2006/main">
   <p:cSld>
     <p:bg>
       <p:bgPr>
         <a:solidFill>
           <a:srgbClr val="000000"/>
         </a:solidFill>
+        <a:effectLst/>
       </p:bgPr>
     </p:bg>
     <p:spTree>
@@ -11460,12 +11971,12 @@
       </p:grpSpPr>
       <p:sp>
         <p:nvSpPr>
-          <p:cNvPr name="TextBox 2" id="2"/>
-          <p:cNvSpPr txBox="true"/>
+          <p:cNvPr id="2" name="TextBox 2"/>
+          <p:cNvSpPr txBox="1"/>
           <p:nvPr/>
         </p:nvSpPr>
         <p:spPr>
-          <a:xfrm rot="0">
+          <a:xfrm>
             <a:off x="1942192" y="1243437"/>
             <a:ext cx="3541832" cy="403506"/>
           </a:xfrm>
@@ -11474,7 +11985,7 @@
           </a:prstGeom>
         </p:spPr>
         <p:txBody>
-          <a:bodyPr anchor="t" rtlCol="false" tIns="0" lIns="0" bIns="0" rIns="0">
+          <a:bodyPr lIns="0" tIns="0" rIns="0" bIns="0" rtlCol="0" anchor="t">
             <a:spAutoFit/>
           </a:bodyPr>
           <a:lstStyle/>
@@ -11498,12 +12009,12 @@
       </p:sp>
       <p:grpSp>
         <p:nvGrpSpPr>
-          <p:cNvPr name="Group 3" id="3"/>
+          <p:cNvPr id="3" name="Group 3"/>
           <p:cNvGrpSpPr/>
           <p:nvPr/>
         </p:nvGrpSpPr>
         <p:grpSpPr>
-          <a:xfrm rot="0">
+          <a:xfrm>
             <a:off x="1485381" y="1314915"/>
             <a:ext cx="306590" cy="279599"/>
             <a:chOff x="0" y="0"/>
@@ -11512,12 +12023,12 @@
         </p:grpSpPr>
         <p:sp>
           <p:nvSpPr>
-            <p:cNvPr name="Freeform 4" id="4"/>
+            <p:cNvPr id="4" name="Freeform 4"/>
             <p:cNvSpPr/>
             <p:nvPr/>
           </p:nvSpPr>
           <p:spPr>
-            <a:xfrm flipH="false" flipV="false" rot="0">
+            <a:xfrm>
               <a:off x="0" y="0"/>
               <a:ext cx="80748" cy="73639"/>
             </a:xfrm>
@@ -11526,9 +12037,9 @@
               <a:gdLst/>
               <a:ahLst/>
               <a:cxnLst/>
-              <a:rect r="r" b="b" t="t" l="l"/>
+              <a:rect l="l" t="t" r="r" b="b"/>
               <a:pathLst>
-                <a:path h="73639" w="80748">
+                <a:path w="80748" h="73639">
                   <a:moveTo>
                     <a:pt x="0" y="0"/>
                   </a:moveTo>
@@ -11549,11 +12060,18 @@
               <a:srgbClr val="0EE65E"/>
             </a:solidFill>
           </p:spPr>
+          <p:txBody>
+            <a:bodyPr/>
+            <a:lstStyle/>
+            <a:p>
+              <a:endParaRPr lang="es-EC"/>
+            </a:p>
+          </p:txBody>
         </p:sp>
         <p:sp>
           <p:nvSpPr>
-            <p:cNvPr name="TextBox 5" id="5"/>
-            <p:cNvSpPr txBox="true"/>
+            <p:cNvPr id="5" name="TextBox 5"/>
+            <p:cNvSpPr txBox="1"/>
             <p:nvPr/>
           </p:nvSpPr>
           <p:spPr>
@@ -11566,7 +12084,7 @@
             </a:prstGeom>
           </p:spPr>
           <p:txBody>
-            <a:bodyPr anchor="ctr" rtlCol="false" tIns="50800" lIns="50800" bIns="50800" rIns="50800"/>
+            <a:bodyPr lIns="50800" tIns="50800" rIns="50800" bIns="50800" rtlCol="0" anchor="ctr"/>
             <a:lstStyle/>
             <a:p>
               <a:pPr algn="ctr">
@@ -11574,18 +12092,19 @@
                   <a:spcPts val="2964"/>
                 </a:lnSpc>
               </a:pPr>
+              <a:endParaRPr/>
             </a:p>
           </p:txBody>
         </p:sp>
       </p:grpSp>
       <p:sp>
         <p:nvSpPr>
-          <p:cNvPr name="Freeform 6" id="6"/>
+          <p:cNvPr id="6" name="Freeform 6"/>
           <p:cNvSpPr/>
           <p:nvPr/>
         </p:nvSpPr>
         <p:spPr>
-          <a:xfrm flipH="false" flipV="false" rot="0">
+          <a:xfrm>
             <a:off x="-7027046" y="-8539524"/>
             <a:ext cx="12167667" cy="12167667"/>
           </a:xfrm>
@@ -11594,9 +12113,9 @@
             <a:gdLst/>
             <a:ahLst/>
             <a:cxnLst/>
-            <a:rect r="r" b="b" t="t" l="l"/>
+            <a:rect l="l" t="t" r="r" b="b"/>
             <a:pathLst>
-              <a:path h="12167667" w="12167667">
+              <a:path w="12167667" h="12167667">
                 <a:moveTo>
                   <a:pt x="0" y="0"/>
                 </a:moveTo>
@@ -11625,19 +12144,26 @@
               </a:extLst>
             </a:blip>
             <a:stretch>
-              <a:fillRect l="0" t="0" r="0" b="0"/>
+              <a:fillRect/>
             </a:stretch>
           </a:blipFill>
         </p:spPr>
-      </p:sp>
-      <p:sp>
-        <p:nvSpPr>
-          <p:cNvPr name="TextBox 7" id="7"/>
-          <p:cNvSpPr txBox="true"/>
+        <p:txBody>
+          <a:bodyPr/>
+          <a:lstStyle/>
+          <a:p>
+            <a:endParaRPr lang="es-EC"/>
+          </a:p>
+        </p:txBody>
+      </p:sp>
+      <p:sp>
+        <p:nvSpPr>
+          <p:cNvPr id="7" name="TextBox 7"/>
+          <p:cNvSpPr txBox="1"/>
           <p:nvPr/>
         </p:nvSpPr>
         <p:spPr>
-          <a:xfrm rot="0">
+          <a:xfrm>
             <a:off x="404228" y="1589792"/>
             <a:ext cx="7960404" cy="2886075"/>
           </a:xfrm>
@@ -11646,7 +12172,7 @@
           </a:prstGeom>
         </p:spPr>
         <p:txBody>
-          <a:bodyPr anchor="t" rtlCol="false" tIns="0" lIns="0" bIns="0" rIns="0">
+          <a:bodyPr lIns="0" tIns="0" rIns="0" bIns="0" rtlCol="0" anchor="t">
             <a:spAutoFit/>
           </a:bodyPr>
           <a:lstStyle/>
@@ -11670,12 +12196,12 @@
       </p:sp>
       <p:sp>
         <p:nvSpPr>
-          <p:cNvPr name="TextBox 8" id="8"/>
-          <p:cNvSpPr txBox="true"/>
+          <p:cNvPr id="8" name="TextBox 8"/>
+          <p:cNvSpPr txBox="1"/>
           <p:nvPr/>
         </p:nvSpPr>
         <p:spPr>
-          <a:xfrm rot="0">
+          <a:xfrm>
             <a:off x="522447" y="4380617"/>
             <a:ext cx="7574580" cy="2302202"/>
           </a:xfrm>
@@ -11684,7 +12210,7 @@
           </a:prstGeom>
         </p:spPr>
         <p:txBody>
-          <a:bodyPr anchor="t" rtlCol="false" tIns="0" lIns="0" bIns="0" rIns="0">
+          <a:bodyPr lIns="0" tIns="0" rIns="0" bIns="0" rtlCol="0" anchor="t">
             <a:spAutoFit/>
           </a:bodyPr>
           <a:lstStyle/>
@@ -11708,12 +12234,12 @@
       </p:sp>
       <p:grpSp>
         <p:nvGrpSpPr>
-          <p:cNvPr name="Group 9" id="9"/>
+          <p:cNvPr id="9" name="Group 9"/>
           <p:cNvGrpSpPr/>
           <p:nvPr/>
         </p:nvGrpSpPr>
         <p:grpSpPr>
-          <a:xfrm rot="0">
+          <a:xfrm>
             <a:off x="522447" y="7027685"/>
             <a:ext cx="864438" cy="871309"/>
             <a:chOff x="0" y="0"/>
@@ -11722,12 +12248,12 @@
         </p:grpSpPr>
         <p:sp>
           <p:nvSpPr>
-            <p:cNvPr name="Freeform 10" id="10"/>
+            <p:cNvPr id="10" name="Freeform 10"/>
             <p:cNvSpPr/>
             <p:nvPr/>
           </p:nvSpPr>
           <p:spPr>
-            <a:xfrm flipH="false" flipV="false" rot="0">
+            <a:xfrm>
               <a:off x="0" y="0"/>
               <a:ext cx="954836" cy="962425"/>
             </a:xfrm>
@@ -11736,9 +12262,9 @@
               <a:gdLst/>
               <a:ahLst/>
               <a:cxnLst/>
-              <a:rect r="r" b="b" t="t" l="l"/>
+              <a:rect l="l" t="t" r="r" b="b"/>
               <a:pathLst>
-                <a:path h="962425" w="954836">
+                <a:path w="954836" h="962425">
                   <a:moveTo>
                     <a:pt x="477418" y="0"/>
                   </a:moveTo>
@@ -11770,11 +12296,18 @@
               <a:srgbClr val="0EE65E"/>
             </a:solidFill>
           </p:spPr>
+          <p:txBody>
+            <a:bodyPr/>
+            <a:lstStyle/>
+            <a:p>
+              <a:endParaRPr lang="es-EC"/>
+            </a:p>
+          </p:txBody>
         </p:sp>
         <p:sp>
           <p:nvSpPr>
-            <p:cNvPr name="TextBox 11" id="11"/>
-            <p:cNvSpPr txBox="true"/>
+            <p:cNvPr id="11" name="TextBox 11"/>
+            <p:cNvSpPr txBox="1"/>
             <p:nvPr/>
           </p:nvSpPr>
           <p:spPr>
@@ -11787,7 +12320,7 @@
             </a:prstGeom>
           </p:spPr>
           <p:txBody>
-            <a:bodyPr anchor="ctr" rtlCol="false" tIns="50800" lIns="50800" bIns="50800" rIns="50800"/>
+            <a:bodyPr lIns="50800" tIns="50800" rIns="50800" bIns="50800" rtlCol="0" anchor="ctr"/>
             <a:lstStyle/>
             <a:p>
               <a:pPr algn="ctr">
@@ -11810,12 +12343,12 @@
       </p:grpSp>
       <p:sp>
         <p:nvSpPr>
-          <p:cNvPr name="TextBox 12" id="12"/>
-          <p:cNvSpPr txBox="true"/>
+          <p:cNvPr id="12" name="TextBox 12"/>
+          <p:cNvSpPr txBox="1"/>
           <p:nvPr/>
         </p:nvSpPr>
         <p:spPr>
-          <a:xfrm rot="0">
+          <a:xfrm>
             <a:off x="522447" y="7784695"/>
             <a:ext cx="7067174" cy="2117488"/>
           </a:xfrm>
@@ -11824,7 +12357,7 @@
           </a:prstGeom>
         </p:spPr>
         <p:txBody>
-          <a:bodyPr anchor="t" rtlCol="false" tIns="0" lIns="0" bIns="0" rIns="0">
+          <a:bodyPr lIns="0" tIns="0" rIns="0" bIns="0" rtlCol="0" anchor="t">
             <a:spAutoFit/>
           </a:bodyPr>
           <a:lstStyle/>
@@ -11848,12 +12381,12 @@
       </p:sp>
       <p:sp>
         <p:nvSpPr>
-          <p:cNvPr name="TextBox 13" id="13"/>
-          <p:cNvSpPr txBox="true"/>
+          <p:cNvPr id="13" name="TextBox 13"/>
+          <p:cNvSpPr txBox="1"/>
           <p:nvPr/>
         </p:nvSpPr>
         <p:spPr>
-          <a:xfrm rot="0">
+          <a:xfrm>
             <a:off x="1639680" y="7193388"/>
             <a:ext cx="5949941" cy="462180"/>
           </a:xfrm>
@@ -11862,7 +12395,7 @@
           </a:prstGeom>
         </p:spPr>
         <p:txBody>
-          <a:bodyPr anchor="t" rtlCol="false" tIns="0" lIns="0" bIns="0" rIns="0">
+          <a:bodyPr lIns="0" tIns="0" rIns="0" bIns="0" rtlCol="0" anchor="t">
             <a:spAutoFit/>
           </a:bodyPr>
           <a:lstStyle/>
@@ -11886,12 +12419,12 @@
       </p:sp>
       <p:grpSp>
         <p:nvGrpSpPr>
-          <p:cNvPr name="Group 14" id="14"/>
+          <p:cNvPr id="14" name="Group 14"/>
           <p:cNvGrpSpPr/>
           <p:nvPr/>
         </p:nvGrpSpPr>
         <p:grpSpPr>
-          <a:xfrm rot="0">
+          <a:xfrm>
             <a:off x="9144000" y="391177"/>
             <a:ext cx="789798" cy="871309"/>
             <a:chOff x="0" y="0"/>
@@ -11900,12 +12433,12 @@
         </p:grpSpPr>
         <p:sp>
           <p:nvSpPr>
-            <p:cNvPr name="Freeform 15" id="15"/>
+            <p:cNvPr id="15" name="Freeform 15"/>
             <p:cNvSpPr/>
             <p:nvPr/>
           </p:nvSpPr>
           <p:spPr>
-            <a:xfrm flipH="false" flipV="false" rot="0">
+            <a:xfrm>
               <a:off x="0" y="0"/>
               <a:ext cx="872390" cy="962425"/>
             </a:xfrm>
@@ -11914,9 +12447,9 @@
               <a:gdLst/>
               <a:ahLst/>
               <a:cxnLst/>
-              <a:rect r="r" b="b" t="t" l="l"/>
+              <a:rect l="l" t="t" r="r" b="b"/>
               <a:pathLst>
-                <a:path h="962425" w="872390">
+                <a:path w="872390" h="962425">
                   <a:moveTo>
                     <a:pt x="436195" y="0"/>
                   </a:moveTo>
@@ -11948,11 +12481,18 @@
               <a:srgbClr val="0EE65E"/>
             </a:solidFill>
           </p:spPr>
+          <p:txBody>
+            <a:bodyPr/>
+            <a:lstStyle/>
+            <a:p>
+              <a:endParaRPr lang="es-EC"/>
+            </a:p>
+          </p:txBody>
         </p:sp>
         <p:sp>
           <p:nvSpPr>
-            <p:cNvPr name="TextBox 16" id="16"/>
-            <p:cNvSpPr txBox="true"/>
+            <p:cNvPr id="16" name="TextBox 16"/>
+            <p:cNvSpPr txBox="1"/>
             <p:nvPr/>
           </p:nvSpPr>
           <p:spPr>
@@ -11965,7 +12505,7 @@
             </a:prstGeom>
           </p:spPr>
           <p:txBody>
-            <a:bodyPr anchor="ctr" rtlCol="false" tIns="50800" lIns="50800" bIns="50800" rIns="50800"/>
+            <a:bodyPr lIns="50800" tIns="50800" rIns="50800" bIns="50800" rtlCol="0" anchor="ctr"/>
             <a:lstStyle/>
             <a:p>
               <a:pPr algn="ctr">
@@ -11988,12 +12528,12 @@
       </p:grpSp>
       <p:sp>
         <p:nvSpPr>
-          <p:cNvPr name="TextBox 17" id="17"/>
-          <p:cNvSpPr txBox="true"/>
+          <p:cNvPr id="17" name="TextBox 17"/>
+          <p:cNvSpPr txBox="1"/>
           <p:nvPr/>
         </p:nvSpPr>
         <p:spPr>
-          <a:xfrm rot="0">
+          <a:xfrm>
             <a:off x="9144000" y="1349939"/>
             <a:ext cx="8933591" cy="8432263"/>
           </a:xfrm>
@@ -12002,7 +12542,7 @@
           </a:prstGeom>
         </p:spPr>
         <p:txBody>
-          <a:bodyPr anchor="t" rtlCol="false" tIns="0" lIns="0" bIns="0" rIns="0">
+          <a:bodyPr lIns="0" tIns="0" rIns="0" bIns="0" rtlCol="0" anchor="t">
             <a:spAutoFit/>
           </a:bodyPr>
           <a:lstStyle/>
@@ -12013,13 +12553,58 @@
               </a:lnSpc>
             </a:pPr>
             <a:r>
-              <a:rPr lang="en-US" sz="3646">
+              <a:rPr lang="en-US" sz="3646" dirty="0" err="1">
                 <a:solidFill>
                   <a:srgbClr val="0EE65E"/>
                 </a:solidFill>
                 <a:latin typeface="Poppins Bold"/>
               </a:rPr>
-              <a:t>sudo tee /etc/yum.repos.d/mongodb-org-4.4.repo &lt;&lt; EOF</a:t>
+              <a:t>sudo</a:t>
+            </a:r>
+            <a:r>
+              <a:rPr lang="en-US" sz="3646" dirty="0">
+                <a:solidFill>
+                  <a:srgbClr val="0EE65E"/>
+                </a:solidFill>
+                <a:latin typeface="Poppins Bold"/>
+              </a:rPr>
+              <a:t> tee /</a:t>
+            </a:r>
+            <a:r>
+              <a:rPr lang="en-US" sz="3646" dirty="0" err="1">
+                <a:solidFill>
+                  <a:srgbClr val="0EE65E"/>
+                </a:solidFill>
+                <a:latin typeface="Poppins Bold"/>
+              </a:rPr>
+              <a:t>etc</a:t>
+            </a:r>
+            <a:r>
+              <a:rPr lang="en-US" sz="3646" dirty="0">
+                <a:solidFill>
+                  <a:srgbClr val="0EE65E"/>
+                </a:solidFill>
+                <a:latin typeface="Poppins Bold"/>
+              </a:rPr>
+              <a:t>/</a:t>
+            </a:r>
+            <a:r>
+              <a:rPr lang="en-US" sz="3646" dirty="0" err="1">
+                <a:solidFill>
+                  <a:srgbClr val="0EE65E"/>
+                </a:solidFill>
+                <a:latin typeface="Poppins Bold"/>
+              </a:rPr>
+              <a:t>yum.repos.d</a:t>
+            </a:r>
+            <a:r>
+              <a:rPr lang="en-US" sz="3646" dirty="0">
+                <a:solidFill>
+                  <a:srgbClr val="0EE65E"/>
+                </a:solidFill>
+                <a:latin typeface="Poppins Bold"/>
+              </a:rPr>
+              <a:t>/mongodb-org-4.4.repo &lt;&lt; EOF</a:t>
             </a:r>
           </a:p>
           <a:p>
@@ -12029,7 +12614,7 @@
               </a:lnSpc>
             </a:pPr>
             <a:r>
-              <a:rPr lang="en-US" sz="3646">
+              <a:rPr lang="en-US" sz="3646" dirty="0">
                 <a:solidFill>
                   <a:srgbClr val="0EE65E"/>
                 </a:solidFill>
@@ -12045,7 +12630,7 @@
               </a:lnSpc>
             </a:pPr>
             <a:r>
-              <a:rPr lang="en-US" sz="3646">
+              <a:rPr lang="en-US" sz="3646" dirty="0">
                 <a:solidFill>
                   <a:srgbClr val="0EE65E"/>
                 </a:solidFill>
@@ -12061,13 +12646,22 @@
               </a:lnSpc>
             </a:pPr>
             <a:r>
-              <a:rPr lang="en-US" sz="3646">
+              <a:rPr lang="en-US" sz="3646" dirty="0" err="1">
                 <a:solidFill>
                   <a:srgbClr val="0EE65E"/>
                 </a:solidFill>
                 <a:latin typeface="Poppins Bold"/>
               </a:rPr>
-              <a:t>baseurl=https://repo.mongodb.org/yum/redhat/8/mongodb-org/4.4/x86_64/</a:t>
+              <a:t>baseurl</a:t>
+            </a:r>
+            <a:r>
+              <a:rPr lang="en-US" sz="3646" dirty="0">
+                <a:solidFill>
+                  <a:srgbClr val="0EE65E"/>
+                </a:solidFill>
+                <a:latin typeface="Poppins Bold"/>
+              </a:rPr>
+              <a:t>=https://repo.mongodb.org/yum/redhat/8/mongodb-org/4.4/x86_64/</a:t>
             </a:r>
           </a:p>
           <a:p>
@@ -12077,13 +12671,22 @@
               </a:lnSpc>
             </a:pPr>
             <a:r>
-              <a:rPr lang="en-US" sz="3646">
+              <a:rPr lang="en-US" sz="3646" dirty="0" err="1">
                 <a:solidFill>
                   <a:srgbClr val="0EE65E"/>
                 </a:solidFill>
                 <a:latin typeface="Poppins Bold"/>
               </a:rPr>
-              <a:t>gpgcheck=1</a:t>
+              <a:t>gpgcheck</a:t>
+            </a:r>
+            <a:r>
+              <a:rPr lang="en-US" sz="3646" dirty="0">
+                <a:solidFill>
+                  <a:srgbClr val="0EE65E"/>
+                </a:solidFill>
+                <a:latin typeface="Poppins Bold"/>
+              </a:rPr>
+              <a:t>=1</a:t>
             </a:r>
           </a:p>
           <a:p>
@@ -12093,7 +12696,7 @@
               </a:lnSpc>
             </a:pPr>
             <a:r>
-              <a:rPr lang="en-US" sz="3646">
+              <a:rPr lang="en-US" sz="3646" dirty="0">
                 <a:solidFill>
                   <a:srgbClr val="0EE65E"/>
                 </a:solidFill>
@@ -12109,13 +12712,22 @@
               </a:lnSpc>
             </a:pPr>
             <a:r>
-              <a:rPr lang="en-US" sz="3646">
+              <a:rPr lang="en-US" sz="3646" dirty="0" err="1">
                 <a:solidFill>
                   <a:srgbClr val="0EE65E"/>
                 </a:solidFill>
                 <a:latin typeface="Poppins Bold"/>
               </a:rPr>
-              <a:t>gpgkey=https://www.mongodb.org/static/pgp/server-4.4.asc</a:t>
+              <a:t>gpgkey</a:t>
+            </a:r>
+            <a:r>
+              <a:rPr lang="en-US" sz="3646" dirty="0">
+                <a:solidFill>
+                  <a:srgbClr val="0EE65E"/>
+                </a:solidFill>
+                <a:latin typeface="Poppins Bold"/>
+              </a:rPr>
+              <a:t>=https://www.mongodb.org/static/pgp/server-4.4.asc</a:t>
             </a:r>
           </a:p>
           <a:p>
@@ -12125,7 +12737,7 @@
               </a:lnSpc>
             </a:pPr>
             <a:r>
-              <a:rPr lang="en-US" sz="3646">
+              <a:rPr lang="en-US" sz="3646" dirty="0">
                 <a:solidFill>
                   <a:srgbClr val="0EE65E"/>
                 </a:solidFill>
@@ -12138,12 +12750,12 @@
       </p:sp>
       <p:sp>
         <p:nvSpPr>
-          <p:cNvPr name="TextBox 18" id="18"/>
-          <p:cNvSpPr txBox="true"/>
+          <p:cNvPr id="18" name="TextBox 18"/>
+          <p:cNvSpPr txBox="1"/>
           <p:nvPr/>
         </p:nvSpPr>
         <p:spPr>
-          <a:xfrm rot="0">
+          <a:xfrm>
             <a:off x="10654324" y="556880"/>
             <a:ext cx="8043388" cy="462180"/>
           </a:xfrm>
@@ -12152,7 +12764,7 @@
           </a:prstGeom>
         </p:spPr>
         <p:txBody>
-          <a:bodyPr anchor="t" rtlCol="false" tIns="0" lIns="0" bIns="0" rIns="0">
+          <a:bodyPr lIns="0" tIns="0" rIns="0" bIns="0" rtlCol="0" anchor="t">
             <a:spAutoFit/>
           </a:bodyPr>
           <a:lstStyle/>
@@ -12183,13 +12795,14 @@
 </file>
 
 <file path=ppt/slides/slide7.xml><?xml version="1.0" encoding="utf-8"?>
-<p:sld xmlns:p="http://schemas.openxmlformats.org/presentationml/2006/main" xmlns:a="http://schemas.openxmlformats.org/drawingml/2006/main" xmlns:r="http://schemas.openxmlformats.org/officeDocument/2006/relationships">
+<p:sld xmlns:a="http://schemas.openxmlformats.org/drawingml/2006/main" xmlns:r="http://schemas.openxmlformats.org/officeDocument/2006/relationships" xmlns:p="http://schemas.openxmlformats.org/presentationml/2006/main">
   <p:cSld>
     <p:bg>
       <p:bgPr>
         <a:solidFill>
           <a:srgbClr val="000000"/>
         </a:solidFill>
+        <a:effectLst/>
       </p:bgPr>
     </p:bg>
     <p:spTree>
@@ -12208,12 +12821,12 @@
       </p:grpSpPr>
       <p:sp>
         <p:nvSpPr>
-          <p:cNvPr name="TextBox 2" id="2"/>
-          <p:cNvSpPr txBox="true"/>
+          <p:cNvPr id="2" name="TextBox 2"/>
+          <p:cNvSpPr txBox="1"/>
           <p:nvPr/>
         </p:nvSpPr>
         <p:spPr>
-          <a:xfrm rot="0">
+          <a:xfrm>
             <a:off x="1942192" y="1243437"/>
             <a:ext cx="3541832" cy="403506"/>
           </a:xfrm>
@@ -12222,7 +12835,7 @@
           </a:prstGeom>
         </p:spPr>
         <p:txBody>
-          <a:bodyPr anchor="t" rtlCol="false" tIns="0" lIns="0" bIns="0" rIns="0">
+          <a:bodyPr lIns="0" tIns="0" rIns="0" bIns="0" rtlCol="0" anchor="t">
             <a:spAutoFit/>
           </a:bodyPr>
           <a:lstStyle/>
@@ -12246,12 +12859,12 @@
       </p:sp>
       <p:grpSp>
         <p:nvGrpSpPr>
-          <p:cNvPr name="Group 3" id="3"/>
+          <p:cNvPr id="3" name="Group 3"/>
           <p:cNvGrpSpPr/>
           <p:nvPr/>
         </p:nvGrpSpPr>
         <p:grpSpPr>
-          <a:xfrm rot="0">
+          <a:xfrm>
             <a:off x="1485381" y="1314915"/>
             <a:ext cx="306590" cy="279599"/>
             <a:chOff x="0" y="0"/>
@@ -12260,12 +12873,12 @@
         </p:grpSpPr>
         <p:sp>
           <p:nvSpPr>
-            <p:cNvPr name="Freeform 4" id="4"/>
+            <p:cNvPr id="4" name="Freeform 4"/>
             <p:cNvSpPr/>
             <p:nvPr/>
           </p:nvSpPr>
           <p:spPr>
-            <a:xfrm flipH="false" flipV="false" rot="0">
+            <a:xfrm>
               <a:off x="0" y="0"/>
               <a:ext cx="80748" cy="73639"/>
             </a:xfrm>
@@ -12274,9 +12887,9 @@
               <a:gdLst/>
               <a:ahLst/>
               <a:cxnLst/>
-              <a:rect r="r" b="b" t="t" l="l"/>
+              <a:rect l="l" t="t" r="r" b="b"/>
               <a:pathLst>
-                <a:path h="73639" w="80748">
+                <a:path w="80748" h="73639">
                   <a:moveTo>
                     <a:pt x="0" y="0"/>
                   </a:moveTo>
@@ -12297,11 +12910,18 @@
               <a:srgbClr val="0EE65E"/>
             </a:solidFill>
           </p:spPr>
+          <p:txBody>
+            <a:bodyPr/>
+            <a:lstStyle/>
+            <a:p>
+              <a:endParaRPr lang="es-EC"/>
+            </a:p>
+          </p:txBody>
         </p:sp>
         <p:sp>
           <p:nvSpPr>
-            <p:cNvPr name="TextBox 5" id="5"/>
-            <p:cNvSpPr txBox="true"/>
+            <p:cNvPr id="5" name="TextBox 5"/>
+            <p:cNvSpPr txBox="1"/>
             <p:nvPr/>
           </p:nvSpPr>
           <p:spPr>
@@ -12314,7 +12934,7 @@
             </a:prstGeom>
           </p:spPr>
           <p:txBody>
-            <a:bodyPr anchor="ctr" rtlCol="false" tIns="50800" lIns="50800" bIns="50800" rIns="50800"/>
+            <a:bodyPr lIns="50800" tIns="50800" rIns="50800" bIns="50800" rtlCol="0" anchor="ctr"/>
             <a:lstStyle/>
             <a:p>
               <a:pPr algn="ctr">
@@ -12322,18 +12942,19 @@
                   <a:spcPts val="2964"/>
                 </a:lnSpc>
               </a:pPr>
+              <a:endParaRPr/>
             </a:p>
           </p:txBody>
         </p:sp>
       </p:grpSp>
       <p:sp>
         <p:nvSpPr>
-          <p:cNvPr name="Freeform 6" id="6"/>
+          <p:cNvPr id="6" name="Freeform 6"/>
           <p:cNvSpPr/>
           <p:nvPr/>
         </p:nvSpPr>
         <p:spPr>
-          <a:xfrm flipH="false" flipV="false" rot="0">
+          <a:xfrm>
             <a:off x="-6683642" y="-8539524"/>
             <a:ext cx="12167667" cy="12167667"/>
           </a:xfrm>
@@ -12342,9 +12963,9 @@
             <a:gdLst/>
             <a:ahLst/>
             <a:cxnLst/>
-            <a:rect r="r" b="b" t="t" l="l"/>
+            <a:rect l="l" t="t" r="r" b="b"/>
             <a:pathLst>
-              <a:path h="12167667" w="12167667">
+              <a:path w="12167667" h="12167667">
                 <a:moveTo>
                   <a:pt x="0" y="0"/>
                 </a:moveTo>
@@ -12373,19 +12994,26 @@
               </a:extLst>
             </a:blip>
             <a:stretch>
-              <a:fillRect l="0" t="0" r="0" b="0"/>
+              <a:fillRect/>
             </a:stretch>
           </a:blipFill>
         </p:spPr>
+        <p:txBody>
+          <a:bodyPr/>
+          <a:lstStyle/>
+          <a:p>
+            <a:endParaRPr lang="es-EC"/>
+          </a:p>
+        </p:txBody>
       </p:sp>
       <p:grpSp>
         <p:nvGrpSpPr>
-          <p:cNvPr name="Group 7" id="7"/>
+          <p:cNvPr id="7" name="Group 7"/>
           <p:cNvGrpSpPr/>
           <p:nvPr/>
         </p:nvGrpSpPr>
         <p:grpSpPr>
-          <a:xfrm rot="0">
+          <a:xfrm>
             <a:off x="1028700" y="2470249"/>
             <a:ext cx="864438" cy="871309"/>
             <a:chOff x="0" y="0"/>
@@ -12394,12 +13022,12 @@
         </p:grpSpPr>
         <p:sp>
           <p:nvSpPr>
-            <p:cNvPr name="Freeform 8" id="8"/>
+            <p:cNvPr id="8" name="Freeform 8"/>
             <p:cNvSpPr/>
             <p:nvPr/>
           </p:nvSpPr>
           <p:spPr>
-            <a:xfrm flipH="false" flipV="false" rot="0">
+            <a:xfrm>
               <a:off x="0" y="0"/>
               <a:ext cx="954836" cy="962425"/>
             </a:xfrm>
@@ -12408,9 +13036,9 @@
               <a:gdLst/>
               <a:ahLst/>
               <a:cxnLst/>
-              <a:rect r="r" b="b" t="t" l="l"/>
+              <a:rect l="l" t="t" r="r" b="b"/>
               <a:pathLst>
-                <a:path h="962425" w="954836">
+                <a:path w="954836" h="962425">
                   <a:moveTo>
                     <a:pt x="477418" y="0"/>
                   </a:moveTo>
@@ -12442,11 +13070,18 @@
               <a:srgbClr val="0EE65E"/>
             </a:solidFill>
           </p:spPr>
+          <p:txBody>
+            <a:bodyPr/>
+            <a:lstStyle/>
+            <a:p>
+              <a:endParaRPr lang="es-EC"/>
+            </a:p>
+          </p:txBody>
         </p:sp>
         <p:sp>
           <p:nvSpPr>
-            <p:cNvPr name="TextBox 9" id="9"/>
-            <p:cNvSpPr txBox="true"/>
+            <p:cNvPr id="9" name="TextBox 9"/>
+            <p:cNvSpPr txBox="1"/>
             <p:nvPr/>
           </p:nvSpPr>
           <p:spPr>
@@ -12459,7 +13094,7 @@
             </a:prstGeom>
           </p:spPr>
           <p:txBody>
-            <a:bodyPr anchor="ctr" rtlCol="false" tIns="50800" lIns="50800" bIns="50800" rIns="50800"/>
+            <a:bodyPr lIns="50800" tIns="50800" rIns="50800" bIns="50800" rtlCol="0" anchor="ctr"/>
             <a:lstStyle/>
             <a:p>
               <a:pPr algn="ctr">
@@ -12482,12 +13117,12 @@
       </p:grpSp>
       <p:sp>
         <p:nvSpPr>
-          <p:cNvPr name="TextBox 10" id="10"/>
-          <p:cNvSpPr txBox="true"/>
+          <p:cNvPr id="10" name="TextBox 10"/>
+          <p:cNvSpPr txBox="1"/>
           <p:nvPr/>
         </p:nvSpPr>
         <p:spPr>
-          <a:xfrm rot="0">
+          <a:xfrm>
             <a:off x="1028700" y="3227259"/>
             <a:ext cx="7067174" cy="715208"/>
           </a:xfrm>
@@ -12496,7 +13131,7 @@
           </a:prstGeom>
         </p:spPr>
         <p:txBody>
-          <a:bodyPr anchor="t" rtlCol="false" tIns="0" lIns="0" bIns="0" rIns="0">
+          <a:bodyPr lIns="0" tIns="0" rIns="0" bIns="0" rtlCol="0" anchor="t">
             <a:spAutoFit/>
           </a:bodyPr>
           <a:lstStyle/>
@@ -12520,12 +13155,12 @@
       </p:sp>
       <p:sp>
         <p:nvSpPr>
-          <p:cNvPr name="TextBox 11" id="11"/>
-          <p:cNvSpPr txBox="true"/>
+          <p:cNvPr id="11" name="TextBox 11"/>
+          <p:cNvSpPr txBox="1"/>
           <p:nvPr/>
         </p:nvSpPr>
         <p:spPr>
-          <a:xfrm rot="0">
+          <a:xfrm>
             <a:off x="2539024" y="2660527"/>
             <a:ext cx="6217547" cy="462180"/>
           </a:xfrm>
@@ -12534,7 +13169,7 @@
           </a:prstGeom>
         </p:spPr>
         <p:txBody>
-          <a:bodyPr anchor="t" rtlCol="false" tIns="0" lIns="0" bIns="0" rIns="0">
+          <a:bodyPr lIns="0" tIns="0" rIns="0" bIns="0" rtlCol="0" anchor="t">
             <a:spAutoFit/>
           </a:bodyPr>
           <a:lstStyle/>
@@ -12558,12 +13193,12 @@
       </p:sp>
       <p:grpSp>
         <p:nvGrpSpPr>
-          <p:cNvPr name="Group 12" id="12"/>
+          <p:cNvPr id="12" name="Group 12"/>
           <p:cNvGrpSpPr/>
           <p:nvPr/>
         </p:nvGrpSpPr>
         <p:grpSpPr>
-          <a:xfrm rot="0">
+          <a:xfrm>
             <a:off x="1028700" y="4761617"/>
             <a:ext cx="789798" cy="871309"/>
             <a:chOff x="0" y="0"/>
@@ -12572,12 +13207,12 @@
         </p:grpSpPr>
         <p:sp>
           <p:nvSpPr>
-            <p:cNvPr name="Freeform 13" id="13"/>
+            <p:cNvPr id="13" name="Freeform 13"/>
             <p:cNvSpPr/>
             <p:nvPr/>
           </p:nvSpPr>
           <p:spPr>
-            <a:xfrm flipH="false" flipV="false" rot="0">
+            <a:xfrm>
               <a:off x="0" y="0"/>
               <a:ext cx="872390" cy="962425"/>
             </a:xfrm>
@@ -12586,9 +13221,9 @@
               <a:gdLst/>
               <a:ahLst/>
               <a:cxnLst/>
-              <a:rect r="r" b="b" t="t" l="l"/>
+              <a:rect l="l" t="t" r="r" b="b"/>
               <a:pathLst>
-                <a:path h="962425" w="872390">
+                <a:path w="872390" h="962425">
                   <a:moveTo>
                     <a:pt x="436195" y="0"/>
                   </a:moveTo>
@@ -12620,11 +13255,18 @@
               <a:srgbClr val="0EE65E"/>
             </a:solidFill>
           </p:spPr>
+          <p:txBody>
+            <a:bodyPr/>
+            <a:lstStyle/>
+            <a:p>
+              <a:endParaRPr lang="es-EC"/>
+            </a:p>
+          </p:txBody>
         </p:sp>
         <p:sp>
           <p:nvSpPr>
-            <p:cNvPr name="TextBox 14" id="14"/>
-            <p:cNvSpPr txBox="true"/>
+            <p:cNvPr id="14" name="TextBox 14"/>
+            <p:cNvSpPr txBox="1"/>
             <p:nvPr/>
           </p:nvSpPr>
           <p:spPr>
@@ -12637,7 +13279,7 @@
             </a:prstGeom>
           </p:spPr>
           <p:txBody>
-            <a:bodyPr anchor="ctr" rtlCol="false" tIns="50800" lIns="50800" bIns="50800" rIns="50800"/>
+            <a:bodyPr lIns="50800" tIns="50800" rIns="50800" bIns="50800" rtlCol="0" anchor="ctr"/>
             <a:lstStyle/>
             <a:p>
               <a:pPr algn="ctr">
@@ -12660,12 +13302,12 @@
       </p:grpSp>
       <p:sp>
         <p:nvSpPr>
-          <p:cNvPr name="TextBox 15" id="15"/>
-          <p:cNvSpPr txBox="true"/>
+          <p:cNvPr id="15" name="TextBox 15"/>
+          <p:cNvSpPr txBox="1"/>
           <p:nvPr/>
         </p:nvSpPr>
         <p:spPr>
-          <a:xfrm rot="0">
+          <a:xfrm>
             <a:off x="1028700" y="5662120"/>
             <a:ext cx="9933798" cy="715208"/>
           </a:xfrm>
@@ -12674,7 +13316,7 @@
           </a:prstGeom>
         </p:spPr>
         <p:txBody>
-          <a:bodyPr anchor="t" rtlCol="false" tIns="0" lIns="0" bIns="0" rIns="0">
+          <a:bodyPr lIns="0" tIns="0" rIns="0" bIns="0" rtlCol="0" anchor="t">
             <a:spAutoFit/>
           </a:bodyPr>
           <a:lstStyle/>
@@ -12698,12 +13340,12 @@
       </p:sp>
       <p:sp>
         <p:nvSpPr>
-          <p:cNvPr name="TextBox 16" id="16"/>
-          <p:cNvSpPr txBox="true"/>
+          <p:cNvPr id="16" name="TextBox 16"/>
+          <p:cNvSpPr txBox="1"/>
           <p:nvPr/>
         </p:nvSpPr>
         <p:spPr>
-          <a:xfrm rot="0">
+          <a:xfrm>
             <a:off x="2539024" y="4927320"/>
             <a:ext cx="8043388" cy="462180"/>
           </a:xfrm>
@@ -12712,7 +13354,7 @@
           </a:prstGeom>
         </p:spPr>
         <p:txBody>
-          <a:bodyPr anchor="t" rtlCol="false" tIns="0" lIns="0" bIns="0" rIns="0">
+          <a:bodyPr lIns="0" tIns="0" rIns="0" bIns="0" rtlCol="0" anchor="t">
             <a:spAutoFit/>
           </a:bodyPr>
           <a:lstStyle/>
@@ -12736,12 +13378,12 @@
       </p:sp>
       <p:grpSp>
         <p:nvGrpSpPr>
-          <p:cNvPr name="Group 17" id="17"/>
+          <p:cNvPr id="17" name="Group 17"/>
           <p:cNvGrpSpPr/>
           <p:nvPr/>
         </p:nvGrpSpPr>
         <p:grpSpPr>
-          <a:xfrm rot="0">
+          <a:xfrm>
             <a:off x="1028700" y="7196478"/>
             <a:ext cx="789798" cy="871309"/>
             <a:chOff x="0" y="0"/>
@@ -12750,12 +13392,12 @@
         </p:grpSpPr>
         <p:sp>
           <p:nvSpPr>
-            <p:cNvPr name="Freeform 18" id="18"/>
+            <p:cNvPr id="18" name="Freeform 18"/>
             <p:cNvSpPr/>
             <p:nvPr/>
           </p:nvSpPr>
           <p:spPr>
-            <a:xfrm flipH="false" flipV="false" rot="0">
+            <a:xfrm>
               <a:off x="0" y="0"/>
               <a:ext cx="872390" cy="962425"/>
             </a:xfrm>
@@ -12764,9 +13406,9 @@
               <a:gdLst/>
               <a:ahLst/>
               <a:cxnLst/>
-              <a:rect r="r" b="b" t="t" l="l"/>
+              <a:rect l="l" t="t" r="r" b="b"/>
               <a:pathLst>
-                <a:path h="962425" w="872390">
+                <a:path w="872390" h="962425">
                   <a:moveTo>
                     <a:pt x="436195" y="0"/>
                   </a:moveTo>
@@ -12798,11 +13440,18 @@
               <a:srgbClr val="0EE65E"/>
             </a:solidFill>
           </p:spPr>
+          <p:txBody>
+            <a:bodyPr/>
+            <a:lstStyle/>
+            <a:p>
+              <a:endParaRPr lang="es-EC"/>
+            </a:p>
+          </p:txBody>
         </p:sp>
         <p:sp>
           <p:nvSpPr>
-            <p:cNvPr name="TextBox 19" id="19"/>
-            <p:cNvSpPr txBox="true"/>
+            <p:cNvPr id="19" name="TextBox 19"/>
+            <p:cNvSpPr txBox="1"/>
             <p:nvPr/>
           </p:nvSpPr>
           <p:spPr>
@@ -12815,7 +13464,7 @@
             </a:prstGeom>
           </p:spPr>
           <p:txBody>
-            <a:bodyPr anchor="ctr" rtlCol="false" tIns="50800" lIns="50800" bIns="50800" rIns="50800"/>
+            <a:bodyPr lIns="50800" tIns="50800" rIns="50800" bIns="50800" rtlCol="0" anchor="ctr"/>
             <a:lstStyle/>
             <a:p>
               <a:pPr algn="ctr">
@@ -12838,12 +13487,12 @@
       </p:grpSp>
       <p:sp>
         <p:nvSpPr>
-          <p:cNvPr name="TextBox 20" id="20"/>
-          <p:cNvSpPr txBox="true"/>
+          <p:cNvPr id="20" name="TextBox 20"/>
+          <p:cNvSpPr txBox="1"/>
           <p:nvPr/>
         </p:nvSpPr>
         <p:spPr>
-          <a:xfrm rot="0">
+          <a:xfrm>
             <a:off x="1028700" y="8096981"/>
             <a:ext cx="9933798" cy="715208"/>
           </a:xfrm>
@@ -12852,7 +13501,7 @@
           </a:prstGeom>
         </p:spPr>
         <p:txBody>
-          <a:bodyPr anchor="t" rtlCol="false" tIns="0" lIns="0" bIns="0" rIns="0">
+          <a:bodyPr lIns="0" tIns="0" rIns="0" bIns="0" rtlCol="0" anchor="t">
             <a:spAutoFit/>
           </a:bodyPr>
           <a:lstStyle/>
@@ -12876,12 +13525,12 @@
       </p:sp>
       <p:sp>
         <p:nvSpPr>
-          <p:cNvPr name="TextBox 21" id="21"/>
-          <p:cNvSpPr txBox="true"/>
+          <p:cNvPr id="21" name="TextBox 21"/>
+          <p:cNvSpPr txBox="1"/>
           <p:nvPr/>
         </p:nvSpPr>
         <p:spPr>
-          <a:xfrm rot="0">
+          <a:xfrm>
             <a:off x="2539024" y="7362181"/>
             <a:ext cx="8043388" cy="462180"/>
           </a:xfrm>
@@ -12890,7 +13539,7 @@
           </a:prstGeom>
         </p:spPr>
         <p:txBody>
-          <a:bodyPr anchor="t" rtlCol="false" tIns="0" lIns="0" bIns="0" rIns="0">
+          <a:bodyPr lIns="0" tIns="0" rIns="0" bIns="0" rtlCol="0" anchor="t">
             <a:spAutoFit/>
           </a:bodyPr>
           <a:lstStyle/>
@@ -12914,12 +13563,12 @@
       </p:sp>
       <p:grpSp>
         <p:nvGrpSpPr>
-          <p:cNvPr name="Group 22" id="22"/>
+          <p:cNvPr id="22" name="Group 22"/>
           <p:cNvGrpSpPr/>
           <p:nvPr/>
         </p:nvGrpSpPr>
         <p:grpSpPr>
-          <a:xfrm rot="0">
+          <a:xfrm>
             <a:off x="10353036" y="2905904"/>
             <a:ext cx="720772" cy="871309"/>
             <a:chOff x="0" y="0"/>
@@ -12928,12 +13577,12 @@
         </p:grpSpPr>
         <p:sp>
           <p:nvSpPr>
-            <p:cNvPr name="Freeform 23" id="23"/>
+            <p:cNvPr id="23" name="Freeform 23"/>
             <p:cNvSpPr/>
             <p:nvPr/>
           </p:nvSpPr>
           <p:spPr>
-            <a:xfrm flipH="false" flipV="false" rot="0">
+            <a:xfrm>
               <a:off x="0" y="0"/>
               <a:ext cx="796146" cy="962425"/>
             </a:xfrm>
@@ -12942,9 +13591,9 @@
               <a:gdLst/>
               <a:ahLst/>
               <a:cxnLst/>
-              <a:rect r="r" b="b" t="t" l="l"/>
+              <a:rect l="l" t="t" r="r" b="b"/>
               <a:pathLst>
-                <a:path h="962425" w="796146">
+                <a:path w="796146" h="962425">
                   <a:moveTo>
                     <a:pt x="398073" y="0"/>
                   </a:moveTo>
@@ -12976,11 +13625,18 @@
               <a:srgbClr val="0EE65E"/>
             </a:solidFill>
           </p:spPr>
+          <p:txBody>
+            <a:bodyPr/>
+            <a:lstStyle/>
+            <a:p>
+              <a:endParaRPr lang="es-EC"/>
+            </a:p>
+          </p:txBody>
         </p:sp>
         <p:sp>
           <p:nvSpPr>
-            <p:cNvPr name="TextBox 24" id="24"/>
-            <p:cNvSpPr txBox="true"/>
+            <p:cNvPr id="24" name="TextBox 24"/>
+            <p:cNvSpPr txBox="1"/>
             <p:nvPr/>
           </p:nvSpPr>
           <p:spPr>
@@ -12993,7 +13649,7 @@
             </a:prstGeom>
           </p:spPr>
           <p:txBody>
-            <a:bodyPr anchor="ctr" rtlCol="false" tIns="50800" lIns="50800" bIns="50800" rIns="50800"/>
+            <a:bodyPr lIns="50800" tIns="50800" rIns="50800" bIns="50800" rtlCol="0" anchor="ctr"/>
             <a:lstStyle/>
             <a:p>
               <a:pPr algn="ctr">
@@ -13016,12 +13672,12 @@
       </p:grpSp>
       <p:sp>
         <p:nvSpPr>
-          <p:cNvPr name="TextBox 25" id="25"/>
-          <p:cNvSpPr txBox="true"/>
+          <p:cNvPr id="25" name="TextBox 25"/>
+          <p:cNvSpPr txBox="1"/>
           <p:nvPr/>
         </p:nvSpPr>
         <p:spPr>
-          <a:xfrm rot="0">
+          <a:xfrm>
             <a:off x="10353036" y="3806407"/>
             <a:ext cx="7934964" cy="715208"/>
           </a:xfrm>
@@ -13030,7 +13686,7 @@
           </a:prstGeom>
         </p:spPr>
         <p:txBody>
-          <a:bodyPr anchor="t" rtlCol="false" tIns="0" lIns="0" bIns="0" rIns="0">
+          <a:bodyPr lIns="0" tIns="0" rIns="0" bIns="0" rtlCol="0" anchor="t">
             <a:spAutoFit/>
           </a:bodyPr>
           <a:lstStyle/>
@@ -13054,12 +13710,12 @@
       </p:sp>
       <p:sp>
         <p:nvSpPr>
-          <p:cNvPr name="TextBox 26" id="26"/>
-          <p:cNvSpPr txBox="true"/>
+          <p:cNvPr id="26" name="TextBox 26"/>
+          <p:cNvSpPr txBox="1"/>
           <p:nvPr/>
         </p:nvSpPr>
         <p:spPr>
-          <a:xfrm rot="0">
+          <a:xfrm>
             <a:off x="11524585" y="3071607"/>
             <a:ext cx="6239208" cy="462180"/>
           </a:xfrm>
@@ -13068,7 +13724,7 @@
           </a:prstGeom>
         </p:spPr>
         <p:txBody>
-          <a:bodyPr anchor="t" rtlCol="false" tIns="0" lIns="0" bIns="0" rIns="0">
+          <a:bodyPr lIns="0" tIns="0" rIns="0" bIns="0" rtlCol="0" anchor="t">
             <a:spAutoFit/>
           </a:bodyPr>
           <a:lstStyle/>
@@ -13092,12 +13748,12 @@
       </p:sp>
       <p:grpSp>
         <p:nvGrpSpPr>
-          <p:cNvPr name="Group 27" id="27"/>
+          <p:cNvPr id="27" name="Group 27"/>
           <p:cNvGrpSpPr/>
           <p:nvPr/>
         </p:nvGrpSpPr>
         <p:grpSpPr>
-          <a:xfrm rot="0">
+          <a:xfrm>
             <a:off x="9769709" y="0"/>
             <a:ext cx="157082" cy="10287000"/>
             <a:chOff x="0" y="0"/>
@@ -13106,12 +13762,12 @@
         </p:grpSpPr>
         <p:sp>
           <p:nvSpPr>
-            <p:cNvPr name="Freeform 28" id="28"/>
+            <p:cNvPr id="28" name="Freeform 28"/>
             <p:cNvSpPr/>
             <p:nvPr/>
           </p:nvSpPr>
           <p:spPr>
-            <a:xfrm flipH="false" flipV="false" rot="0">
+            <a:xfrm>
               <a:off x="0" y="0"/>
               <a:ext cx="27875" cy="1825500"/>
             </a:xfrm>
@@ -13120,9 +13776,9 @@
               <a:gdLst/>
               <a:ahLst/>
               <a:cxnLst/>
-              <a:rect r="r" b="b" t="t" l="l"/>
+              <a:rect l="l" t="t" r="r" b="b"/>
               <a:pathLst>
-                <a:path h="1825500" w="27875">
+                <a:path w="27875" h="1825500">
                   <a:moveTo>
                     <a:pt x="0" y="0"/>
                   </a:moveTo>
@@ -13143,11 +13799,18 @@
               <a:srgbClr val="0EE65E"/>
             </a:solidFill>
           </p:spPr>
+          <p:txBody>
+            <a:bodyPr/>
+            <a:lstStyle/>
+            <a:p>
+              <a:endParaRPr lang="es-EC"/>
+            </a:p>
+          </p:txBody>
         </p:sp>
         <p:sp>
           <p:nvSpPr>
-            <p:cNvPr name="TextBox 29" id="29"/>
-            <p:cNvSpPr txBox="true"/>
+            <p:cNvPr id="29" name="TextBox 29"/>
+            <p:cNvSpPr txBox="1"/>
             <p:nvPr/>
           </p:nvSpPr>
           <p:spPr>
@@ -13160,7 +13823,7 @@
             </a:prstGeom>
           </p:spPr>
           <p:txBody>
-            <a:bodyPr anchor="ctr" rtlCol="false" tIns="50800" lIns="50800" bIns="50800" rIns="50800"/>
+            <a:bodyPr lIns="50800" tIns="50800" rIns="50800" bIns="50800" rtlCol="0" anchor="ctr"/>
             <a:lstStyle/>
             <a:p>
               <a:pPr algn="ctr">
@@ -13168,18 +13831,19 @@
                   <a:spcPts val="2964"/>
                 </a:lnSpc>
               </a:pPr>
+              <a:endParaRPr/>
             </a:p>
           </p:txBody>
         </p:sp>
       </p:grpSp>
       <p:sp>
         <p:nvSpPr>
-          <p:cNvPr name="TextBox 30" id="30"/>
-          <p:cNvSpPr txBox="true"/>
+          <p:cNvPr id="30" name="TextBox 30"/>
+          <p:cNvSpPr txBox="1"/>
           <p:nvPr/>
         </p:nvSpPr>
         <p:spPr>
-          <a:xfrm rot="0">
+          <a:xfrm>
             <a:off x="10353036" y="4757943"/>
             <a:ext cx="7934964" cy="1416348"/>
           </a:xfrm>
@@ -13188,7 +13852,7 @@
           </a:prstGeom>
         </p:spPr>
         <p:txBody>
-          <a:bodyPr anchor="t" rtlCol="false" tIns="0" lIns="0" bIns="0" rIns="0">
+          <a:bodyPr lIns="0" tIns="0" rIns="0" bIns="0" rtlCol="0" anchor="t">
             <a:spAutoFit/>
           </a:bodyPr>
           <a:lstStyle/>
@@ -13212,12 +13876,12 @@
       </p:sp>
       <p:grpSp>
         <p:nvGrpSpPr>
-          <p:cNvPr name="Group 31" id="31"/>
+          <p:cNvPr id="31" name="Group 31"/>
           <p:cNvGrpSpPr/>
           <p:nvPr/>
         </p:nvGrpSpPr>
         <p:grpSpPr>
-          <a:xfrm rot="0">
+          <a:xfrm>
             <a:off x="10353036" y="6799703"/>
             <a:ext cx="720772" cy="871309"/>
             <a:chOff x="0" y="0"/>
@@ -13226,12 +13890,12 @@
         </p:grpSpPr>
         <p:sp>
           <p:nvSpPr>
-            <p:cNvPr name="Freeform 32" id="32"/>
+            <p:cNvPr id="32" name="Freeform 32"/>
             <p:cNvSpPr/>
             <p:nvPr/>
           </p:nvSpPr>
           <p:spPr>
-            <a:xfrm flipH="false" flipV="false" rot="0">
+            <a:xfrm>
               <a:off x="0" y="0"/>
               <a:ext cx="796146" cy="962425"/>
             </a:xfrm>
@@ -13240,9 +13904,9 @@
               <a:gdLst/>
               <a:ahLst/>
               <a:cxnLst/>
-              <a:rect r="r" b="b" t="t" l="l"/>
+              <a:rect l="l" t="t" r="r" b="b"/>
               <a:pathLst>
-                <a:path h="962425" w="796146">
+                <a:path w="796146" h="962425">
                   <a:moveTo>
                     <a:pt x="398073" y="0"/>
                   </a:moveTo>
@@ -13274,11 +13938,18 @@
               <a:srgbClr val="0EE65E"/>
             </a:solidFill>
           </p:spPr>
+          <p:txBody>
+            <a:bodyPr/>
+            <a:lstStyle/>
+            <a:p>
+              <a:endParaRPr lang="es-EC"/>
+            </a:p>
+          </p:txBody>
         </p:sp>
         <p:sp>
           <p:nvSpPr>
-            <p:cNvPr name="TextBox 33" id="33"/>
-            <p:cNvSpPr txBox="true"/>
+            <p:cNvPr id="33" name="TextBox 33"/>
+            <p:cNvSpPr txBox="1"/>
             <p:nvPr/>
           </p:nvSpPr>
           <p:spPr>
@@ -13291,7 +13962,7 @@
             </a:prstGeom>
           </p:spPr>
           <p:txBody>
-            <a:bodyPr anchor="ctr" rtlCol="false" tIns="50800" lIns="50800" bIns="50800" rIns="50800"/>
+            <a:bodyPr lIns="50800" tIns="50800" rIns="50800" bIns="50800" rtlCol="0" anchor="ctr"/>
             <a:lstStyle/>
             <a:p>
               <a:pPr algn="ctr">
@@ -13314,12 +13985,12 @@
       </p:grpSp>
       <p:sp>
         <p:nvSpPr>
-          <p:cNvPr name="TextBox 34" id="34"/>
-          <p:cNvSpPr txBox="true"/>
+          <p:cNvPr id="34" name="TextBox 34"/>
+          <p:cNvSpPr txBox="1"/>
           <p:nvPr/>
         </p:nvSpPr>
         <p:spPr>
-          <a:xfrm rot="0">
+          <a:xfrm>
             <a:off x="10353036" y="7700205"/>
             <a:ext cx="7934964" cy="1416348"/>
           </a:xfrm>
@@ -13328,7 +13999,7 @@
           </a:prstGeom>
         </p:spPr>
         <p:txBody>
-          <a:bodyPr anchor="t" rtlCol="false" tIns="0" lIns="0" bIns="0" rIns="0">
+          <a:bodyPr lIns="0" tIns="0" rIns="0" bIns="0" rtlCol="0" anchor="t">
             <a:spAutoFit/>
           </a:bodyPr>
           <a:lstStyle/>
@@ -13352,12 +14023,12 @@
       </p:sp>
       <p:sp>
         <p:nvSpPr>
-          <p:cNvPr name="TextBox 35" id="35"/>
-          <p:cNvSpPr txBox="true"/>
+          <p:cNvPr id="35" name="TextBox 35"/>
+          <p:cNvSpPr txBox="1"/>
           <p:nvPr/>
         </p:nvSpPr>
         <p:spPr>
-          <a:xfrm rot="0">
+          <a:xfrm>
             <a:off x="11524585" y="6546306"/>
             <a:ext cx="6763415" cy="881280"/>
           </a:xfrm>
@@ -13366,7 +14037,7 @@
           </a:prstGeom>
         </p:spPr>
         <p:txBody>
-          <a:bodyPr anchor="t" rtlCol="false" tIns="0" lIns="0" bIns="0" rIns="0">
+          <a:bodyPr lIns="0" tIns="0" rIns="0" bIns="0" rtlCol="0" anchor="t">
             <a:spAutoFit/>
           </a:bodyPr>
           <a:lstStyle/>
@@ -13397,13 +14068,14 @@
 </file>
 
 <file path=ppt/slides/slide8.xml><?xml version="1.0" encoding="utf-8"?>
-<p:sld xmlns:p="http://schemas.openxmlformats.org/presentationml/2006/main" xmlns:a="http://schemas.openxmlformats.org/drawingml/2006/main" xmlns:r="http://schemas.openxmlformats.org/officeDocument/2006/relationships">
+<p:sld xmlns:a="http://schemas.openxmlformats.org/drawingml/2006/main" xmlns:r="http://schemas.openxmlformats.org/officeDocument/2006/relationships" xmlns:p="http://schemas.openxmlformats.org/presentationml/2006/main">
   <p:cSld>
     <p:bg>
       <p:bgPr>
         <a:solidFill>
           <a:srgbClr val="000000"/>
         </a:solidFill>
+        <a:effectLst/>
       </p:bgPr>
     </p:bg>
     <p:spTree>
@@ -13422,12 +14094,12 @@
       </p:grpSpPr>
       <p:sp>
         <p:nvSpPr>
-          <p:cNvPr name="TextBox 2" id="2"/>
-          <p:cNvSpPr txBox="true"/>
+          <p:cNvPr id="2" name="TextBox 2"/>
+          <p:cNvSpPr txBox="1"/>
           <p:nvPr/>
         </p:nvSpPr>
         <p:spPr>
-          <a:xfrm rot="0">
+          <a:xfrm>
             <a:off x="10329616" y="6137398"/>
             <a:ext cx="6929684" cy="3990975"/>
           </a:xfrm>
@@ -13436,7 +14108,7 @@
           </a:prstGeom>
         </p:spPr>
         <p:txBody>
-          <a:bodyPr anchor="t" rtlCol="false" tIns="0" lIns="0" bIns="0" rIns="0">
+          <a:bodyPr lIns="0" tIns="0" rIns="0" bIns="0" rtlCol="0" anchor="t">
             <a:spAutoFit/>
           </a:bodyPr>
           <a:lstStyle/>
@@ -13460,12 +14132,12 @@
       </p:sp>
       <p:sp>
         <p:nvSpPr>
-          <p:cNvPr name="TextBox 3" id="3"/>
-          <p:cNvSpPr txBox="true"/>
+          <p:cNvPr id="3" name="TextBox 3"/>
+          <p:cNvSpPr txBox="1"/>
           <p:nvPr/>
         </p:nvSpPr>
         <p:spPr>
-          <a:xfrm rot="0">
+          <a:xfrm>
             <a:off x="1942192" y="1243437"/>
             <a:ext cx="3541832" cy="403506"/>
           </a:xfrm>
@@ -13474,7 +14146,7 @@
           </a:prstGeom>
         </p:spPr>
         <p:txBody>
-          <a:bodyPr anchor="t" rtlCol="false" tIns="0" lIns="0" bIns="0" rIns="0">
+          <a:bodyPr lIns="0" tIns="0" rIns="0" bIns="0" rtlCol="0" anchor="t">
             <a:spAutoFit/>
           </a:bodyPr>
           <a:lstStyle/>
@@ -13498,12 +14170,12 @@
       </p:sp>
       <p:grpSp>
         <p:nvGrpSpPr>
-          <p:cNvPr name="Group 4" id="4"/>
+          <p:cNvPr id="4" name="Group 4"/>
           <p:cNvGrpSpPr/>
           <p:nvPr/>
         </p:nvGrpSpPr>
         <p:grpSpPr>
-          <a:xfrm rot="0">
+          <a:xfrm>
             <a:off x="1485381" y="1314915"/>
             <a:ext cx="306590" cy="279599"/>
             <a:chOff x="0" y="0"/>
@@ -13512,12 +14184,12 @@
         </p:grpSpPr>
         <p:sp>
           <p:nvSpPr>
-            <p:cNvPr name="Freeform 5" id="5"/>
+            <p:cNvPr id="5" name="Freeform 5"/>
             <p:cNvSpPr/>
             <p:nvPr/>
           </p:nvSpPr>
           <p:spPr>
-            <a:xfrm flipH="false" flipV="false" rot="0">
+            <a:xfrm>
               <a:off x="0" y="0"/>
               <a:ext cx="80748" cy="73639"/>
             </a:xfrm>
@@ -13526,9 +14198,9 @@
               <a:gdLst/>
               <a:ahLst/>
               <a:cxnLst/>
-              <a:rect r="r" b="b" t="t" l="l"/>
+              <a:rect l="l" t="t" r="r" b="b"/>
               <a:pathLst>
-                <a:path h="73639" w="80748">
+                <a:path w="80748" h="73639">
                   <a:moveTo>
                     <a:pt x="0" y="0"/>
                   </a:moveTo>
@@ -13549,11 +14221,18 @@
               <a:srgbClr val="0EE65E"/>
             </a:solidFill>
           </p:spPr>
+          <p:txBody>
+            <a:bodyPr/>
+            <a:lstStyle/>
+            <a:p>
+              <a:endParaRPr lang="es-EC"/>
+            </a:p>
+          </p:txBody>
         </p:sp>
         <p:sp>
           <p:nvSpPr>
-            <p:cNvPr name="TextBox 6" id="6"/>
-            <p:cNvSpPr txBox="true"/>
+            <p:cNvPr id="6" name="TextBox 6"/>
+            <p:cNvSpPr txBox="1"/>
             <p:nvPr/>
           </p:nvSpPr>
           <p:spPr>
@@ -13566,7 +14245,7 @@
             </a:prstGeom>
           </p:spPr>
           <p:txBody>
-            <a:bodyPr anchor="ctr" rtlCol="false" tIns="50800" lIns="50800" bIns="50800" rIns="50800"/>
+            <a:bodyPr lIns="50800" tIns="50800" rIns="50800" bIns="50800" rtlCol="0" anchor="ctr"/>
             <a:lstStyle/>
             <a:p>
               <a:pPr algn="ctr">
@@ -13574,18 +14253,19 @@
                   <a:spcPts val="2964"/>
                 </a:lnSpc>
               </a:pPr>
+              <a:endParaRPr/>
             </a:p>
           </p:txBody>
         </p:sp>
       </p:grpSp>
       <p:sp>
         <p:nvSpPr>
-          <p:cNvPr name="Freeform 7" id="7"/>
+          <p:cNvPr id="7" name="Freeform 7"/>
           <p:cNvSpPr/>
           <p:nvPr/>
         </p:nvSpPr>
         <p:spPr>
-          <a:xfrm flipH="false" flipV="false" rot="0">
+          <a:xfrm>
             <a:off x="10707509" y="-5202930"/>
             <a:ext cx="12167667" cy="12167667"/>
           </a:xfrm>
@@ -13594,9 +14274,9 @@
             <a:gdLst/>
             <a:ahLst/>
             <a:cxnLst/>
-            <a:rect r="r" b="b" t="t" l="l"/>
+            <a:rect l="l" t="t" r="r" b="b"/>
             <a:pathLst>
-              <a:path h="12167667" w="12167667">
+              <a:path w="12167667" h="12167667">
                 <a:moveTo>
                   <a:pt x="0" y="0"/>
                 </a:moveTo>
@@ -13625,19 +14305,26 @@
               </a:extLst>
             </a:blip>
             <a:stretch>
-              <a:fillRect l="0" t="0" r="0" b="0"/>
+              <a:fillRect/>
             </a:stretch>
           </a:blipFill>
         </p:spPr>
+        <p:txBody>
+          <a:bodyPr/>
+          <a:lstStyle/>
+          <a:p>
+            <a:endParaRPr lang="es-EC"/>
+          </a:p>
+        </p:txBody>
       </p:sp>
       <p:grpSp>
         <p:nvGrpSpPr>
-          <p:cNvPr name="Group 8" id="8"/>
+          <p:cNvPr id="8" name="Group 8"/>
           <p:cNvGrpSpPr/>
           <p:nvPr/>
         </p:nvGrpSpPr>
         <p:grpSpPr>
-          <a:xfrm rot="0">
+          <a:xfrm>
             <a:off x="1485381" y="9355028"/>
             <a:ext cx="6229357" cy="3830719"/>
             <a:chOff x="0" y="0"/>
@@ -13646,12 +14333,12 @@
         </p:grpSpPr>
         <p:sp>
           <p:nvSpPr>
-            <p:cNvPr name="Freeform 9" id="9"/>
+            <p:cNvPr id="9" name="Freeform 9"/>
             <p:cNvSpPr/>
             <p:nvPr/>
           </p:nvSpPr>
           <p:spPr>
-            <a:xfrm flipH="false" flipV="false" rot="0">
+            <a:xfrm>
               <a:off x="0" y="0"/>
               <a:ext cx="1640654" cy="1008914"/>
             </a:xfrm>
@@ -13660,9 +14347,9 @@
               <a:gdLst/>
               <a:ahLst/>
               <a:cxnLst/>
-              <a:rect r="r" b="b" t="t" l="l"/>
+              <a:rect l="l" t="t" r="r" b="b"/>
               <a:pathLst>
-                <a:path h="1008914" w="1640654">
+                <a:path w="1640654" h="1008914">
                   <a:moveTo>
                     <a:pt x="0" y="0"/>
                   </a:moveTo>
@@ -13683,11 +14370,18 @@
               <a:srgbClr val="0EE65E"/>
             </a:solidFill>
           </p:spPr>
+          <p:txBody>
+            <a:bodyPr/>
+            <a:lstStyle/>
+            <a:p>
+              <a:endParaRPr lang="es-EC"/>
+            </a:p>
+          </p:txBody>
         </p:sp>
         <p:sp>
           <p:nvSpPr>
-            <p:cNvPr name="TextBox 10" id="10"/>
-            <p:cNvSpPr txBox="true"/>
+            <p:cNvPr id="10" name="TextBox 10"/>
+            <p:cNvSpPr txBox="1"/>
             <p:nvPr/>
           </p:nvSpPr>
           <p:spPr>
@@ -13700,7 +14394,7 @@
             </a:prstGeom>
           </p:spPr>
           <p:txBody>
-            <a:bodyPr anchor="ctr" rtlCol="false" tIns="50800" lIns="50800" bIns="50800" rIns="50800"/>
+            <a:bodyPr lIns="50800" tIns="50800" rIns="50800" bIns="50800" rtlCol="0" anchor="ctr"/>
             <a:lstStyle/>
             <a:p>
               <a:pPr algn="ctr">
@@ -13708,18 +14402,19 @@
                   <a:spcPts val="2964"/>
                 </a:lnSpc>
               </a:pPr>
+              <a:endParaRPr/>
             </a:p>
           </p:txBody>
         </p:sp>
       </p:grpSp>
       <p:grpSp>
         <p:nvGrpSpPr>
-          <p:cNvPr name="Group 11" id="11"/>
+          <p:cNvPr id="11" name="Group 11"/>
           <p:cNvGrpSpPr/>
           <p:nvPr/>
         </p:nvGrpSpPr>
         <p:grpSpPr>
-          <a:xfrm rot="0">
+          <a:xfrm>
             <a:off x="839472" y="2599006"/>
             <a:ext cx="789798" cy="871309"/>
             <a:chOff x="0" y="0"/>
@@ -13728,12 +14423,12 @@
         </p:grpSpPr>
         <p:sp>
           <p:nvSpPr>
-            <p:cNvPr name="Freeform 12" id="12"/>
+            <p:cNvPr id="12" name="Freeform 12"/>
             <p:cNvSpPr/>
             <p:nvPr/>
           </p:nvSpPr>
           <p:spPr>
-            <a:xfrm flipH="false" flipV="false" rot="0">
+            <a:xfrm>
               <a:off x="0" y="0"/>
               <a:ext cx="872390" cy="962425"/>
             </a:xfrm>
@@ -13742,9 +14437,9 @@
               <a:gdLst/>
               <a:ahLst/>
               <a:cxnLst/>
-              <a:rect r="r" b="b" t="t" l="l"/>
+              <a:rect l="l" t="t" r="r" b="b"/>
               <a:pathLst>
-                <a:path h="962425" w="872390">
+                <a:path w="872390" h="962425">
                   <a:moveTo>
                     <a:pt x="436195" y="0"/>
                   </a:moveTo>
@@ -13776,11 +14471,18 @@
               <a:srgbClr val="0EE65E"/>
             </a:solidFill>
           </p:spPr>
+          <p:txBody>
+            <a:bodyPr/>
+            <a:lstStyle/>
+            <a:p>
+              <a:endParaRPr lang="es-EC"/>
+            </a:p>
+          </p:txBody>
         </p:sp>
         <p:sp>
           <p:nvSpPr>
-            <p:cNvPr name="TextBox 13" id="13"/>
-            <p:cNvSpPr txBox="true"/>
+            <p:cNvPr id="13" name="TextBox 13"/>
+            <p:cNvSpPr txBox="1"/>
             <p:nvPr/>
           </p:nvSpPr>
           <p:spPr>
@@ -13793,7 +14495,7 @@
             </a:prstGeom>
           </p:spPr>
           <p:txBody>
-            <a:bodyPr anchor="ctr" rtlCol="false" tIns="50800" lIns="50800" bIns="50800" rIns="50800"/>
+            <a:bodyPr lIns="50800" tIns="50800" rIns="50800" bIns="50800" rtlCol="0" anchor="ctr"/>
             <a:lstStyle/>
             <a:p>
               <a:pPr algn="ctr">
@@ -13816,12 +14518,12 @@
       </p:grpSp>
       <p:sp>
         <p:nvSpPr>
-          <p:cNvPr name="TextBox 14" id="14"/>
-          <p:cNvSpPr txBox="true"/>
+          <p:cNvPr id="14" name="TextBox 14"/>
+          <p:cNvSpPr txBox="1"/>
           <p:nvPr/>
         </p:nvSpPr>
         <p:spPr>
-          <a:xfrm rot="0">
+          <a:xfrm>
             <a:off x="839472" y="3499509"/>
             <a:ext cx="9933798" cy="715208"/>
           </a:xfrm>
@@ -13830,7 +14532,7 @@
           </a:prstGeom>
         </p:spPr>
         <p:txBody>
-          <a:bodyPr anchor="t" rtlCol="false" tIns="0" lIns="0" bIns="0" rIns="0">
+          <a:bodyPr lIns="0" tIns="0" rIns="0" bIns="0" rtlCol="0" anchor="t">
             <a:spAutoFit/>
           </a:bodyPr>
           <a:lstStyle/>
@@ -13854,12 +14556,12 @@
       </p:sp>
       <p:sp>
         <p:nvSpPr>
-          <p:cNvPr name="TextBox 15" id="15"/>
-          <p:cNvSpPr txBox="true"/>
+          <p:cNvPr id="15" name="TextBox 15"/>
+          <p:cNvSpPr txBox="1"/>
           <p:nvPr/>
         </p:nvSpPr>
         <p:spPr>
-          <a:xfrm rot="0">
+          <a:xfrm>
             <a:off x="1942192" y="2789679"/>
             <a:ext cx="8043388" cy="462180"/>
           </a:xfrm>
@@ -13868,7 +14570,7 @@
           </a:prstGeom>
         </p:spPr>
         <p:txBody>
-          <a:bodyPr anchor="t" rtlCol="false" tIns="0" lIns="0" bIns="0" rIns="0">
+          <a:bodyPr lIns="0" tIns="0" rIns="0" bIns="0" rtlCol="0" anchor="t">
             <a:spAutoFit/>
           </a:bodyPr>
           <a:lstStyle/>
@@ -13892,12 +14594,12 @@
       </p:sp>
       <p:sp>
         <p:nvSpPr>
-          <p:cNvPr name="TextBox 16" id="16"/>
-          <p:cNvSpPr txBox="true"/>
+          <p:cNvPr id="16" name="TextBox 16"/>
+          <p:cNvSpPr txBox="1"/>
           <p:nvPr/>
         </p:nvSpPr>
         <p:spPr>
-          <a:xfrm rot="0">
+          <a:xfrm>
             <a:off x="839472" y="4243292"/>
             <a:ext cx="9933798" cy="715208"/>
           </a:xfrm>
@@ -13906,7 +14608,7 @@
           </a:prstGeom>
         </p:spPr>
         <p:txBody>
-          <a:bodyPr anchor="t" rtlCol="false" tIns="0" lIns="0" bIns="0" rIns="0">
+          <a:bodyPr lIns="0" tIns="0" rIns="0" bIns="0" rtlCol="0" anchor="t">
             <a:spAutoFit/>
           </a:bodyPr>
           <a:lstStyle/>
@@ -13930,12 +14632,12 @@
       </p:sp>
       <p:grpSp>
         <p:nvGrpSpPr>
-          <p:cNvPr name="Group 17" id="17"/>
+          <p:cNvPr id="17" name="Group 17"/>
           <p:cNvGrpSpPr/>
           <p:nvPr/>
         </p:nvGrpSpPr>
         <p:grpSpPr>
-          <a:xfrm rot="0">
+          <a:xfrm>
             <a:off x="839472" y="5349026"/>
             <a:ext cx="789798" cy="871309"/>
             <a:chOff x="0" y="0"/>
@@ -13944,12 +14646,12 @@
         </p:grpSpPr>
         <p:sp>
           <p:nvSpPr>
-            <p:cNvPr name="Freeform 18" id="18"/>
+            <p:cNvPr id="18" name="Freeform 18"/>
             <p:cNvSpPr/>
             <p:nvPr/>
           </p:nvSpPr>
           <p:spPr>
-            <a:xfrm flipH="false" flipV="false" rot="0">
+            <a:xfrm>
               <a:off x="0" y="0"/>
               <a:ext cx="872390" cy="962425"/>
             </a:xfrm>
@@ -13958,9 +14660,9 @@
               <a:gdLst/>
               <a:ahLst/>
               <a:cxnLst/>
-              <a:rect r="r" b="b" t="t" l="l"/>
+              <a:rect l="l" t="t" r="r" b="b"/>
               <a:pathLst>
-                <a:path h="962425" w="872390">
+                <a:path w="872390" h="962425">
                   <a:moveTo>
                     <a:pt x="436195" y="0"/>
                   </a:moveTo>
@@ -13992,11 +14694,18 @@
               <a:srgbClr val="0EE65E"/>
             </a:solidFill>
           </p:spPr>
+          <p:txBody>
+            <a:bodyPr/>
+            <a:lstStyle/>
+            <a:p>
+              <a:endParaRPr lang="es-EC"/>
+            </a:p>
+          </p:txBody>
         </p:sp>
         <p:sp>
           <p:nvSpPr>
-            <p:cNvPr name="TextBox 19" id="19"/>
-            <p:cNvSpPr txBox="true"/>
+            <p:cNvPr id="19" name="TextBox 19"/>
+            <p:cNvSpPr txBox="1"/>
             <p:nvPr/>
           </p:nvSpPr>
           <p:spPr>
@@ -14009,7 +14718,7 @@
             </a:prstGeom>
           </p:spPr>
           <p:txBody>
-            <a:bodyPr anchor="ctr" rtlCol="false" tIns="50800" lIns="50800" bIns="50800" rIns="50800"/>
+            <a:bodyPr lIns="50800" tIns="50800" rIns="50800" bIns="50800" rtlCol="0" anchor="ctr"/>
             <a:lstStyle/>
             <a:p>
               <a:pPr algn="ctr">
@@ -14032,13 +14741,13 @@
       </p:grpSp>
       <p:sp>
         <p:nvSpPr>
-          <p:cNvPr name="TextBox 20" id="20"/>
-          <p:cNvSpPr txBox="true"/>
+          <p:cNvPr id="20" name="TextBox 20"/>
+          <p:cNvSpPr txBox="1"/>
           <p:nvPr/>
         </p:nvSpPr>
         <p:spPr>
-          <a:xfrm rot="0">
-            <a:off x="839472" y="6249528"/>
+          <a:xfrm>
+            <a:off x="839472" y="6333292"/>
             <a:ext cx="9933798" cy="715208"/>
           </a:xfrm>
           <a:prstGeom prst="rect">
@@ -14046,7 +14755,7 @@
           </a:prstGeom>
         </p:spPr>
         <p:txBody>
-          <a:bodyPr anchor="t" rtlCol="false" tIns="0" lIns="0" bIns="0" rIns="0">
+          <a:bodyPr lIns="0" tIns="0" rIns="0" bIns="0" rtlCol="0" anchor="t">
             <a:spAutoFit/>
           </a:bodyPr>
           <a:lstStyle/>
@@ -14070,12 +14779,12 @@
       </p:sp>
       <p:sp>
         <p:nvSpPr>
-          <p:cNvPr name="TextBox 21" id="21"/>
-          <p:cNvSpPr txBox="true"/>
+          <p:cNvPr id="21" name="TextBox 21"/>
+          <p:cNvSpPr txBox="1"/>
           <p:nvPr/>
         </p:nvSpPr>
         <p:spPr>
-          <a:xfrm rot="0">
+          <a:xfrm>
             <a:off x="1942192" y="5539303"/>
             <a:ext cx="8043388" cy="462180"/>
           </a:xfrm>
@@ -14084,7 +14793,7 @@
           </a:prstGeom>
         </p:spPr>
         <p:txBody>
-          <a:bodyPr anchor="t" rtlCol="false" tIns="0" lIns="0" bIns="0" rIns="0">
+          <a:bodyPr lIns="0" tIns="0" rIns="0" bIns="0" rtlCol="0" anchor="t">
             <a:spAutoFit/>
           </a:bodyPr>
           <a:lstStyle/>
@@ -14108,12 +14817,12 @@
       </p:sp>
       <p:grpSp>
         <p:nvGrpSpPr>
-          <p:cNvPr name="Group 22" id="22"/>
+          <p:cNvPr id="22" name="Group 22"/>
           <p:cNvGrpSpPr/>
           <p:nvPr/>
         </p:nvGrpSpPr>
         <p:grpSpPr>
-          <a:xfrm rot="0">
+          <a:xfrm>
             <a:off x="839472" y="7545761"/>
             <a:ext cx="789798" cy="871309"/>
             <a:chOff x="0" y="0"/>
@@ -14122,12 +14831,12 @@
         </p:grpSpPr>
         <p:sp>
           <p:nvSpPr>
-            <p:cNvPr name="Freeform 23" id="23"/>
+            <p:cNvPr id="23" name="Freeform 23"/>
             <p:cNvSpPr/>
             <p:nvPr/>
           </p:nvSpPr>
           <p:spPr>
-            <a:xfrm flipH="false" flipV="false" rot="0">
+            <a:xfrm>
               <a:off x="0" y="0"/>
               <a:ext cx="872390" cy="962425"/>
             </a:xfrm>
@@ -14136,9 +14845,9 @@
               <a:gdLst/>
               <a:ahLst/>
               <a:cxnLst/>
-              <a:rect r="r" b="b" t="t" l="l"/>
+              <a:rect l="l" t="t" r="r" b="b"/>
               <a:pathLst>
-                <a:path h="962425" w="872390">
+                <a:path w="872390" h="962425">
                   <a:moveTo>
                     <a:pt x="436195" y="0"/>
                   </a:moveTo>
@@ -14170,11 +14879,18 @@
               <a:srgbClr val="0EE65E"/>
             </a:solidFill>
           </p:spPr>
+          <p:txBody>
+            <a:bodyPr/>
+            <a:lstStyle/>
+            <a:p>
+              <a:endParaRPr lang="es-EC"/>
+            </a:p>
+          </p:txBody>
         </p:sp>
         <p:sp>
           <p:nvSpPr>
-            <p:cNvPr name="TextBox 24" id="24"/>
-            <p:cNvSpPr txBox="true"/>
+            <p:cNvPr id="24" name="TextBox 24"/>
+            <p:cNvSpPr txBox="1"/>
             <p:nvPr/>
           </p:nvSpPr>
           <p:spPr>
@@ -14187,7 +14903,7 @@
             </a:prstGeom>
           </p:spPr>
           <p:txBody>
-            <a:bodyPr anchor="ctr" rtlCol="false" tIns="50800" lIns="50800" bIns="50800" rIns="50800"/>
+            <a:bodyPr lIns="50800" tIns="50800" rIns="50800" bIns="50800" rtlCol="0" anchor="ctr"/>
             <a:lstStyle/>
             <a:p>
               <a:pPr algn="ctr">
@@ -14210,12 +14926,12 @@
       </p:grpSp>
       <p:sp>
         <p:nvSpPr>
-          <p:cNvPr name="TextBox 25" id="25"/>
-          <p:cNvSpPr txBox="true"/>
+          <p:cNvPr id="25" name="TextBox 25"/>
+          <p:cNvSpPr txBox="1"/>
           <p:nvPr/>
         </p:nvSpPr>
         <p:spPr>
-          <a:xfrm rot="0">
+          <a:xfrm>
             <a:off x="839472" y="8446264"/>
             <a:ext cx="9933798" cy="715208"/>
           </a:xfrm>
@@ -14224,7 +14940,7 @@
           </a:prstGeom>
         </p:spPr>
         <p:txBody>
-          <a:bodyPr anchor="t" rtlCol="false" tIns="0" lIns="0" bIns="0" rIns="0">
+          <a:bodyPr lIns="0" tIns="0" rIns="0" bIns="0" rtlCol="0" anchor="t">
             <a:spAutoFit/>
           </a:bodyPr>
           <a:lstStyle/>
@@ -14235,25 +14951,34 @@
               </a:lnSpc>
             </a:pPr>
             <a:r>
-              <a:rPr lang="en-US" sz="3946">
+              <a:rPr lang="en-US" sz="3946" dirty="0" err="1">
                 <a:solidFill>
                   <a:srgbClr val="0EE65E"/>
                 </a:solidFill>
                 <a:latin typeface="Poppins Bold"/>
               </a:rPr>
-              <a:t>npm install express</a:t>
-            </a:r>
-          </a:p>
-        </p:txBody>
-      </p:sp>
-      <p:sp>
-        <p:nvSpPr>
-          <p:cNvPr name="TextBox 26" id="26"/>
-          <p:cNvSpPr txBox="true"/>
+              <a:t>npm</a:t>
+            </a:r>
+            <a:r>
+              <a:rPr lang="en-US" sz="3946" dirty="0">
+                <a:solidFill>
+                  <a:srgbClr val="0EE65E"/>
+                </a:solidFill>
+                <a:latin typeface="Poppins Bold"/>
+              </a:rPr>
+              <a:t> install express</a:t>
+            </a:r>
+          </a:p>
+        </p:txBody>
+      </p:sp>
+      <p:sp>
+        <p:nvSpPr>
+          <p:cNvPr id="26" name="TextBox 26"/>
+          <p:cNvSpPr txBox="1"/>
           <p:nvPr/>
         </p:nvSpPr>
         <p:spPr>
-          <a:xfrm rot="0">
+          <a:xfrm>
             <a:off x="1942192" y="7736039"/>
             <a:ext cx="8043388" cy="462180"/>
           </a:xfrm>
@@ -14262,7 +14987,7 @@
           </a:prstGeom>
         </p:spPr>
         <p:txBody>
-          <a:bodyPr anchor="t" rtlCol="false" tIns="0" lIns="0" bIns="0" rIns="0">
+          <a:bodyPr lIns="0" tIns="0" rIns="0" bIns="0" rtlCol="0" anchor="t">
             <a:spAutoFit/>
           </a:bodyPr>
           <a:lstStyle/>
@@ -14286,12 +15011,12 @@
       </p:sp>
       <p:grpSp>
         <p:nvGrpSpPr>
-          <p:cNvPr name="Group 27" id="27"/>
+          <p:cNvPr id="27" name="Group 27"/>
           <p:cNvGrpSpPr/>
           <p:nvPr/>
         </p:nvGrpSpPr>
         <p:grpSpPr>
-          <a:xfrm rot="0">
+          <a:xfrm>
             <a:off x="9144000" y="2379931"/>
             <a:ext cx="789798" cy="871309"/>
             <a:chOff x="0" y="0"/>
@@ -14300,12 +15025,12 @@
         </p:grpSpPr>
         <p:sp>
           <p:nvSpPr>
-            <p:cNvPr name="Freeform 28" id="28"/>
+            <p:cNvPr id="28" name="Freeform 28"/>
             <p:cNvSpPr/>
             <p:nvPr/>
           </p:nvSpPr>
           <p:spPr>
-            <a:xfrm flipH="false" flipV="false" rot="0">
+            <a:xfrm>
               <a:off x="0" y="0"/>
               <a:ext cx="872390" cy="962425"/>
             </a:xfrm>
@@ -14314,9 +15039,9 @@
               <a:gdLst/>
               <a:ahLst/>
               <a:cxnLst/>
-              <a:rect r="r" b="b" t="t" l="l"/>
+              <a:rect l="l" t="t" r="r" b="b"/>
               <a:pathLst>
-                <a:path h="962425" w="872390">
+                <a:path w="872390" h="962425">
                   <a:moveTo>
                     <a:pt x="436195" y="0"/>
                   </a:moveTo>
@@ -14348,11 +15073,18 @@
               <a:srgbClr val="0EE65E"/>
             </a:solidFill>
           </p:spPr>
+          <p:txBody>
+            <a:bodyPr/>
+            <a:lstStyle/>
+            <a:p>
+              <a:endParaRPr lang="es-EC"/>
+            </a:p>
+          </p:txBody>
         </p:sp>
         <p:sp>
           <p:nvSpPr>
-            <p:cNvPr name="TextBox 29" id="29"/>
-            <p:cNvSpPr txBox="true"/>
+            <p:cNvPr id="29" name="TextBox 29"/>
+            <p:cNvSpPr txBox="1"/>
             <p:nvPr/>
           </p:nvSpPr>
           <p:spPr>
@@ -14365,7 +15097,7 @@
             </a:prstGeom>
           </p:spPr>
           <p:txBody>
-            <a:bodyPr anchor="ctr" rtlCol="false" tIns="50800" lIns="50800" bIns="50800" rIns="50800"/>
+            <a:bodyPr lIns="50800" tIns="50800" rIns="50800" bIns="50800" rtlCol="0" anchor="ctr"/>
             <a:lstStyle/>
             <a:p>
               <a:pPr algn="ctr">
@@ -14388,12 +15120,12 @@
       </p:grpSp>
       <p:sp>
         <p:nvSpPr>
-          <p:cNvPr name="TextBox 30" id="30"/>
-          <p:cNvSpPr txBox="true"/>
+          <p:cNvPr id="30" name="TextBox 30"/>
+          <p:cNvSpPr txBox="1"/>
           <p:nvPr/>
         </p:nvSpPr>
         <p:spPr>
-          <a:xfrm rot="0">
+          <a:xfrm>
             <a:off x="9144000" y="3280434"/>
             <a:ext cx="9933798" cy="715208"/>
           </a:xfrm>
@@ -14402,7 +15134,7 @@
           </a:prstGeom>
         </p:spPr>
         <p:txBody>
-          <a:bodyPr anchor="t" rtlCol="false" tIns="0" lIns="0" bIns="0" rIns="0">
+          <a:bodyPr lIns="0" tIns="0" rIns="0" bIns="0" rtlCol="0" anchor="t">
             <a:spAutoFit/>
           </a:bodyPr>
           <a:lstStyle/>
@@ -14413,7 +15145,7 @@
               </a:lnSpc>
             </a:pPr>
             <a:r>
-              <a:rPr lang="en-US" sz="3946">
+              <a:rPr lang="en-US" sz="3946" dirty="0">
                 <a:solidFill>
                   <a:srgbClr val="0EE65E"/>
                 </a:solidFill>
@@ -14426,12 +15158,12 @@
       </p:sp>
       <p:sp>
         <p:nvSpPr>
-          <p:cNvPr name="TextBox 31" id="31"/>
-          <p:cNvSpPr txBox="true"/>
+          <p:cNvPr id="31" name="TextBox 31"/>
+          <p:cNvSpPr txBox="1"/>
           <p:nvPr/>
         </p:nvSpPr>
         <p:spPr>
-          <a:xfrm rot="0">
+          <a:xfrm>
             <a:off x="10246721" y="2570209"/>
             <a:ext cx="8043388" cy="462180"/>
           </a:xfrm>
@@ -14440,7 +15172,7 @@
           </a:prstGeom>
         </p:spPr>
         <p:txBody>
-          <a:bodyPr anchor="t" rtlCol="false" tIns="0" lIns="0" bIns="0" rIns="0">
+          <a:bodyPr lIns="0" tIns="0" rIns="0" bIns="0" rtlCol="0" anchor="t">
             <a:spAutoFit/>
           </a:bodyPr>
           <a:lstStyle/>
@@ -14471,13 +15203,14 @@
 </file>
 
 <file path=ppt/slides/slide9.xml><?xml version="1.0" encoding="utf-8"?>
-<p:sld xmlns:p="http://schemas.openxmlformats.org/presentationml/2006/main" xmlns:a="http://schemas.openxmlformats.org/drawingml/2006/main" xmlns:r="http://schemas.openxmlformats.org/officeDocument/2006/relationships">
+<p:sld xmlns:a="http://schemas.openxmlformats.org/drawingml/2006/main" xmlns:r="http://schemas.openxmlformats.org/officeDocument/2006/relationships" xmlns:p="http://schemas.openxmlformats.org/presentationml/2006/main">
   <p:cSld>
     <p:bg>
       <p:bgPr>
         <a:solidFill>
           <a:srgbClr val="000000"/>
         </a:solidFill>
+        <a:effectLst/>
       </p:bgPr>
     </p:bg>
     <p:spTree>
@@ -14496,12 +15229,12 @@
       </p:grpSpPr>
       <p:grpSp>
         <p:nvGrpSpPr>
-          <p:cNvPr name="Group 2" id="2"/>
+          <p:cNvPr id="2" name="Group 2"/>
           <p:cNvGrpSpPr/>
           <p:nvPr/>
         </p:nvGrpSpPr>
         <p:grpSpPr>
-          <a:xfrm rot="0">
+          <a:xfrm>
             <a:off x="1399656" y="1314915"/>
             <a:ext cx="306590" cy="279599"/>
             <a:chOff x="0" y="0"/>
@@ -14510,12 +15243,12 @@
         </p:grpSpPr>
         <p:sp>
           <p:nvSpPr>
-            <p:cNvPr name="Freeform 3" id="3"/>
+            <p:cNvPr id="3" name="Freeform 3"/>
             <p:cNvSpPr/>
             <p:nvPr/>
           </p:nvSpPr>
           <p:spPr>
-            <a:xfrm flipH="false" flipV="false" rot="0">
+            <a:xfrm>
               <a:off x="0" y="0"/>
               <a:ext cx="80748" cy="73639"/>
             </a:xfrm>
@@ -14524,9 +15257,9 @@
               <a:gdLst/>
               <a:ahLst/>
               <a:cxnLst/>
-              <a:rect r="r" b="b" t="t" l="l"/>
+              <a:rect l="l" t="t" r="r" b="b"/>
               <a:pathLst>
-                <a:path h="73639" w="80748">
+                <a:path w="80748" h="73639">
                   <a:moveTo>
                     <a:pt x="0" y="0"/>
                   </a:moveTo>
@@ -14547,11 +15280,18 @@
               <a:srgbClr val="0EE65E"/>
             </a:solidFill>
           </p:spPr>
+          <p:txBody>
+            <a:bodyPr/>
+            <a:lstStyle/>
+            <a:p>
+              <a:endParaRPr lang="es-EC"/>
+            </a:p>
+          </p:txBody>
         </p:sp>
         <p:sp>
           <p:nvSpPr>
-            <p:cNvPr name="TextBox 4" id="4"/>
-            <p:cNvSpPr txBox="true"/>
+            <p:cNvPr id="4" name="TextBox 4"/>
+            <p:cNvSpPr txBox="1"/>
             <p:nvPr/>
           </p:nvSpPr>
           <p:spPr>
@@ -14564,7 +15304,7 @@
             </a:prstGeom>
           </p:spPr>
           <p:txBody>
-            <a:bodyPr anchor="ctr" rtlCol="false" tIns="50800" lIns="50800" bIns="50800" rIns="50800"/>
+            <a:bodyPr lIns="50800" tIns="50800" rIns="50800" bIns="50800" rtlCol="0" anchor="ctr"/>
             <a:lstStyle/>
             <a:p>
               <a:pPr algn="ctr">
@@ -14572,18 +15312,19 @@
                   <a:spcPts val="2964"/>
                 </a:lnSpc>
               </a:pPr>
+              <a:endParaRPr/>
             </a:p>
           </p:txBody>
         </p:sp>
       </p:grpSp>
       <p:sp>
         <p:nvSpPr>
-          <p:cNvPr name="Freeform 5" id="5"/>
+          <p:cNvPr id="5" name="Freeform 5"/>
           <p:cNvSpPr/>
           <p:nvPr/>
         </p:nvSpPr>
         <p:spPr>
-          <a:xfrm flipH="false" flipV="false" rot="0">
+          <a:xfrm>
             <a:off x="-2636406" y="4698920"/>
             <a:ext cx="12167667" cy="12167667"/>
           </a:xfrm>
@@ -14592,9 +15333,9 @@
             <a:gdLst/>
             <a:ahLst/>
             <a:cxnLst/>
-            <a:rect r="r" b="b" t="t" l="l"/>
+            <a:rect l="l" t="t" r="r" b="b"/>
             <a:pathLst>
-              <a:path h="12167667" w="12167667">
+              <a:path w="12167667" h="12167667">
                 <a:moveTo>
                   <a:pt x="0" y="0"/>
                 </a:moveTo>
@@ -14623,19 +15364,26 @@
               </a:extLst>
             </a:blip>
             <a:stretch>
-              <a:fillRect l="0" t="0" r="0" b="0"/>
+              <a:fillRect/>
             </a:stretch>
           </a:blipFill>
         </p:spPr>
+        <p:txBody>
+          <a:bodyPr/>
+          <a:lstStyle/>
+          <a:p>
+            <a:endParaRPr lang="es-EC"/>
+          </a:p>
+        </p:txBody>
       </p:sp>
       <p:grpSp>
         <p:nvGrpSpPr>
-          <p:cNvPr name="Group 6" id="6"/>
+          <p:cNvPr id="6" name="Group 6"/>
           <p:cNvGrpSpPr/>
           <p:nvPr/>
         </p:nvGrpSpPr>
         <p:grpSpPr>
-          <a:xfrm rot="0">
+          <a:xfrm>
             <a:off x="17821750" y="1028700"/>
             <a:ext cx="932500" cy="3086100"/>
             <a:chOff x="0" y="0"/>
@@ -14644,12 +15392,12 @@
         </p:grpSpPr>
         <p:sp>
           <p:nvSpPr>
-            <p:cNvPr name="Freeform 7" id="7"/>
+            <p:cNvPr id="7" name="Freeform 7"/>
             <p:cNvSpPr/>
             <p:nvPr/>
           </p:nvSpPr>
           <p:spPr>
-            <a:xfrm flipH="false" flipV="false" rot="0">
+            <a:xfrm>
               <a:off x="0" y="0"/>
               <a:ext cx="245597" cy="812800"/>
             </a:xfrm>
@@ -14658,9 +15406,9 @@
               <a:gdLst/>
               <a:ahLst/>
               <a:cxnLst/>
-              <a:rect r="r" b="b" t="t" l="l"/>
+              <a:rect l="l" t="t" r="r" b="b"/>
               <a:pathLst>
-                <a:path h="812800" w="245597">
+                <a:path w="245597" h="812800">
                   <a:moveTo>
                     <a:pt x="0" y="0"/>
                   </a:moveTo>
@@ -14681,11 +15429,18 @@
               <a:srgbClr val="0EE65E"/>
             </a:solidFill>
           </p:spPr>
+          <p:txBody>
+            <a:bodyPr/>
+            <a:lstStyle/>
+            <a:p>
+              <a:endParaRPr lang="es-EC"/>
+            </a:p>
+          </p:txBody>
         </p:sp>
         <p:sp>
           <p:nvSpPr>
-            <p:cNvPr name="TextBox 8" id="8"/>
-            <p:cNvSpPr txBox="true"/>
+            <p:cNvPr id="8" name="TextBox 8"/>
+            <p:cNvSpPr txBox="1"/>
             <p:nvPr/>
           </p:nvSpPr>
           <p:spPr>
@@ -14698,7 +15453,7 @@
             </a:prstGeom>
           </p:spPr>
           <p:txBody>
-            <a:bodyPr anchor="ctr" rtlCol="false" tIns="50800" lIns="50800" bIns="50800" rIns="50800"/>
+            <a:bodyPr lIns="50800" tIns="50800" rIns="50800" bIns="50800" rtlCol="0" anchor="ctr"/>
             <a:lstStyle/>
             <a:p>
               <a:pPr algn="ctr">
@@ -14706,18 +15461,19 @@
                   <a:spcPts val="2964"/>
                 </a:lnSpc>
               </a:pPr>
+              <a:endParaRPr/>
             </a:p>
           </p:txBody>
         </p:sp>
       </p:grpSp>
       <p:sp>
         <p:nvSpPr>
-          <p:cNvPr name="Freeform 9" id="9"/>
+          <p:cNvPr id="9" name="Freeform 9"/>
           <p:cNvSpPr/>
           <p:nvPr/>
         </p:nvSpPr>
         <p:spPr>
-          <a:xfrm flipH="false" flipV="false" rot="0">
+          <a:xfrm>
             <a:off x="4426743" y="3494983"/>
             <a:ext cx="9434513" cy="5466594"/>
           </a:xfrm>
@@ -14726,9 +15482,9 @@
             <a:gdLst/>
             <a:ahLst/>
             <a:cxnLst/>
-            <a:rect r="r" b="b" t="t" l="l"/>
+            <a:rect l="l" t="t" r="r" b="b"/>
             <a:pathLst>
-              <a:path h="5466594" w="9434513">
+              <a:path w="9434513" h="5466594">
                 <a:moveTo>
                   <a:pt x="0" y="0"/>
                 </a:moveTo>
@@ -14751,19 +15507,26 @@
           <a:blipFill>
             <a:blip r:embed="rId4"/>
             <a:stretch>
-              <a:fillRect l="0" t="0" r="0" b="0"/>
+              <a:fillRect/>
             </a:stretch>
           </a:blipFill>
         </p:spPr>
-      </p:sp>
-      <p:sp>
-        <p:nvSpPr>
-          <p:cNvPr name="TextBox 10" id="10"/>
-          <p:cNvSpPr txBox="true"/>
+        <p:txBody>
+          <a:bodyPr/>
+          <a:lstStyle/>
+          <a:p>
+            <a:endParaRPr lang="es-EC"/>
+          </a:p>
+        </p:txBody>
+      </p:sp>
+      <p:sp>
+        <p:nvSpPr>
+          <p:cNvPr id="10" name="TextBox 10"/>
+          <p:cNvSpPr txBox="1"/>
           <p:nvPr/>
         </p:nvSpPr>
         <p:spPr>
-          <a:xfrm rot="0">
+          <a:xfrm>
             <a:off x="1856467" y="1243437"/>
             <a:ext cx="3541832" cy="403506"/>
           </a:xfrm>
@@ -14772,7 +15535,7 @@
           </a:prstGeom>
         </p:spPr>
         <p:txBody>
-          <a:bodyPr anchor="t" rtlCol="false" tIns="0" lIns="0" bIns="0" rIns="0">
+          <a:bodyPr lIns="0" tIns="0" rIns="0" bIns="0" rtlCol="0" anchor="t">
             <a:spAutoFit/>
           </a:bodyPr>
           <a:lstStyle/>
@@ -14796,12 +15559,12 @@
       </p:sp>
       <p:sp>
         <p:nvSpPr>
-          <p:cNvPr name="TextBox 11" id="11"/>
-          <p:cNvSpPr txBox="true"/>
+          <p:cNvPr id="11" name="TextBox 11"/>
+          <p:cNvSpPr txBox="1"/>
           <p:nvPr/>
         </p:nvSpPr>
         <p:spPr>
-          <a:xfrm rot="0">
+          <a:xfrm>
             <a:off x="6983173" y="1800917"/>
             <a:ext cx="4321654" cy="1455941"/>
           </a:xfrm>
@@ -14810,7 +15573,7 @@
           </a:prstGeom>
         </p:spPr>
         <p:txBody>
-          <a:bodyPr anchor="t" rtlCol="false" tIns="0" lIns="0" bIns="0" rIns="0">
+          <a:bodyPr lIns="0" tIns="0" rIns="0" bIns="0" rtlCol="0" anchor="t">
             <a:spAutoFit/>
           </a:bodyPr>
           <a:lstStyle/>
@@ -14834,12 +15597,12 @@
       </p:sp>
       <p:sp>
         <p:nvSpPr>
-          <p:cNvPr name="TextBox 12" id="12"/>
-          <p:cNvSpPr txBox="true"/>
+          <p:cNvPr id="12" name="TextBox 12"/>
+          <p:cNvSpPr txBox="1"/>
           <p:nvPr/>
         </p:nvSpPr>
         <p:spPr>
-          <a:xfrm rot="0">
+          <a:xfrm>
             <a:off x="839472" y="6249528"/>
             <a:ext cx="9933798" cy="715208"/>
           </a:xfrm>
@@ -14848,7 +15611,7 @@
           </a:prstGeom>
         </p:spPr>
         <p:txBody>
-          <a:bodyPr anchor="t" rtlCol="false" tIns="0" lIns="0" bIns="0" rIns="0">
+          <a:bodyPr lIns="0" tIns="0" rIns="0" bIns="0" rtlCol="0" anchor="t">
             <a:spAutoFit/>
           </a:bodyPr>
           <a:lstStyle/>
@@ -14872,12 +15635,12 @@
       </p:sp>
       <p:sp>
         <p:nvSpPr>
-          <p:cNvPr name="TextBox 13" id="13"/>
-          <p:cNvSpPr txBox="true"/>
+          <p:cNvPr id="13" name="TextBox 13"/>
+          <p:cNvSpPr txBox="1"/>
           <p:nvPr/>
         </p:nvSpPr>
         <p:spPr>
-          <a:xfrm rot="0">
+          <a:xfrm>
             <a:off x="839472" y="5766100"/>
             <a:ext cx="8043388" cy="462180"/>
           </a:xfrm>
@@ -14886,7 +15649,7 @@
           </a:prstGeom>
         </p:spPr>
         <p:txBody>
-          <a:bodyPr anchor="t" rtlCol="false" tIns="0" lIns="0" bIns="0" rIns="0">
+          <a:bodyPr lIns="0" tIns="0" rIns="0" bIns="0" rtlCol="0" anchor="t">
             <a:spAutoFit/>
           </a:bodyPr>
           <a:lstStyle/>
@@ -14910,12 +15673,12 @@
       </p:sp>
       <p:sp>
         <p:nvSpPr>
-          <p:cNvPr name="TextBox 14" id="14"/>
-          <p:cNvSpPr txBox="true"/>
+          <p:cNvPr id="14" name="TextBox 14"/>
+          <p:cNvSpPr txBox="1"/>
           <p:nvPr/>
         </p:nvSpPr>
         <p:spPr>
-          <a:xfrm rot="0">
+          <a:xfrm>
             <a:off x="13814107" y="6268578"/>
             <a:ext cx="4426743" cy="551278"/>
           </a:xfrm>
@@ -14924,7 +15687,7 @@
           </a:prstGeom>
         </p:spPr>
         <p:txBody>
-          <a:bodyPr anchor="t" rtlCol="false" tIns="0" lIns="0" bIns="0" rIns="0">
+          <a:bodyPr lIns="0" tIns="0" rIns="0" bIns="0" rtlCol="0" anchor="t">
             <a:spAutoFit/>
           </a:bodyPr>
           <a:lstStyle/>
@@ -14948,12 +15711,12 @@
       </p:sp>
       <p:sp>
         <p:nvSpPr>
-          <p:cNvPr name="TextBox 15" id="15"/>
-          <p:cNvSpPr txBox="true"/>
+          <p:cNvPr id="15" name="TextBox 15"/>
+          <p:cNvSpPr txBox="1"/>
           <p:nvPr/>
         </p:nvSpPr>
         <p:spPr>
-          <a:xfrm rot="0">
+          <a:xfrm>
             <a:off x="13814107" y="5766100"/>
             <a:ext cx="4426743" cy="462180"/>
           </a:xfrm>
@@ -14962,7 +15725,7 @@
           </a:prstGeom>
         </p:spPr>
         <p:txBody>
-          <a:bodyPr anchor="t" rtlCol="false" tIns="0" lIns="0" bIns="0" rIns="0">
+          <a:bodyPr lIns="0" tIns="0" rIns="0" bIns="0" rtlCol="0" anchor="t">
             <a:spAutoFit/>
           </a:bodyPr>
           <a:lstStyle/>
